--- a/Archive/ABM_manuscriptfigures.pptx
+++ b/Archive/ABM_manuscriptfigures.pptx
@@ -5,7 +5,7 @@
     <p:sldMasterId id="2147483648" r:id="rId1"/>
   </p:sldMasterIdLst>
   <p:notesMasterIdLst>
-    <p:notesMasterId r:id="rId12"/>
+    <p:notesMasterId r:id="rId17"/>
   </p:notesMasterIdLst>
   <p:sldIdLst>
     <p:sldId id="265" r:id="rId2"/>
@@ -18,6 +18,11 @@
     <p:sldId id="263" r:id="rId9"/>
     <p:sldId id="264" r:id="rId10"/>
     <p:sldId id="270" r:id="rId11"/>
+    <p:sldId id="271" r:id="rId12"/>
+    <p:sldId id="272" r:id="rId13"/>
+    <p:sldId id="273" r:id="rId14"/>
+    <p:sldId id="274" r:id="rId15"/>
+    <p:sldId id="275" r:id="rId16"/>
   </p:sldIdLst>
   <p:sldSz cx="12192000" cy="6858000"/>
   <p:notesSz cx="6858000" cy="9144000"/>
@@ -206,7 +211,7 @@
           <a:p>
             <a:fld id="{B9C7109C-35AB-4CC8-ADE1-E4BA2C40A6EB}" type="datetimeFigureOut">
               <a:rPr lang="en-US" smtClean="0"/>
-              <a:t>6/7/2023</a:t>
+              <a:t>6/18/2023</a:t>
             </a:fld>
             <a:endParaRPr lang="en-US"/>
           </a:p>
@@ -560,6 +565,98 @@
 </p:notes>
 </file>
 
+<file path=ppt/notesSlides/notesSlide2.xml><?xml version="1.0" encoding="utf-8"?>
+<p:notes xmlns:a="http://schemas.openxmlformats.org/drawingml/2006/main" xmlns:r="http://schemas.openxmlformats.org/officeDocument/2006/relationships" xmlns:p="http://schemas.openxmlformats.org/presentationml/2006/main">
+  <p:cSld>
+    <p:spTree>
+      <p:nvGrpSpPr>
+        <p:cNvPr id="1" name=""/>
+        <p:cNvGrpSpPr/>
+        <p:nvPr/>
+      </p:nvGrpSpPr>
+      <p:grpSpPr>
+        <a:xfrm>
+          <a:off x="0" y="0"/>
+          <a:ext cx="0" cy="0"/>
+          <a:chOff x="0" y="0"/>
+          <a:chExt cx="0" cy="0"/>
+        </a:xfrm>
+      </p:grpSpPr>
+      <p:sp>
+        <p:nvSpPr>
+          <p:cNvPr id="2" name="Slide Image Placeholder 1"/>
+          <p:cNvSpPr>
+            <a:spLocks noGrp="1" noRot="1" noChangeAspect="1"/>
+          </p:cNvSpPr>
+          <p:nvPr>
+            <p:ph type="sldImg"/>
+          </p:nvPr>
+        </p:nvSpPr>
+        <p:spPr/>
+      </p:sp>
+      <p:sp>
+        <p:nvSpPr>
+          <p:cNvPr id="3" name="Notes Placeholder 2"/>
+          <p:cNvSpPr>
+            <a:spLocks noGrp="1"/>
+          </p:cNvSpPr>
+          <p:nvPr>
+            <p:ph type="body" idx="1"/>
+          </p:nvPr>
+        </p:nvSpPr>
+        <p:spPr/>
+        <p:txBody>
+          <a:bodyPr/>
+          <a:lstStyle/>
+          <a:p>
+            <a:r>
+              <a:rPr lang="en-US" dirty="0"/>
+              <a:t>Prop pops that survived in a critically endangered </a:t>
+            </a:r>
+            <a:r>
+              <a:rPr lang="en-US" dirty="0" err="1"/>
+              <a:t>sp</a:t>
+            </a:r>
+            <a:endParaRPr lang="en-US" dirty="0"/>
+          </a:p>
+        </p:txBody>
+      </p:sp>
+      <p:sp>
+        <p:nvSpPr>
+          <p:cNvPr id="4" name="Slide Number Placeholder 3"/>
+          <p:cNvSpPr>
+            <a:spLocks noGrp="1"/>
+          </p:cNvSpPr>
+          <p:nvPr>
+            <p:ph type="sldNum" sz="quarter" idx="5"/>
+          </p:nvPr>
+        </p:nvSpPr>
+        <p:spPr/>
+        <p:txBody>
+          <a:bodyPr/>
+          <a:lstStyle/>
+          <a:p>
+            <a:fld id="{FE62CD85-8045-4FE0-BEDB-82B3898CA791}" type="slidenum">
+              <a:rPr lang="en-US" smtClean="0"/>
+              <a:t>15</a:t>
+            </a:fld>
+            <a:endParaRPr lang="en-US"/>
+          </a:p>
+        </p:txBody>
+      </p:sp>
+    </p:spTree>
+    <p:extLst>
+      <p:ext uri="{BB962C8B-B14F-4D97-AF65-F5344CB8AC3E}">
+        <p14:creationId xmlns:p14="http://schemas.microsoft.com/office/powerpoint/2010/main" val="2069342022"/>
+      </p:ext>
+    </p:extLst>
+  </p:cSld>
+  <p:clrMapOvr>
+    <a:masterClrMapping/>
+  </p:clrMapOvr>
+</p:notes>
+</file>
+
 <file path=ppt/slideLayouts/slideLayout1.xml><?xml version="1.0" encoding="utf-8"?>
 <p:sldLayout xmlns:a="http://schemas.openxmlformats.org/drawingml/2006/main" xmlns:r="http://schemas.openxmlformats.org/officeDocument/2006/relationships" xmlns:p="http://schemas.openxmlformats.org/presentationml/2006/main" type="title" preserve="1">
   <p:cSld name="Title Slide">
@@ -707,7 +804,7 @@
           <a:p>
             <a:fld id="{AC14397A-F73A-4DD4-868D-AEFFDEB1E28B}" type="datetimeFigureOut">
               <a:rPr lang="en-US" smtClean="0"/>
-              <a:t>6/7/2023</a:t>
+              <a:t>6/18/2023</a:t>
             </a:fld>
             <a:endParaRPr lang="en-US"/>
           </a:p>
@@ -905,7 +1002,7 @@
           <a:p>
             <a:fld id="{AC14397A-F73A-4DD4-868D-AEFFDEB1E28B}" type="datetimeFigureOut">
               <a:rPr lang="en-US" smtClean="0"/>
-              <a:t>6/7/2023</a:t>
+              <a:t>6/18/2023</a:t>
             </a:fld>
             <a:endParaRPr lang="en-US"/>
           </a:p>
@@ -1113,7 +1210,7 @@
           <a:p>
             <a:fld id="{AC14397A-F73A-4DD4-868D-AEFFDEB1E28B}" type="datetimeFigureOut">
               <a:rPr lang="en-US" smtClean="0"/>
-              <a:t>6/7/2023</a:t>
+              <a:t>6/18/2023</a:t>
             </a:fld>
             <a:endParaRPr lang="en-US"/>
           </a:p>
@@ -1311,7 +1408,7 @@
           <a:p>
             <a:fld id="{AC14397A-F73A-4DD4-868D-AEFFDEB1E28B}" type="datetimeFigureOut">
               <a:rPr lang="en-US" smtClean="0"/>
-              <a:t>6/7/2023</a:t>
+              <a:t>6/18/2023</a:t>
             </a:fld>
             <a:endParaRPr lang="en-US"/>
           </a:p>
@@ -1586,7 +1683,7 @@
           <a:p>
             <a:fld id="{AC14397A-F73A-4DD4-868D-AEFFDEB1E28B}" type="datetimeFigureOut">
               <a:rPr lang="en-US" smtClean="0"/>
-              <a:t>6/7/2023</a:t>
+              <a:t>6/18/2023</a:t>
             </a:fld>
             <a:endParaRPr lang="en-US"/>
           </a:p>
@@ -1851,7 +1948,7 @@
           <a:p>
             <a:fld id="{AC14397A-F73A-4DD4-868D-AEFFDEB1E28B}" type="datetimeFigureOut">
               <a:rPr lang="en-US" smtClean="0"/>
-              <a:t>6/7/2023</a:t>
+              <a:t>6/18/2023</a:t>
             </a:fld>
             <a:endParaRPr lang="en-US"/>
           </a:p>
@@ -2263,7 +2360,7 @@
           <a:p>
             <a:fld id="{AC14397A-F73A-4DD4-868D-AEFFDEB1E28B}" type="datetimeFigureOut">
               <a:rPr lang="en-US" smtClean="0"/>
-              <a:t>6/7/2023</a:t>
+              <a:t>6/18/2023</a:t>
             </a:fld>
             <a:endParaRPr lang="en-US"/>
           </a:p>
@@ -2404,7 +2501,7 @@
           <a:p>
             <a:fld id="{AC14397A-F73A-4DD4-868D-AEFFDEB1E28B}" type="datetimeFigureOut">
               <a:rPr lang="en-US" smtClean="0"/>
-              <a:t>6/7/2023</a:t>
+              <a:t>6/18/2023</a:t>
             </a:fld>
             <a:endParaRPr lang="en-US"/>
           </a:p>
@@ -2517,7 +2614,7 @@
           <a:p>
             <a:fld id="{AC14397A-F73A-4DD4-868D-AEFFDEB1E28B}" type="datetimeFigureOut">
               <a:rPr lang="en-US" smtClean="0"/>
-              <a:t>6/7/2023</a:t>
+              <a:t>6/18/2023</a:t>
             </a:fld>
             <a:endParaRPr lang="en-US"/>
           </a:p>
@@ -2828,7 +2925,7 @@
           <a:p>
             <a:fld id="{AC14397A-F73A-4DD4-868D-AEFFDEB1E28B}" type="datetimeFigureOut">
               <a:rPr lang="en-US" smtClean="0"/>
-              <a:t>6/7/2023</a:t>
+              <a:t>6/18/2023</a:t>
             </a:fld>
             <a:endParaRPr lang="en-US"/>
           </a:p>
@@ -3116,7 +3213,7 @@
           <a:p>
             <a:fld id="{AC14397A-F73A-4DD4-868D-AEFFDEB1E28B}" type="datetimeFigureOut">
               <a:rPr lang="en-US" smtClean="0"/>
-              <a:t>6/7/2023</a:t>
+              <a:t>6/18/2023</a:t>
             </a:fld>
             <a:endParaRPr lang="en-US"/>
           </a:p>
@@ -3357,7 +3454,7 @@
           <a:p>
             <a:fld id="{AC14397A-F73A-4DD4-868D-AEFFDEB1E28B}" type="datetimeFigureOut">
               <a:rPr lang="en-US" smtClean="0"/>
-              <a:t>6/7/2023</a:t>
+              <a:t>6/18/2023</a:t>
             </a:fld>
             <a:endParaRPr lang="en-US"/>
           </a:p>
@@ -4048,6 +4145,756 @@
     <p:extLst>
       <p:ext uri="{BB962C8B-B14F-4D97-AF65-F5344CB8AC3E}">
         <p14:creationId xmlns:p14="http://schemas.microsoft.com/office/powerpoint/2010/main" val="3861890404"/>
+      </p:ext>
+    </p:extLst>
+  </p:cSld>
+  <p:clrMapOvr>
+    <a:masterClrMapping/>
+  </p:clrMapOvr>
+</p:sld>
+</file>
+
+<file path=ppt/slides/slide11.xml><?xml version="1.0" encoding="utf-8"?>
+<p:sld xmlns:a="http://schemas.openxmlformats.org/drawingml/2006/main" xmlns:r="http://schemas.openxmlformats.org/officeDocument/2006/relationships" xmlns:p="http://schemas.openxmlformats.org/presentationml/2006/main">
+  <p:cSld>
+    <p:spTree>
+      <p:nvGrpSpPr>
+        <p:cNvPr id="1" name=""/>
+        <p:cNvGrpSpPr/>
+        <p:nvPr/>
+      </p:nvGrpSpPr>
+      <p:grpSpPr>
+        <a:xfrm>
+          <a:off x="0" y="0"/>
+          <a:ext cx="0" cy="0"/>
+          <a:chOff x="0" y="0"/>
+          <a:chExt cx="0" cy="0"/>
+        </a:xfrm>
+      </p:grpSpPr>
+      <p:pic>
+        <p:nvPicPr>
+          <p:cNvPr id="5" name="Picture 4">
+            <a:extLst>
+              <a:ext uri="{FF2B5EF4-FFF2-40B4-BE49-F238E27FC236}">
+                <a16:creationId xmlns:a16="http://schemas.microsoft.com/office/drawing/2014/main" id="{D06C9541-4544-7913-F4CA-09FCC6C6D33D}"/>
+              </a:ext>
+            </a:extLst>
+          </p:cNvPr>
+          <p:cNvPicPr>
+            <a:picLocks noChangeAspect="1"/>
+          </p:cNvPicPr>
+          <p:nvPr/>
+        </p:nvPicPr>
+        <p:blipFill>
+          <a:blip r:embed="rId2"/>
+          <a:stretch>
+            <a:fillRect/>
+          </a:stretch>
+        </p:blipFill>
+        <p:spPr>
+          <a:xfrm>
+            <a:off x="5719762" y="185738"/>
+            <a:ext cx="3205163" cy="3042082"/>
+          </a:xfrm>
+          <a:prstGeom prst="rect">
+            <a:avLst/>
+          </a:prstGeom>
+        </p:spPr>
+      </p:pic>
+      <p:pic>
+        <p:nvPicPr>
+          <p:cNvPr id="7" name="Picture 6">
+            <a:extLst>
+              <a:ext uri="{FF2B5EF4-FFF2-40B4-BE49-F238E27FC236}">
+                <a16:creationId xmlns:a16="http://schemas.microsoft.com/office/drawing/2014/main" id="{E5E6984D-7843-746C-74A0-43A9EEC80FFA}"/>
+              </a:ext>
+            </a:extLst>
+          </p:cNvPr>
+          <p:cNvPicPr>
+            <a:picLocks noChangeAspect="1"/>
+          </p:cNvPicPr>
+          <p:nvPr/>
+        </p:nvPicPr>
+        <p:blipFill>
+          <a:blip r:embed="rId3"/>
+          <a:stretch>
+            <a:fillRect/>
+          </a:stretch>
+        </p:blipFill>
+        <p:spPr>
+          <a:xfrm>
+            <a:off x="2281237" y="3227820"/>
+            <a:ext cx="3205163" cy="3042082"/>
+          </a:xfrm>
+          <a:prstGeom prst="rect">
+            <a:avLst/>
+          </a:prstGeom>
+        </p:spPr>
+      </p:pic>
+      <p:pic>
+        <p:nvPicPr>
+          <p:cNvPr id="9" name="Picture 8">
+            <a:extLst>
+              <a:ext uri="{FF2B5EF4-FFF2-40B4-BE49-F238E27FC236}">
+                <a16:creationId xmlns:a16="http://schemas.microsoft.com/office/drawing/2014/main" id="{AF2BC8AF-5FCB-60AF-4EDB-A66F09C79FAE}"/>
+              </a:ext>
+            </a:extLst>
+          </p:cNvPr>
+          <p:cNvPicPr>
+            <a:picLocks noChangeAspect="1"/>
+          </p:cNvPicPr>
+          <p:nvPr/>
+        </p:nvPicPr>
+        <p:blipFill>
+          <a:blip r:embed="rId4"/>
+          <a:stretch>
+            <a:fillRect/>
+          </a:stretch>
+        </p:blipFill>
+        <p:spPr>
+          <a:xfrm>
+            <a:off x="5719761" y="3227820"/>
+            <a:ext cx="3205163" cy="3042082"/>
+          </a:xfrm>
+          <a:prstGeom prst="rect">
+            <a:avLst/>
+          </a:prstGeom>
+        </p:spPr>
+      </p:pic>
+      <p:pic>
+        <p:nvPicPr>
+          <p:cNvPr id="11" name="Picture 10">
+            <a:extLst>
+              <a:ext uri="{FF2B5EF4-FFF2-40B4-BE49-F238E27FC236}">
+                <a16:creationId xmlns:a16="http://schemas.microsoft.com/office/drawing/2014/main" id="{A5FC2879-7E2B-8C1D-6A12-C20EF5E6E196}"/>
+              </a:ext>
+            </a:extLst>
+          </p:cNvPr>
+          <p:cNvPicPr>
+            <a:picLocks noChangeAspect="1"/>
+          </p:cNvPicPr>
+          <p:nvPr/>
+        </p:nvPicPr>
+        <p:blipFill>
+          <a:blip r:embed="rId5"/>
+          <a:stretch>
+            <a:fillRect/>
+          </a:stretch>
+        </p:blipFill>
+        <p:spPr>
+          <a:xfrm>
+            <a:off x="2397917" y="185737"/>
+            <a:ext cx="3205164" cy="3042083"/>
+          </a:xfrm>
+          <a:prstGeom prst="rect">
+            <a:avLst/>
+          </a:prstGeom>
+        </p:spPr>
+      </p:pic>
+    </p:spTree>
+    <p:extLst>
+      <p:ext uri="{BB962C8B-B14F-4D97-AF65-F5344CB8AC3E}">
+        <p14:creationId xmlns:p14="http://schemas.microsoft.com/office/powerpoint/2010/main" val="1500301307"/>
+      </p:ext>
+    </p:extLst>
+  </p:cSld>
+  <p:clrMapOvr>
+    <a:masterClrMapping/>
+  </p:clrMapOvr>
+</p:sld>
+</file>
+
+<file path=ppt/slides/slide12.xml><?xml version="1.0" encoding="utf-8"?>
+<p:sld xmlns:a="http://schemas.openxmlformats.org/drawingml/2006/main" xmlns:r="http://schemas.openxmlformats.org/officeDocument/2006/relationships" xmlns:p="http://schemas.openxmlformats.org/presentationml/2006/main">
+  <p:cSld>
+    <p:spTree>
+      <p:nvGrpSpPr>
+        <p:cNvPr id="1" name=""/>
+        <p:cNvGrpSpPr/>
+        <p:nvPr/>
+      </p:nvGrpSpPr>
+      <p:grpSpPr>
+        <a:xfrm>
+          <a:off x="0" y="0"/>
+          <a:ext cx="0" cy="0"/>
+          <a:chOff x="0" y="0"/>
+          <a:chExt cx="0" cy="0"/>
+        </a:xfrm>
+      </p:grpSpPr>
+      <p:pic>
+        <p:nvPicPr>
+          <p:cNvPr id="5" name="Picture 4">
+            <a:extLst>
+              <a:ext uri="{FF2B5EF4-FFF2-40B4-BE49-F238E27FC236}">
+                <a16:creationId xmlns:a16="http://schemas.microsoft.com/office/drawing/2014/main" id="{C6631D35-0142-A959-3CA1-96E6796D2A31}"/>
+              </a:ext>
+            </a:extLst>
+          </p:cNvPr>
+          <p:cNvPicPr>
+            <a:picLocks noChangeAspect="1"/>
+          </p:cNvPicPr>
+          <p:nvPr/>
+        </p:nvPicPr>
+        <p:blipFill>
+          <a:blip r:embed="rId2"/>
+          <a:stretch>
+            <a:fillRect/>
+          </a:stretch>
+        </p:blipFill>
+        <p:spPr>
+          <a:xfrm>
+            <a:off x="2743200" y="236444"/>
+            <a:ext cx="3257550" cy="3002056"/>
+          </a:xfrm>
+          <a:prstGeom prst="rect">
+            <a:avLst/>
+          </a:prstGeom>
+        </p:spPr>
+      </p:pic>
+      <p:pic>
+        <p:nvPicPr>
+          <p:cNvPr id="7" name="Picture 6">
+            <a:extLst>
+              <a:ext uri="{FF2B5EF4-FFF2-40B4-BE49-F238E27FC236}">
+                <a16:creationId xmlns:a16="http://schemas.microsoft.com/office/drawing/2014/main" id="{BC062588-E89F-B520-90AB-5BEA2E105BFC}"/>
+              </a:ext>
+            </a:extLst>
+          </p:cNvPr>
+          <p:cNvPicPr>
+            <a:picLocks noChangeAspect="1"/>
+          </p:cNvPicPr>
+          <p:nvPr/>
+        </p:nvPicPr>
+        <p:blipFill>
+          <a:blip r:embed="rId3"/>
+          <a:stretch>
+            <a:fillRect/>
+          </a:stretch>
+        </p:blipFill>
+        <p:spPr>
+          <a:xfrm>
+            <a:off x="6191250" y="236444"/>
+            <a:ext cx="3257550" cy="3002056"/>
+          </a:xfrm>
+          <a:prstGeom prst="rect">
+            <a:avLst/>
+          </a:prstGeom>
+        </p:spPr>
+      </p:pic>
+      <p:pic>
+        <p:nvPicPr>
+          <p:cNvPr id="9" name="Picture 8">
+            <a:extLst>
+              <a:ext uri="{FF2B5EF4-FFF2-40B4-BE49-F238E27FC236}">
+                <a16:creationId xmlns:a16="http://schemas.microsoft.com/office/drawing/2014/main" id="{9741B2C1-4062-F904-8E1B-A8E5CF7EE765}"/>
+              </a:ext>
+            </a:extLst>
+          </p:cNvPr>
+          <p:cNvPicPr>
+            <a:picLocks noChangeAspect="1"/>
+          </p:cNvPicPr>
+          <p:nvPr/>
+        </p:nvPicPr>
+        <p:blipFill>
+          <a:blip r:embed="rId4"/>
+          <a:stretch>
+            <a:fillRect/>
+          </a:stretch>
+        </p:blipFill>
+        <p:spPr>
+          <a:xfrm>
+            <a:off x="2743200" y="3238500"/>
+            <a:ext cx="3257550" cy="3002056"/>
+          </a:xfrm>
+          <a:prstGeom prst="rect">
+            <a:avLst/>
+          </a:prstGeom>
+        </p:spPr>
+      </p:pic>
+      <p:pic>
+        <p:nvPicPr>
+          <p:cNvPr id="11" name="Picture 10">
+            <a:extLst>
+              <a:ext uri="{FF2B5EF4-FFF2-40B4-BE49-F238E27FC236}">
+                <a16:creationId xmlns:a16="http://schemas.microsoft.com/office/drawing/2014/main" id="{102D1349-8D00-6C6D-F92A-595DD4E9350A}"/>
+              </a:ext>
+            </a:extLst>
+          </p:cNvPr>
+          <p:cNvPicPr>
+            <a:picLocks noChangeAspect="1"/>
+          </p:cNvPicPr>
+          <p:nvPr/>
+        </p:nvPicPr>
+        <p:blipFill>
+          <a:blip r:embed="rId5"/>
+          <a:stretch>
+            <a:fillRect/>
+          </a:stretch>
+        </p:blipFill>
+        <p:spPr>
+          <a:xfrm>
+            <a:off x="6096000" y="3238500"/>
+            <a:ext cx="3257550" cy="3002056"/>
+          </a:xfrm>
+          <a:prstGeom prst="rect">
+            <a:avLst/>
+          </a:prstGeom>
+        </p:spPr>
+      </p:pic>
+    </p:spTree>
+    <p:extLst>
+      <p:ext uri="{BB962C8B-B14F-4D97-AF65-F5344CB8AC3E}">
+        <p14:creationId xmlns:p14="http://schemas.microsoft.com/office/powerpoint/2010/main" val="1572796044"/>
+      </p:ext>
+    </p:extLst>
+  </p:cSld>
+  <p:clrMapOvr>
+    <a:masterClrMapping/>
+  </p:clrMapOvr>
+</p:sld>
+</file>
+
+<file path=ppt/slides/slide13.xml><?xml version="1.0" encoding="utf-8"?>
+<p:sld xmlns:a="http://schemas.openxmlformats.org/drawingml/2006/main" xmlns:r="http://schemas.openxmlformats.org/officeDocument/2006/relationships" xmlns:p="http://schemas.openxmlformats.org/presentationml/2006/main">
+  <p:cSld>
+    <p:spTree>
+      <p:nvGrpSpPr>
+        <p:cNvPr id="1" name=""/>
+        <p:cNvGrpSpPr/>
+        <p:nvPr/>
+      </p:nvGrpSpPr>
+      <p:grpSpPr>
+        <a:xfrm>
+          <a:off x="0" y="0"/>
+          <a:ext cx="0" cy="0"/>
+          <a:chOff x="0" y="0"/>
+          <a:chExt cx="0" cy="0"/>
+        </a:xfrm>
+      </p:grpSpPr>
+      <p:pic>
+        <p:nvPicPr>
+          <p:cNvPr id="5" name="Picture 4">
+            <a:extLst>
+              <a:ext uri="{FF2B5EF4-FFF2-40B4-BE49-F238E27FC236}">
+                <a16:creationId xmlns:a16="http://schemas.microsoft.com/office/drawing/2014/main" id="{D38B3D63-3E3A-85E3-5F2A-BA4A67B2A8DD}"/>
+              </a:ext>
+            </a:extLst>
+          </p:cNvPr>
+          <p:cNvPicPr>
+            <a:picLocks noChangeAspect="1"/>
+          </p:cNvPicPr>
+          <p:nvPr/>
+        </p:nvPicPr>
+        <p:blipFill>
+          <a:blip r:embed="rId2"/>
+          <a:stretch>
+            <a:fillRect/>
+          </a:stretch>
+        </p:blipFill>
+        <p:spPr>
+          <a:xfrm>
+            <a:off x="5886449" y="3429000"/>
+            <a:ext cx="3095625" cy="2852831"/>
+          </a:xfrm>
+          <a:prstGeom prst="rect">
+            <a:avLst/>
+          </a:prstGeom>
+        </p:spPr>
+      </p:pic>
+      <p:pic>
+        <p:nvPicPr>
+          <p:cNvPr id="7" name="Picture 6">
+            <a:extLst>
+              <a:ext uri="{FF2B5EF4-FFF2-40B4-BE49-F238E27FC236}">
+                <a16:creationId xmlns:a16="http://schemas.microsoft.com/office/drawing/2014/main" id="{F9B23F3F-D47C-4849-9456-7C08B3D6D721}"/>
+              </a:ext>
+            </a:extLst>
+          </p:cNvPr>
+          <p:cNvPicPr>
+            <a:picLocks noChangeAspect="1"/>
+          </p:cNvPicPr>
+          <p:nvPr/>
+        </p:nvPicPr>
+        <p:blipFill>
+          <a:blip r:embed="rId3"/>
+          <a:stretch>
+            <a:fillRect/>
+          </a:stretch>
+        </p:blipFill>
+        <p:spPr>
+          <a:xfrm>
+            <a:off x="2533649" y="3389218"/>
+            <a:ext cx="3095626" cy="2852832"/>
+          </a:xfrm>
+          <a:prstGeom prst="rect">
+            <a:avLst/>
+          </a:prstGeom>
+        </p:spPr>
+      </p:pic>
+      <p:pic>
+        <p:nvPicPr>
+          <p:cNvPr id="9" name="Picture 8">
+            <a:extLst>
+              <a:ext uri="{FF2B5EF4-FFF2-40B4-BE49-F238E27FC236}">
+                <a16:creationId xmlns:a16="http://schemas.microsoft.com/office/drawing/2014/main" id="{F31620D6-42F2-5C0E-311E-ABE2CAF08BB4}"/>
+              </a:ext>
+            </a:extLst>
+          </p:cNvPr>
+          <p:cNvPicPr>
+            <a:picLocks noChangeAspect="1"/>
+          </p:cNvPicPr>
+          <p:nvPr/>
+        </p:nvPicPr>
+        <p:blipFill>
+          <a:blip r:embed="rId4"/>
+          <a:stretch>
+            <a:fillRect/>
+          </a:stretch>
+        </p:blipFill>
+        <p:spPr>
+          <a:xfrm>
+            <a:off x="2533649" y="536386"/>
+            <a:ext cx="3095626" cy="2852832"/>
+          </a:xfrm>
+          <a:prstGeom prst="rect">
+            <a:avLst/>
+          </a:prstGeom>
+        </p:spPr>
+      </p:pic>
+      <p:pic>
+        <p:nvPicPr>
+          <p:cNvPr id="11" name="Picture 10">
+            <a:extLst>
+              <a:ext uri="{FF2B5EF4-FFF2-40B4-BE49-F238E27FC236}">
+                <a16:creationId xmlns:a16="http://schemas.microsoft.com/office/drawing/2014/main" id="{FBB9DC0B-2EB6-B2B4-49FD-2B35ACCF0AE9}"/>
+              </a:ext>
+            </a:extLst>
+          </p:cNvPr>
+          <p:cNvPicPr>
+            <a:picLocks noChangeAspect="1"/>
+          </p:cNvPicPr>
+          <p:nvPr/>
+        </p:nvPicPr>
+        <p:blipFill>
+          <a:blip r:embed="rId5"/>
+          <a:stretch>
+            <a:fillRect/>
+          </a:stretch>
+        </p:blipFill>
+        <p:spPr>
+          <a:xfrm>
+            <a:off x="5886447" y="536385"/>
+            <a:ext cx="3095627" cy="2852833"/>
+          </a:xfrm>
+          <a:prstGeom prst="rect">
+            <a:avLst/>
+          </a:prstGeom>
+        </p:spPr>
+      </p:pic>
+    </p:spTree>
+    <p:extLst>
+      <p:ext uri="{BB962C8B-B14F-4D97-AF65-F5344CB8AC3E}">
+        <p14:creationId xmlns:p14="http://schemas.microsoft.com/office/powerpoint/2010/main" val="1456132840"/>
+      </p:ext>
+    </p:extLst>
+  </p:cSld>
+  <p:clrMapOvr>
+    <a:masterClrMapping/>
+  </p:clrMapOvr>
+</p:sld>
+</file>
+
+<file path=ppt/slides/slide14.xml><?xml version="1.0" encoding="utf-8"?>
+<p:sld xmlns:a="http://schemas.openxmlformats.org/drawingml/2006/main" xmlns:r="http://schemas.openxmlformats.org/officeDocument/2006/relationships" xmlns:p="http://schemas.openxmlformats.org/presentationml/2006/main">
+  <p:cSld>
+    <p:spTree>
+      <p:nvGrpSpPr>
+        <p:cNvPr id="1" name=""/>
+        <p:cNvGrpSpPr/>
+        <p:nvPr/>
+      </p:nvGrpSpPr>
+      <p:grpSpPr>
+        <a:xfrm>
+          <a:off x="0" y="0"/>
+          <a:ext cx="0" cy="0"/>
+          <a:chOff x="0" y="0"/>
+          <a:chExt cx="0" cy="0"/>
+        </a:xfrm>
+      </p:grpSpPr>
+      <p:pic>
+        <p:nvPicPr>
+          <p:cNvPr id="13" name="Picture 12">
+            <a:extLst>
+              <a:ext uri="{FF2B5EF4-FFF2-40B4-BE49-F238E27FC236}">
+                <a16:creationId xmlns:a16="http://schemas.microsoft.com/office/drawing/2014/main" id="{84E891F5-5141-F54D-4111-5D677420A0C0}"/>
+              </a:ext>
+            </a:extLst>
+          </p:cNvPr>
+          <p:cNvPicPr>
+            <a:picLocks noChangeAspect="1"/>
+          </p:cNvPicPr>
+          <p:nvPr/>
+        </p:nvPicPr>
+        <p:blipFill>
+          <a:blip r:embed="rId2"/>
+          <a:stretch>
+            <a:fillRect/>
+          </a:stretch>
+        </p:blipFill>
+        <p:spPr>
+          <a:xfrm>
+            <a:off x="2295525" y="103879"/>
+            <a:ext cx="3600450" cy="3325121"/>
+          </a:xfrm>
+          <a:prstGeom prst="rect">
+            <a:avLst/>
+          </a:prstGeom>
+        </p:spPr>
+      </p:pic>
+      <p:pic>
+        <p:nvPicPr>
+          <p:cNvPr id="15" name="Picture 14">
+            <a:extLst>
+              <a:ext uri="{FF2B5EF4-FFF2-40B4-BE49-F238E27FC236}">
+                <a16:creationId xmlns:a16="http://schemas.microsoft.com/office/drawing/2014/main" id="{9A777717-6702-E9B0-4CE7-35759130738C}"/>
+              </a:ext>
+            </a:extLst>
+          </p:cNvPr>
+          <p:cNvPicPr>
+            <a:picLocks noChangeAspect="1"/>
+          </p:cNvPicPr>
+          <p:nvPr/>
+        </p:nvPicPr>
+        <p:blipFill>
+          <a:blip r:embed="rId3"/>
+          <a:stretch>
+            <a:fillRect/>
+          </a:stretch>
+        </p:blipFill>
+        <p:spPr>
+          <a:xfrm>
+            <a:off x="6296027" y="3328090"/>
+            <a:ext cx="3600451" cy="3325122"/>
+          </a:xfrm>
+          <a:prstGeom prst="rect">
+            <a:avLst/>
+          </a:prstGeom>
+        </p:spPr>
+      </p:pic>
+      <p:pic>
+        <p:nvPicPr>
+          <p:cNvPr id="17" name="Picture 16">
+            <a:extLst>
+              <a:ext uri="{FF2B5EF4-FFF2-40B4-BE49-F238E27FC236}">
+                <a16:creationId xmlns:a16="http://schemas.microsoft.com/office/drawing/2014/main" id="{701A94D0-C75D-23EC-3554-59AD71A2B2E6}"/>
+              </a:ext>
+            </a:extLst>
+          </p:cNvPr>
+          <p:cNvPicPr>
+            <a:picLocks noChangeAspect="1"/>
+          </p:cNvPicPr>
+          <p:nvPr/>
+        </p:nvPicPr>
+        <p:blipFill>
+          <a:blip r:embed="rId4"/>
+          <a:stretch>
+            <a:fillRect/>
+          </a:stretch>
+        </p:blipFill>
+        <p:spPr>
+          <a:xfrm>
+            <a:off x="2295522" y="3328090"/>
+            <a:ext cx="3600451" cy="3325122"/>
+          </a:xfrm>
+          <a:prstGeom prst="rect">
+            <a:avLst/>
+          </a:prstGeom>
+        </p:spPr>
+      </p:pic>
+      <p:pic>
+        <p:nvPicPr>
+          <p:cNvPr id="19" name="Picture 18">
+            <a:extLst>
+              <a:ext uri="{FF2B5EF4-FFF2-40B4-BE49-F238E27FC236}">
+                <a16:creationId xmlns:a16="http://schemas.microsoft.com/office/drawing/2014/main" id="{FA5AA468-7D6A-2111-98EB-D13EE08F031F}"/>
+              </a:ext>
+            </a:extLst>
+          </p:cNvPr>
+          <p:cNvPicPr>
+            <a:picLocks noChangeAspect="1"/>
+          </p:cNvPicPr>
+          <p:nvPr/>
+        </p:nvPicPr>
+        <p:blipFill>
+          <a:blip r:embed="rId5"/>
+          <a:stretch>
+            <a:fillRect/>
+          </a:stretch>
+        </p:blipFill>
+        <p:spPr>
+          <a:xfrm>
+            <a:off x="6296026" y="103879"/>
+            <a:ext cx="3600451" cy="3325122"/>
+          </a:xfrm>
+          <a:prstGeom prst="rect">
+            <a:avLst/>
+          </a:prstGeom>
+        </p:spPr>
+      </p:pic>
+    </p:spTree>
+    <p:extLst>
+      <p:ext uri="{BB962C8B-B14F-4D97-AF65-F5344CB8AC3E}">
+        <p14:creationId xmlns:p14="http://schemas.microsoft.com/office/powerpoint/2010/main" val="1200311540"/>
+      </p:ext>
+    </p:extLst>
+  </p:cSld>
+  <p:clrMapOvr>
+    <a:masterClrMapping/>
+  </p:clrMapOvr>
+</p:sld>
+</file>
+
+<file path=ppt/slides/slide15.xml><?xml version="1.0" encoding="utf-8"?>
+<p:sld xmlns:a="http://schemas.openxmlformats.org/drawingml/2006/main" xmlns:r="http://schemas.openxmlformats.org/officeDocument/2006/relationships" xmlns:p="http://schemas.openxmlformats.org/presentationml/2006/main">
+  <p:cSld>
+    <p:spTree>
+      <p:nvGrpSpPr>
+        <p:cNvPr id="1" name=""/>
+        <p:cNvGrpSpPr/>
+        <p:nvPr/>
+      </p:nvGrpSpPr>
+      <p:grpSpPr>
+        <a:xfrm>
+          <a:off x="0" y="0"/>
+          <a:ext cx="0" cy="0"/>
+          <a:chOff x="0" y="0"/>
+          <a:chExt cx="0" cy="0"/>
+        </a:xfrm>
+      </p:grpSpPr>
+      <p:pic>
+        <p:nvPicPr>
+          <p:cNvPr id="9" name="Picture 8">
+            <a:extLst>
+              <a:ext uri="{FF2B5EF4-FFF2-40B4-BE49-F238E27FC236}">
+                <a16:creationId xmlns:a16="http://schemas.microsoft.com/office/drawing/2014/main" id="{9AEA1866-4E55-7B54-34E4-6A2FDDA67A86}"/>
+              </a:ext>
+            </a:extLst>
+          </p:cNvPr>
+          <p:cNvPicPr>
+            <a:picLocks noChangeAspect="1"/>
+          </p:cNvPicPr>
+          <p:nvPr/>
+        </p:nvPicPr>
+        <p:blipFill>
+          <a:blip r:embed="rId3"/>
+          <a:stretch>
+            <a:fillRect/>
+          </a:stretch>
+        </p:blipFill>
+        <p:spPr>
+          <a:xfrm>
+            <a:off x="1719263" y="1"/>
+            <a:ext cx="4491038" cy="3439738"/>
+          </a:xfrm>
+          <a:prstGeom prst="rect">
+            <a:avLst/>
+          </a:prstGeom>
+        </p:spPr>
+      </p:pic>
+      <p:pic>
+        <p:nvPicPr>
+          <p:cNvPr id="11" name="Picture 10">
+            <a:extLst>
+              <a:ext uri="{FF2B5EF4-FFF2-40B4-BE49-F238E27FC236}">
+                <a16:creationId xmlns:a16="http://schemas.microsoft.com/office/drawing/2014/main" id="{1DC14779-62F8-49B9-485E-D8C65666A989}"/>
+              </a:ext>
+            </a:extLst>
+          </p:cNvPr>
+          <p:cNvPicPr>
+            <a:picLocks noChangeAspect="1"/>
+          </p:cNvPicPr>
+          <p:nvPr/>
+        </p:nvPicPr>
+        <p:blipFill>
+          <a:blip r:embed="rId4"/>
+          <a:stretch>
+            <a:fillRect/>
+          </a:stretch>
+        </p:blipFill>
+        <p:spPr>
+          <a:xfrm>
+            <a:off x="6434137" y="0"/>
+            <a:ext cx="4491039" cy="3439739"/>
+          </a:xfrm>
+          <a:prstGeom prst="rect">
+            <a:avLst/>
+          </a:prstGeom>
+        </p:spPr>
+      </p:pic>
+      <p:pic>
+        <p:nvPicPr>
+          <p:cNvPr id="15" name="Picture 14">
+            <a:extLst>
+              <a:ext uri="{FF2B5EF4-FFF2-40B4-BE49-F238E27FC236}">
+                <a16:creationId xmlns:a16="http://schemas.microsoft.com/office/drawing/2014/main" id="{94BBECDA-207E-7C94-E83F-E5C5E0871FFA}"/>
+              </a:ext>
+            </a:extLst>
+          </p:cNvPr>
+          <p:cNvPicPr>
+            <a:picLocks noChangeAspect="1"/>
+          </p:cNvPicPr>
+          <p:nvPr/>
+        </p:nvPicPr>
+        <p:blipFill>
+          <a:blip r:embed="rId5"/>
+          <a:stretch>
+            <a:fillRect/>
+          </a:stretch>
+        </p:blipFill>
+        <p:spPr>
+          <a:xfrm>
+            <a:off x="1719263" y="3370637"/>
+            <a:ext cx="4491038" cy="3439738"/>
+          </a:xfrm>
+          <a:prstGeom prst="rect">
+            <a:avLst/>
+          </a:prstGeom>
+        </p:spPr>
+      </p:pic>
+      <p:pic>
+        <p:nvPicPr>
+          <p:cNvPr id="19" name="Picture 18">
+            <a:extLst>
+              <a:ext uri="{FF2B5EF4-FFF2-40B4-BE49-F238E27FC236}">
+                <a16:creationId xmlns:a16="http://schemas.microsoft.com/office/drawing/2014/main" id="{E7A104D5-0F00-FEBF-1DD4-94CB9585633A}"/>
+              </a:ext>
+            </a:extLst>
+          </p:cNvPr>
+          <p:cNvPicPr>
+            <a:picLocks noChangeAspect="1"/>
+          </p:cNvPicPr>
+          <p:nvPr/>
+        </p:nvPicPr>
+        <p:blipFill>
+          <a:blip r:embed="rId6"/>
+          <a:stretch>
+            <a:fillRect/>
+          </a:stretch>
+        </p:blipFill>
+        <p:spPr>
+          <a:xfrm>
+            <a:off x="6434135" y="3370635"/>
+            <a:ext cx="4491041" cy="3439740"/>
+          </a:xfrm>
+          <a:prstGeom prst="rect">
+            <a:avLst/>
+          </a:prstGeom>
+        </p:spPr>
+      </p:pic>
+    </p:spTree>
+    <p:extLst>
+      <p:ext uri="{BB962C8B-B14F-4D97-AF65-F5344CB8AC3E}">
+        <p14:creationId xmlns:p14="http://schemas.microsoft.com/office/powerpoint/2010/main" val="1777128096"/>
       </p:ext>
     </p:extLst>
   </p:cSld>

--- a/Archive/ABM_manuscriptfigures.pptx
+++ b/Archive/ABM_manuscriptfigures.pptx
@@ -5,24 +5,27 @@
     <p:sldMasterId id="2147483648" r:id="rId1"/>
   </p:sldMasterIdLst>
   <p:notesMasterIdLst>
-    <p:notesMasterId r:id="rId17"/>
+    <p:notesMasterId r:id="rId20"/>
   </p:notesMasterIdLst>
   <p:sldIdLst>
-    <p:sldId id="265" r:id="rId2"/>
-    <p:sldId id="266" r:id="rId3"/>
-    <p:sldId id="267" r:id="rId4"/>
-    <p:sldId id="268" r:id="rId5"/>
-    <p:sldId id="269" r:id="rId6"/>
-    <p:sldId id="261" r:id="rId7"/>
-    <p:sldId id="262" r:id="rId8"/>
-    <p:sldId id="263" r:id="rId9"/>
-    <p:sldId id="264" r:id="rId10"/>
-    <p:sldId id="270" r:id="rId11"/>
-    <p:sldId id="271" r:id="rId12"/>
+    <p:sldId id="263" r:id="rId2"/>
+    <p:sldId id="267" r:id="rId3"/>
+    <p:sldId id="276" r:id="rId4"/>
+    <p:sldId id="277" r:id="rId5"/>
+    <p:sldId id="264" r:id="rId6"/>
+    <p:sldId id="265" r:id="rId7"/>
+    <p:sldId id="271" r:id="rId8"/>
+    <p:sldId id="275" r:id="rId9"/>
+    <p:sldId id="270" r:id="rId10"/>
+    <p:sldId id="273" r:id="rId11"/>
+    <p:sldId id="274" r:id="rId12"/>
     <p:sldId id="272" r:id="rId13"/>
-    <p:sldId id="273" r:id="rId14"/>
-    <p:sldId id="274" r:id="rId15"/>
-    <p:sldId id="275" r:id="rId16"/>
+    <p:sldId id="278" r:id="rId14"/>
+    <p:sldId id="266" r:id="rId15"/>
+    <p:sldId id="268" r:id="rId16"/>
+    <p:sldId id="269" r:id="rId17"/>
+    <p:sldId id="261" r:id="rId18"/>
+    <p:sldId id="262" r:id="rId19"/>
   </p:sldIdLst>
   <p:sldSz cx="12192000" cy="6858000"/>
   <p:notesSz cx="6858000" cy="9144000"/>
@@ -211,7 +214,7 @@
           <a:p>
             <a:fld id="{B9C7109C-35AB-4CC8-ADE1-E4BA2C40A6EB}" type="datetimeFigureOut">
               <a:rPr lang="en-US" smtClean="0"/>
-              <a:t>6/18/2023</a:t>
+              <a:t>6/28/2023</a:t>
             </a:fld>
             <a:endParaRPr lang="en-US"/>
           </a:p>
@@ -524,7 +527,15 @@
           <a:p>
             <a:r>
               <a:rPr lang="en-US" dirty="0"/>
-              <a:t>Trying to visualize how migrant ancestry and LRS are related, if at all.</a:t>
+              <a:t>Fig 1 – various starting allele frequencies with 1 </a:t>
+            </a:r>
+            <a:r>
+              <a:rPr lang="en-US" dirty="0" err="1"/>
+              <a:t>mig</a:t>
+            </a:r>
+            <a:r>
+              <a:rPr lang="en-US" dirty="0"/>
+              <a:t> per gen and no migration. </a:t>
             </a:r>
           </a:p>
         </p:txBody>
@@ -546,7 +557,371 @@
           <a:p>
             <a:fld id="{FE62CD85-8045-4FE0-BEDB-82B3898CA791}" type="slidenum">
               <a:rPr lang="en-US" smtClean="0"/>
-              <a:t>2</a:t>
+              <a:t>1</a:t>
+            </a:fld>
+            <a:endParaRPr lang="en-US"/>
+          </a:p>
+        </p:txBody>
+      </p:sp>
+    </p:spTree>
+    <p:extLst>
+      <p:ext uri="{BB962C8B-B14F-4D97-AF65-F5344CB8AC3E}">
+        <p14:creationId xmlns:p14="http://schemas.microsoft.com/office/powerpoint/2010/main" val="3197231521"/>
+      </p:ext>
+    </p:extLst>
+  </p:cSld>
+  <p:clrMapOvr>
+    <a:masterClrMapping/>
+  </p:clrMapOvr>
+</p:notes>
+</file>
+
+<file path=ppt/notesSlides/notesSlide10.xml><?xml version="1.0" encoding="utf-8"?>
+<p:notes xmlns:a="http://schemas.openxmlformats.org/drawingml/2006/main" xmlns:r="http://schemas.openxmlformats.org/officeDocument/2006/relationships" xmlns:p="http://schemas.openxmlformats.org/presentationml/2006/main">
+  <p:cSld>
+    <p:spTree>
+      <p:nvGrpSpPr>
+        <p:cNvPr id="1" name=""/>
+        <p:cNvGrpSpPr/>
+        <p:nvPr/>
+      </p:nvGrpSpPr>
+      <p:grpSpPr>
+        <a:xfrm>
+          <a:off x="0" y="0"/>
+          <a:ext cx="0" cy="0"/>
+          <a:chOff x="0" y="0"/>
+          <a:chExt cx="0" cy="0"/>
+        </a:xfrm>
+      </p:grpSpPr>
+      <p:sp>
+        <p:nvSpPr>
+          <p:cNvPr id="2" name="Slide Image Placeholder 1"/>
+          <p:cNvSpPr>
+            <a:spLocks noGrp="1" noRot="1" noChangeAspect="1"/>
+          </p:cNvSpPr>
+          <p:nvPr>
+            <p:ph type="sldImg"/>
+          </p:nvPr>
+        </p:nvSpPr>
+        <p:spPr/>
+      </p:sp>
+      <p:sp>
+        <p:nvSpPr>
+          <p:cNvPr id="3" name="Notes Placeholder 2"/>
+          <p:cNvSpPr>
+            <a:spLocks noGrp="1"/>
+          </p:cNvSpPr>
+          <p:nvPr>
+            <p:ph type="body" idx="1"/>
+          </p:nvPr>
+        </p:nvSpPr>
+        <p:spPr/>
+        <p:txBody>
+          <a:bodyPr/>
+          <a:lstStyle/>
+          <a:p>
+            <a:r>
+              <a:rPr lang="en-US" dirty="0"/>
+              <a:t>Supp. Fig 4. Threatened population.</a:t>
+            </a:r>
+          </a:p>
+        </p:txBody>
+      </p:sp>
+      <p:sp>
+        <p:nvSpPr>
+          <p:cNvPr id="4" name="Slide Number Placeholder 3"/>
+          <p:cNvSpPr>
+            <a:spLocks noGrp="1"/>
+          </p:cNvSpPr>
+          <p:nvPr>
+            <p:ph type="sldNum" sz="quarter" idx="5"/>
+          </p:nvPr>
+        </p:nvSpPr>
+        <p:spPr/>
+        <p:txBody>
+          <a:bodyPr/>
+          <a:lstStyle/>
+          <a:p>
+            <a:fld id="{FE62CD85-8045-4FE0-BEDB-82B3898CA791}" type="slidenum">
+              <a:rPr lang="en-US" smtClean="0"/>
+              <a:t>10</a:t>
+            </a:fld>
+            <a:endParaRPr lang="en-US"/>
+          </a:p>
+        </p:txBody>
+      </p:sp>
+    </p:spTree>
+    <p:extLst>
+      <p:ext uri="{BB962C8B-B14F-4D97-AF65-F5344CB8AC3E}">
+        <p14:creationId xmlns:p14="http://schemas.microsoft.com/office/powerpoint/2010/main" val="151430266"/>
+      </p:ext>
+    </p:extLst>
+  </p:cSld>
+  <p:clrMapOvr>
+    <a:masterClrMapping/>
+  </p:clrMapOvr>
+</p:notes>
+</file>
+
+<file path=ppt/notesSlides/notesSlide11.xml><?xml version="1.0" encoding="utf-8"?>
+<p:notes xmlns:a="http://schemas.openxmlformats.org/drawingml/2006/main" xmlns:r="http://schemas.openxmlformats.org/officeDocument/2006/relationships" xmlns:p="http://schemas.openxmlformats.org/presentationml/2006/main">
+  <p:cSld>
+    <p:spTree>
+      <p:nvGrpSpPr>
+        <p:cNvPr id="1" name=""/>
+        <p:cNvGrpSpPr/>
+        <p:nvPr/>
+      </p:nvGrpSpPr>
+      <p:grpSpPr>
+        <a:xfrm>
+          <a:off x="0" y="0"/>
+          <a:ext cx="0" cy="0"/>
+          <a:chOff x="0" y="0"/>
+          <a:chExt cx="0" cy="0"/>
+        </a:xfrm>
+      </p:grpSpPr>
+      <p:sp>
+        <p:nvSpPr>
+          <p:cNvPr id="2" name="Slide Image Placeholder 1"/>
+          <p:cNvSpPr>
+            <a:spLocks noGrp="1" noRot="1" noChangeAspect="1"/>
+          </p:cNvSpPr>
+          <p:nvPr>
+            <p:ph type="sldImg"/>
+          </p:nvPr>
+        </p:nvSpPr>
+        <p:spPr/>
+      </p:sp>
+      <p:sp>
+        <p:nvSpPr>
+          <p:cNvPr id="3" name="Notes Placeholder 2"/>
+          <p:cNvSpPr>
+            <a:spLocks noGrp="1"/>
+          </p:cNvSpPr>
+          <p:nvPr>
+            <p:ph type="body" idx="1"/>
+          </p:nvPr>
+        </p:nvSpPr>
+        <p:spPr/>
+        <p:txBody>
+          <a:bodyPr/>
+          <a:lstStyle/>
+          <a:p>
+            <a:r>
+              <a:rPr lang="en-US" dirty="0"/>
+              <a:t>Supp. Fig. 5. critically endangered population</a:t>
+            </a:r>
+          </a:p>
+        </p:txBody>
+      </p:sp>
+      <p:sp>
+        <p:nvSpPr>
+          <p:cNvPr id="4" name="Slide Number Placeholder 3"/>
+          <p:cNvSpPr>
+            <a:spLocks noGrp="1"/>
+          </p:cNvSpPr>
+          <p:nvPr>
+            <p:ph type="sldNum" sz="quarter" idx="5"/>
+          </p:nvPr>
+        </p:nvSpPr>
+        <p:spPr/>
+        <p:txBody>
+          <a:bodyPr/>
+          <a:lstStyle/>
+          <a:p>
+            <a:fld id="{FE62CD85-8045-4FE0-BEDB-82B3898CA791}" type="slidenum">
+              <a:rPr lang="en-US" smtClean="0"/>
+              <a:t>11</a:t>
+            </a:fld>
+            <a:endParaRPr lang="en-US"/>
+          </a:p>
+        </p:txBody>
+      </p:sp>
+    </p:spTree>
+    <p:extLst>
+      <p:ext uri="{BB962C8B-B14F-4D97-AF65-F5344CB8AC3E}">
+        <p14:creationId xmlns:p14="http://schemas.microsoft.com/office/powerpoint/2010/main" val="681992592"/>
+      </p:ext>
+    </p:extLst>
+  </p:cSld>
+  <p:clrMapOvr>
+    <a:masterClrMapping/>
+  </p:clrMapOvr>
+</p:notes>
+</file>
+
+<file path=ppt/notesSlides/notesSlide12.xml><?xml version="1.0" encoding="utf-8"?>
+<p:notes xmlns:a="http://schemas.openxmlformats.org/drawingml/2006/main" xmlns:r="http://schemas.openxmlformats.org/officeDocument/2006/relationships" xmlns:p="http://schemas.openxmlformats.org/presentationml/2006/main">
+  <p:cSld>
+    <p:spTree>
+      <p:nvGrpSpPr>
+        <p:cNvPr id="1" name=""/>
+        <p:cNvGrpSpPr/>
+        <p:nvPr/>
+      </p:nvGrpSpPr>
+      <p:grpSpPr>
+        <a:xfrm>
+          <a:off x="0" y="0"/>
+          <a:ext cx="0" cy="0"/>
+          <a:chOff x="0" y="0"/>
+          <a:chExt cx="0" cy="0"/>
+        </a:xfrm>
+      </p:grpSpPr>
+      <p:sp>
+        <p:nvSpPr>
+          <p:cNvPr id="2" name="Slide Image Placeholder 1"/>
+          <p:cNvSpPr>
+            <a:spLocks noGrp="1" noRot="1" noChangeAspect="1"/>
+          </p:cNvSpPr>
+          <p:nvPr>
+            <p:ph type="sldImg"/>
+          </p:nvPr>
+        </p:nvSpPr>
+        <p:spPr/>
+      </p:sp>
+      <p:sp>
+        <p:nvSpPr>
+          <p:cNvPr id="3" name="Notes Placeholder 2"/>
+          <p:cNvSpPr>
+            <a:spLocks noGrp="1"/>
+          </p:cNvSpPr>
+          <p:nvPr>
+            <p:ph type="body" idx="1"/>
+          </p:nvPr>
+        </p:nvSpPr>
+        <p:spPr/>
+        <p:txBody>
+          <a:bodyPr/>
+          <a:lstStyle/>
+          <a:p>
+            <a:r>
+              <a:rPr lang="en-US" dirty="0"/>
+              <a:t>Supp. Fig. 6. populations with and without (i.e., pop stayed at 1000 </a:t>
+            </a:r>
+            <a:r>
+              <a:rPr lang="en-US" dirty="0" err="1"/>
+              <a:t>indv</a:t>
+            </a:r>
+            <a:r>
+              <a:rPr lang="en-US" dirty="0"/>
+              <a:t> entire 350 years) bottlenecks with 1 </a:t>
+            </a:r>
+            <a:r>
+              <a:rPr lang="en-US" dirty="0" err="1"/>
+              <a:t>mig</a:t>
+            </a:r>
+            <a:r>
+              <a:rPr lang="en-US" dirty="0"/>
+              <a:t> per generation and no migration. </a:t>
+            </a:r>
+          </a:p>
+        </p:txBody>
+      </p:sp>
+      <p:sp>
+        <p:nvSpPr>
+          <p:cNvPr id="4" name="Slide Number Placeholder 3"/>
+          <p:cNvSpPr>
+            <a:spLocks noGrp="1"/>
+          </p:cNvSpPr>
+          <p:nvPr>
+            <p:ph type="sldNum" sz="quarter" idx="5"/>
+          </p:nvPr>
+        </p:nvSpPr>
+        <p:spPr/>
+        <p:txBody>
+          <a:bodyPr/>
+          <a:lstStyle/>
+          <a:p>
+            <a:fld id="{FE62CD85-8045-4FE0-BEDB-82B3898CA791}" type="slidenum">
+              <a:rPr lang="en-US" smtClean="0"/>
+              <a:t>12</a:t>
+            </a:fld>
+            <a:endParaRPr lang="en-US"/>
+          </a:p>
+        </p:txBody>
+      </p:sp>
+    </p:spTree>
+    <p:extLst>
+      <p:ext uri="{BB962C8B-B14F-4D97-AF65-F5344CB8AC3E}">
+        <p14:creationId xmlns:p14="http://schemas.microsoft.com/office/powerpoint/2010/main" val="92211033"/>
+      </p:ext>
+    </p:extLst>
+  </p:cSld>
+  <p:clrMapOvr>
+    <a:masterClrMapping/>
+  </p:clrMapOvr>
+</p:notes>
+</file>
+
+<file path=ppt/notesSlides/notesSlide13.xml><?xml version="1.0" encoding="utf-8"?>
+<p:notes xmlns:a="http://schemas.openxmlformats.org/drawingml/2006/main" xmlns:r="http://schemas.openxmlformats.org/officeDocument/2006/relationships" xmlns:p="http://schemas.openxmlformats.org/presentationml/2006/main">
+  <p:cSld>
+    <p:spTree>
+      <p:nvGrpSpPr>
+        <p:cNvPr id="1" name=""/>
+        <p:cNvGrpSpPr/>
+        <p:nvPr/>
+      </p:nvGrpSpPr>
+      <p:grpSpPr>
+        <a:xfrm>
+          <a:off x="0" y="0"/>
+          <a:ext cx="0" cy="0"/>
+          <a:chOff x="0" y="0"/>
+          <a:chExt cx="0" cy="0"/>
+        </a:xfrm>
+      </p:grpSpPr>
+      <p:sp>
+        <p:nvSpPr>
+          <p:cNvPr id="2" name="Slide Image Placeholder 1"/>
+          <p:cNvSpPr>
+            <a:spLocks noGrp="1" noRot="1" noChangeAspect="1"/>
+          </p:cNvSpPr>
+          <p:nvPr>
+            <p:ph type="sldImg"/>
+          </p:nvPr>
+        </p:nvSpPr>
+        <p:spPr/>
+      </p:sp>
+      <p:sp>
+        <p:nvSpPr>
+          <p:cNvPr id="3" name="Notes Placeholder 2"/>
+          <p:cNvSpPr>
+            <a:spLocks noGrp="1"/>
+          </p:cNvSpPr>
+          <p:nvPr>
+            <p:ph type="body" idx="1"/>
+          </p:nvPr>
+        </p:nvSpPr>
+        <p:spPr/>
+        <p:txBody>
+          <a:bodyPr/>
+          <a:lstStyle/>
+          <a:p>
+            <a:r>
+              <a:rPr lang="en-US" dirty="0"/>
+              <a:t>Trying to visualize how migrant ancestry and LRS are related, if at all.</a:t>
+            </a:r>
+          </a:p>
+        </p:txBody>
+      </p:sp>
+      <p:sp>
+        <p:nvSpPr>
+          <p:cNvPr id="4" name="Slide Number Placeholder 3"/>
+          <p:cNvSpPr>
+            <a:spLocks noGrp="1"/>
+          </p:cNvSpPr>
+          <p:nvPr>
+            <p:ph type="sldNum" sz="quarter" idx="5"/>
+          </p:nvPr>
+        </p:nvSpPr>
+        <p:spPr/>
+        <p:txBody>
+          <a:bodyPr/>
+          <a:lstStyle/>
+          <a:p>
+            <a:fld id="{FE62CD85-8045-4FE0-BEDB-82B3898CA791}" type="slidenum">
+              <a:rPr lang="en-US" smtClean="0"/>
+              <a:t>14</a:t>
             </a:fld>
             <a:endParaRPr lang="en-US"/>
           </a:p>
@@ -611,7 +986,537 @@
           <a:p>
             <a:r>
               <a:rPr lang="en-US" dirty="0"/>
-              <a:t>Prop pops that survived in a critically endangered </a:t>
+              <a:t>Figure 2 – various IUCN extinction risks with 1 </a:t>
+            </a:r>
+            <a:r>
+              <a:rPr lang="en-US" dirty="0" err="1"/>
+              <a:t>mig</a:t>
+            </a:r>
+            <a:r>
+              <a:rPr lang="en-US" dirty="0"/>
+              <a:t> per gen and no migration.</a:t>
+            </a:r>
+          </a:p>
+        </p:txBody>
+      </p:sp>
+      <p:sp>
+        <p:nvSpPr>
+          <p:cNvPr id="4" name="Slide Number Placeholder 3"/>
+          <p:cNvSpPr>
+            <a:spLocks noGrp="1"/>
+          </p:cNvSpPr>
+          <p:nvPr>
+            <p:ph type="sldNum" sz="quarter" idx="5"/>
+          </p:nvPr>
+        </p:nvSpPr>
+        <p:spPr/>
+        <p:txBody>
+          <a:bodyPr/>
+          <a:lstStyle/>
+          <a:p>
+            <a:fld id="{FE62CD85-8045-4FE0-BEDB-82B3898CA791}" type="slidenum">
+              <a:rPr lang="en-US" smtClean="0"/>
+              <a:t>2</a:t>
+            </a:fld>
+            <a:endParaRPr lang="en-US"/>
+          </a:p>
+        </p:txBody>
+      </p:sp>
+    </p:spTree>
+    <p:extLst>
+      <p:ext uri="{BB962C8B-B14F-4D97-AF65-F5344CB8AC3E}">
+        <p14:creationId xmlns:p14="http://schemas.microsoft.com/office/powerpoint/2010/main" val="2678566606"/>
+      </p:ext>
+    </p:extLst>
+  </p:cSld>
+  <p:clrMapOvr>
+    <a:masterClrMapping/>
+  </p:clrMapOvr>
+</p:notes>
+</file>
+
+<file path=ppt/notesSlides/notesSlide3.xml><?xml version="1.0" encoding="utf-8"?>
+<p:notes xmlns:a="http://schemas.openxmlformats.org/drawingml/2006/main" xmlns:r="http://schemas.openxmlformats.org/officeDocument/2006/relationships" xmlns:p="http://schemas.openxmlformats.org/presentationml/2006/main">
+  <p:cSld>
+    <p:spTree>
+      <p:nvGrpSpPr>
+        <p:cNvPr id="1" name=""/>
+        <p:cNvGrpSpPr/>
+        <p:nvPr/>
+      </p:nvGrpSpPr>
+      <p:grpSpPr>
+        <a:xfrm>
+          <a:off x="0" y="0"/>
+          <a:ext cx="0" cy="0"/>
+          <a:chOff x="0" y="0"/>
+          <a:chExt cx="0" cy="0"/>
+        </a:xfrm>
+      </p:grpSpPr>
+      <p:sp>
+        <p:nvSpPr>
+          <p:cNvPr id="2" name="Slide Image Placeholder 1"/>
+          <p:cNvSpPr>
+            <a:spLocks noGrp="1" noRot="1" noChangeAspect="1"/>
+          </p:cNvSpPr>
+          <p:nvPr>
+            <p:ph type="sldImg"/>
+          </p:nvPr>
+        </p:nvSpPr>
+        <p:spPr/>
+      </p:sp>
+      <p:sp>
+        <p:nvSpPr>
+          <p:cNvPr id="3" name="Notes Placeholder 2"/>
+          <p:cNvSpPr>
+            <a:spLocks noGrp="1"/>
+          </p:cNvSpPr>
+          <p:nvPr>
+            <p:ph type="body" idx="1"/>
+          </p:nvPr>
+        </p:nvSpPr>
+        <p:spPr/>
+        <p:txBody>
+          <a:bodyPr/>
+          <a:lstStyle/>
+          <a:p>
+            <a:r>
+              <a:rPr lang="en-US" dirty="0"/>
+              <a:t>Figure 3 (A-D) – a bulk migration with various IUCN extinction risk categories.</a:t>
+            </a:r>
+          </a:p>
+        </p:txBody>
+      </p:sp>
+      <p:sp>
+        <p:nvSpPr>
+          <p:cNvPr id="4" name="Slide Number Placeholder 3"/>
+          <p:cNvSpPr>
+            <a:spLocks noGrp="1"/>
+          </p:cNvSpPr>
+          <p:nvPr>
+            <p:ph type="sldNum" sz="quarter" idx="5"/>
+          </p:nvPr>
+        </p:nvSpPr>
+        <p:spPr/>
+        <p:txBody>
+          <a:bodyPr/>
+          <a:lstStyle/>
+          <a:p>
+            <a:fld id="{FE62CD85-8045-4FE0-BEDB-82B3898CA791}" type="slidenum">
+              <a:rPr lang="en-US" smtClean="0"/>
+              <a:t>3</a:t>
+            </a:fld>
+            <a:endParaRPr lang="en-US"/>
+          </a:p>
+        </p:txBody>
+      </p:sp>
+    </p:spTree>
+    <p:extLst>
+      <p:ext uri="{BB962C8B-B14F-4D97-AF65-F5344CB8AC3E}">
+        <p14:creationId xmlns:p14="http://schemas.microsoft.com/office/powerpoint/2010/main" val="403409045"/>
+      </p:ext>
+    </p:extLst>
+  </p:cSld>
+  <p:clrMapOvr>
+    <a:masterClrMapping/>
+  </p:clrMapOvr>
+</p:notes>
+</file>
+
+<file path=ppt/notesSlides/notesSlide4.xml><?xml version="1.0" encoding="utf-8"?>
+<p:notes xmlns:a="http://schemas.openxmlformats.org/drawingml/2006/main" xmlns:r="http://schemas.openxmlformats.org/officeDocument/2006/relationships" xmlns:p="http://schemas.openxmlformats.org/presentationml/2006/main">
+  <p:cSld>
+    <p:spTree>
+      <p:nvGrpSpPr>
+        <p:cNvPr id="1" name=""/>
+        <p:cNvGrpSpPr/>
+        <p:nvPr/>
+      </p:nvGrpSpPr>
+      <p:grpSpPr>
+        <a:xfrm>
+          <a:off x="0" y="0"/>
+          <a:ext cx="0" cy="0"/>
+          <a:chOff x="0" y="0"/>
+          <a:chExt cx="0" cy="0"/>
+        </a:xfrm>
+      </p:grpSpPr>
+      <p:sp>
+        <p:nvSpPr>
+          <p:cNvPr id="2" name="Slide Image Placeholder 1"/>
+          <p:cNvSpPr>
+            <a:spLocks noGrp="1" noRot="1" noChangeAspect="1"/>
+          </p:cNvSpPr>
+          <p:nvPr>
+            <p:ph type="sldImg"/>
+          </p:nvPr>
+        </p:nvSpPr>
+        <p:spPr/>
+      </p:sp>
+      <p:sp>
+        <p:nvSpPr>
+          <p:cNvPr id="3" name="Notes Placeholder 2"/>
+          <p:cNvSpPr>
+            <a:spLocks noGrp="1"/>
+          </p:cNvSpPr>
+          <p:nvPr>
+            <p:ph type="body" idx="1"/>
+          </p:nvPr>
+        </p:nvSpPr>
+        <p:spPr/>
+        <p:txBody>
+          <a:bodyPr/>
+          <a:lstStyle/>
+          <a:p>
+            <a:r>
+              <a:rPr lang="en-US" dirty="0"/>
+              <a:t>Figure 3 (E-H) – 4 assisted migrations with various IUCN extinction risk categories.</a:t>
+            </a:r>
+          </a:p>
+        </p:txBody>
+      </p:sp>
+      <p:sp>
+        <p:nvSpPr>
+          <p:cNvPr id="4" name="Slide Number Placeholder 3"/>
+          <p:cNvSpPr>
+            <a:spLocks noGrp="1"/>
+          </p:cNvSpPr>
+          <p:nvPr>
+            <p:ph type="sldNum" sz="quarter" idx="5"/>
+          </p:nvPr>
+        </p:nvSpPr>
+        <p:spPr/>
+        <p:txBody>
+          <a:bodyPr/>
+          <a:lstStyle/>
+          <a:p>
+            <a:fld id="{FE62CD85-8045-4FE0-BEDB-82B3898CA791}" type="slidenum">
+              <a:rPr lang="en-US" smtClean="0"/>
+              <a:t>4</a:t>
+            </a:fld>
+            <a:endParaRPr lang="en-US"/>
+          </a:p>
+        </p:txBody>
+      </p:sp>
+    </p:spTree>
+    <p:extLst>
+      <p:ext uri="{BB962C8B-B14F-4D97-AF65-F5344CB8AC3E}">
+        <p14:creationId xmlns:p14="http://schemas.microsoft.com/office/powerpoint/2010/main" val="959192145"/>
+      </p:ext>
+    </p:extLst>
+  </p:cSld>
+  <p:clrMapOvr>
+    <a:masterClrMapping/>
+  </p:clrMapOvr>
+</p:notes>
+</file>
+
+<file path=ppt/notesSlides/notesSlide5.xml><?xml version="1.0" encoding="utf-8"?>
+<p:notes xmlns:a="http://schemas.openxmlformats.org/drawingml/2006/main" xmlns:r="http://schemas.openxmlformats.org/officeDocument/2006/relationships" xmlns:p="http://schemas.openxmlformats.org/presentationml/2006/main">
+  <p:cSld>
+    <p:spTree>
+      <p:nvGrpSpPr>
+        <p:cNvPr id="1" name=""/>
+        <p:cNvGrpSpPr/>
+        <p:nvPr/>
+      </p:nvGrpSpPr>
+      <p:grpSpPr>
+        <a:xfrm>
+          <a:off x="0" y="0"/>
+          <a:ext cx="0" cy="0"/>
+          <a:chOff x="0" y="0"/>
+          <a:chExt cx="0" cy="0"/>
+        </a:xfrm>
+      </p:grpSpPr>
+      <p:sp>
+        <p:nvSpPr>
+          <p:cNvPr id="2" name="Slide Image Placeholder 1"/>
+          <p:cNvSpPr>
+            <a:spLocks noGrp="1" noRot="1" noChangeAspect="1"/>
+          </p:cNvSpPr>
+          <p:nvPr>
+            <p:ph type="sldImg"/>
+          </p:nvPr>
+        </p:nvSpPr>
+        <p:spPr/>
+      </p:sp>
+      <p:sp>
+        <p:nvSpPr>
+          <p:cNvPr id="3" name="Notes Placeholder 2"/>
+          <p:cNvSpPr>
+            <a:spLocks noGrp="1"/>
+          </p:cNvSpPr>
+          <p:nvPr>
+            <p:ph type="body" idx="1"/>
+          </p:nvPr>
+        </p:nvSpPr>
+        <p:spPr/>
+        <p:txBody>
+          <a:bodyPr/>
+          <a:lstStyle/>
+          <a:p>
+            <a:r>
+              <a:rPr lang="en-US" dirty="0"/>
+              <a:t>Figure 4 – timing of migration events – before or after habitat restoration – in an endangered population.</a:t>
+            </a:r>
+          </a:p>
+        </p:txBody>
+      </p:sp>
+      <p:sp>
+        <p:nvSpPr>
+          <p:cNvPr id="4" name="Slide Number Placeholder 3"/>
+          <p:cNvSpPr>
+            <a:spLocks noGrp="1"/>
+          </p:cNvSpPr>
+          <p:nvPr>
+            <p:ph type="sldNum" sz="quarter" idx="5"/>
+          </p:nvPr>
+        </p:nvSpPr>
+        <p:spPr/>
+        <p:txBody>
+          <a:bodyPr/>
+          <a:lstStyle/>
+          <a:p>
+            <a:fld id="{FE62CD85-8045-4FE0-BEDB-82B3898CA791}" type="slidenum">
+              <a:rPr lang="en-US" smtClean="0"/>
+              <a:t>5</a:t>
+            </a:fld>
+            <a:endParaRPr lang="en-US"/>
+          </a:p>
+        </p:txBody>
+      </p:sp>
+    </p:spTree>
+    <p:extLst>
+      <p:ext uri="{BB962C8B-B14F-4D97-AF65-F5344CB8AC3E}">
+        <p14:creationId xmlns:p14="http://schemas.microsoft.com/office/powerpoint/2010/main" val="2067207006"/>
+      </p:ext>
+    </p:extLst>
+  </p:cSld>
+  <p:clrMapOvr>
+    <a:masterClrMapping/>
+  </p:clrMapOvr>
+</p:notes>
+</file>
+
+<file path=ppt/notesSlides/notesSlide6.xml><?xml version="1.0" encoding="utf-8"?>
+<p:notes xmlns:a="http://schemas.openxmlformats.org/drawingml/2006/main" xmlns:r="http://schemas.openxmlformats.org/officeDocument/2006/relationships" xmlns:p="http://schemas.openxmlformats.org/presentationml/2006/main">
+  <p:cSld>
+    <p:spTree>
+      <p:nvGrpSpPr>
+        <p:cNvPr id="1" name=""/>
+        <p:cNvGrpSpPr/>
+        <p:nvPr/>
+      </p:nvGrpSpPr>
+      <p:grpSpPr>
+        <a:xfrm>
+          <a:off x="0" y="0"/>
+          <a:ext cx="0" cy="0"/>
+          <a:chOff x="0" y="0"/>
+          <a:chExt cx="0" cy="0"/>
+        </a:xfrm>
+      </p:grpSpPr>
+      <p:sp>
+        <p:nvSpPr>
+          <p:cNvPr id="2" name="Slide Image Placeholder 1"/>
+          <p:cNvSpPr>
+            <a:spLocks noGrp="1" noRot="1" noChangeAspect="1"/>
+          </p:cNvSpPr>
+          <p:nvPr>
+            <p:ph type="sldImg"/>
+          </p:nvPr>
+        </p:nvSpPr>
+        <p:spPr/>
+      </p:sp>
+      <p:sp>
+        <p:nvSpPr>
+          <p:cNvPr id="3" name="Notes Placeholder 2"/>
+          <p:cNvSpPr>
+            <a:spLocks noGrp="1"/>
+          </p:cNvSpPr>
+          <p:nvPr>
+            <p:ph type="body" idx="1"/>
+          </p:nvPr>
+        </p:nvSpPr>
+        <p:spPr/>
+        <p:txBody>
+          <a:bodyPr/>
+          <a:lstStyle/>
+          <a:p>
+            <a:r>
+              <a:rPr lang="en-US" dirty="0"/>
+              <a:t>Figure 5. various migration rates in an endangered population </a:t>
+            </a:r>
+          </a:p>
+        </p:txBody>
+      </p:sp>
+      <p:sp>
+        <p:nvSpPr>
+          <p:cNvPr id="4" name="Slide Number Placeholder 3"/>
+          <p:cNvSpPr>
+            <a:spLocks noGrp="1"/>
+          </p:cNvSpPr>
+          <p:nvPr>
+            <p:ph type="sldNum" sz="quarter" idx="5"/>
+          </p:nvPr>
+        </p:nvSpPr>
+        <p:spPr/>
+        <p:txBody>
+          <a:bodyPr/>
+          <a:lstStyle/>
+          <a:p>
+            <a:fld id="{FE62CD85-8045-4FE0-BEDB-82B3898CA791}" type="slidenum">
+              <a:rPr lang="en-US" smtClean="0"/>
+              <a:t>6</a:t>
+            </a:fld>
+            <a:endParaRPr lang="en-US"/>
+          </a:p>
+        </p:txBody>
+      </p:sp>
+    </p:spTree>
+    <p:extLst>
+      <p:ext uri="{BB962C8B-B14F-4D97-AF65-F5344CB8AC3E}">
+        <p14:creationId xmlns:p14="http://schemas.microsoft.com/office/powerpoint/2010/main" val="817696678"/>
+      </p:ext>
+    </p:extLst>
+  </p:cSld>
+  <p:clrMapOvr>
+    <a:masterClrMapping/>
+  </p:clrMapOvr>
+</p:notes>
+</file>
+
+<file path=ppt/notesSlides/notesSlide7.xml><?xml version="1.0" encoding="utf-8"?>
+<p:notes xmlns:a="http://schemas.openxmlformats.org/drawingml/2006/main" xmlns:r="http://schemas.openxmlformats.org/officeDocument/2006/relationships" xmlns:p="http://schemas.openxmlformats.org/presentationml/2006/main">
+  <p:cSld>
+    <p:spTree>
+      <p:nvGrpSpPr>
+        <p:cNvPr id="1" name=""/>
+        <p:cNvGrpSpPr/>
+        <p:nvPr/>
+      </p:nvGrpSpPr>
+      <p:grpSpPr>
+        <a:xfrm>
+          <a:off x="0" y="0"/>
+          <a:ext cx="0" cy="0"/>
+          <a:chOff x="0" y="0"/>
+          <a:chExt cx="0" cy="0"/>
+        </a:xfrm>
+      </p:grpSpPr>
+      <p:sp>
+        <p:nvSpPr>
+          <p:cNvPr id="2" name="Slide Image Placeholder 1"/>
+          <p:cNvSpPr>
+            <a:spLocks noGrp="1" noRot="1" noChangeAspect="1"/>
+          </p:cNvSpPr>
+          <p:nvPr>
+            <p:ph type="sldImg"/>
+          </p:nvPr>
+        </p:nvSpPr>
+        <p:spPr/>
+      </p:sp>
+      <p:sp>
+        <p:nvSpPr>
+          <p:cNvPr id="3" name="Notes Placeholder 2"/>
+          <p:cNvSpPr>
+            <a:spLocks noGrp="1"/>
+          </p:cNvSpPr>
+          <p:nvPr>
+            <p:ph type="body" idx="1"/>
+          </p:nvPr>
+        </p:nvSpPr>
+        <p:spPr/>
+        <p:txBody>
+          <a:bodyPr/>
+          <a:lstStyle/>
+          <a:p>
+            <a:r>
+              <a:rPr lang="en-US" dirty="0"/>
+              <a:t>Supp. Fig 1. migrants not preferentially chosen in an endangered population. </a:t>
+            </a:r>
+          </a:p>
+        </p:txBody>
+      </p:sp>
+      <p:sp>
+        <p:nvSpPr>
+          <p:cNvPr id="4" name="Slide Number Placeholder 3"/>
+          <p:cNvSpPr>
+            <a:spLocks noGrp="1"/>
+          </p:cNvSpPr>
+          <p:nvPr>
+            <p:ph type="sldNum" sz="quarter" idx="5"/>
+          </p:nvPr>
+        </p:nvSpPr>
+        <p:spPr/>
+        <p:txBody>
+          <a:bodyPr/>
+          <a:lstStyle/>
+          <a:p>
+            <a:fld id="{FE62CD85-8045-4FE0-BEDB-82B3898CA791}" type="slidenum">
+              <a:rPr lang="en-US" smtClean="0"/>
+              <a:t>7</a:t>
+            </a:fld>
+            <a:endParaRPr lang="en-US"/>
+          </a:p>
+        </p:txBody>
+      </p:sp>
+    </p:spTree>
+    <p:extLst>
+      <p:ext uri="{BB962C8B-B14F-4D97-AF65-F5344CB8AC3E}">
+        <p14:creationId xmlns:p14="http://schemas.microsoft.com/office/powerpoint/2010/main" val="1986079565"/>
+      </p:ext>
+    </p:extLst>
+  </p:cSld>
+  <p:clrMapOvr>
+    <a:masterClrMapping/>
+  </p:clrMapOvr>
+</p:notes>
+</file>
+
+<file path=ppt/notesSlides/notesSlide8.xml><?xml version="1.0" encoding="utf-8"?>
+<p:notes xmlns:a="http://schemas.openxmlformats.org/drawingml/2006/main" xmlns:r="http://schemas.openxmlformats.org/officeDocument/2006/relationships" xmlns:p="http://schemas.openxmlformats.org/presentationml/2006/main">
+  <p:cSld>
+    <p:spTree>
+      <p:nvGrpSpPr>
+        <p:cNvPr id="1" name=""/>
+        <p:cNvGrpSpPr/>
+        <p:nvPr/>
+      </p:nvGrpSpPr>
+      <p:grpSpPr>
+        <a:xfrm>
+          <a:off x="0" y="0"/>
+          <a:ext cx="0" cy="0"/>
+          <a:chOff x="0" y="0"/>
+          <a:chExt cx="0" cy="0"/>
+        </a:xfrm>
+      </p:grpSpPr>
+      <p:sp>
+        <p:nvSpPr>
+          <p:cNvPr id="2" name="Slide Image Placeholder 1"/>
+          <p:cNvSpPr>
+            <a:spLocks noGrp="1" noRot="1" noChangeAspect="1"/>
+          </p:cNvSpPr>
+          <p:nvPr>
+            <p:ph type="sldImg"/>
+          </p:nvPr>
+        </p:nvSpPr>
+        <p:spPr/>
+      </p:sp>
+      <p:sp>
+        <p:nvSpPr>
+          <p:cNvPr id="3" name="Notes Placeholder 2"/>
+          <p:cNvSpPr>
+            <a:spLocks noGrp="1"/>
+          </p:cNvSpPr>
+          <p:nvPr>
+            <p:ph type="body" idx="1"/>
+          </p:nvPr>
+        </p:nvSpPr>
+        <p:spPr/>
+        <p:txBody>
+          <a:bodyPr/>
+          <a:lstStyle/>
+          <a:p>
+            <a:r>
+              <a:rPr lang="en-US" dirty="0"/>
+              <a:t>Supp. Fig. 2. Prop pops that survived in a critically endangered </a:t>
             </a:r>
             <a:r>
               <a:rPr lang="en-US" dirty="0" err="1"/>
@@ -638,7 +1543,7 @@
           <a:p>
             <a:fld id="{FE62CD85-8045-4FE0-BEDB-82B3898CA791}" type="slidenum">
               <a:rPr lang="en-US" smtClean="0"/>
-              <a:t>15</a:t>
+              <a:t>8</a:t>
             </a:fld>
             <a:endParaRPr lang="en-US"/>
           </a:p>
@@ -648,6 +1553,93 @@
     <p:extLst>
       <p:ext uri="{BB962C8B-B14F-4D97-AF65-F5344CB8AC3E}">
         <p14:creationId xmlns:p14="http://schemas.microsoft.com/office/powerpoint/2010/main" val="2069342022"/>
+      </p:ext>
+    </p:extLst>
+  </p:cSld>
+  <p:clrMapOvr>
+    <a:masterClrMapping/>
+  </p:clrMapOvr>
+</p:notes>
+</file>
+
+<file path=ppt/notesSlides/notesSlide9.xml><?xml version="1.0" encoding="utf-8"?>
+<p:notes xmlns:a="http://schemas.openxmlformats.org/drawingml/2006/main" xmlns:r="http://schemas.openxmlformats.org/officeDocument/2006/relationships" xmlns:p="http://schemas.openxmlformats.org/presentationml/2006/main">
+  <p:cSld>
+    <p:spTree>
+      <p:nvGrpSpPr>
+        <p:cNvPr id="1" name=""/>
+        <p:cNvGrpSpPr/>
+        <p:nvPr/>
+      </p:nvGrpSpPr>
+      <p:grpSpPr>
+        <a:xfrm>
+          <a:off x="0" y="0"/>
+          <a:ext cx="0" cy="0"/>
+          <a:chOff x="0" y="0"/>
+          <a:chExt cx="0" cy="0"/>
+        </a:xfrm>
+      </p:grpSpPr>
+      <p:sp>
+        <p:nvSpPr>
+          <p:cNvPr id="2" name="Slide Image Placeholder 1"/>
+          <p:cNvSpPr>
+            <a:spLocks noGrp="1" noRot="1" noChangeAspect="1"/>
+          </p:cNvSpPr>
+          <p:nvPr>
+            <p:ph type="sldImg"/>
+          </p:nvPr>
+        </p:nvSpPr>
+        <p:spPr/>
+      </p:sp>
+      <p:sp>
+        <p:nvSpPr>
+          <p:cNvPr id="3" name="Notes Placeholder 2"/>
+          <p:cNvSpPr>
+            <a:spLocks noGrp="1"/>
+          </p:cNvSpPr>
+          <p:nvPr>
+            <p:ph type="body" idx="1"/>
+          </p:nvPr>
+        </p:nvSpPr>
+        <p:spPr/>
+        <p:txBody>
+          <a:bodyPr/>
+          <a:lstStyle/>
+          <a:p>
+            <a:r>
+              <a:rPr lang="en-US" dirty="0"/>
+              <a:t>Supp. Fig 3. vulnerable population</a:t>
+            </a:r>
+          </a:p>
+        </p:txBody>
+      </p:sp>
+      <p:sp>
+        <p:nvSpPr>
+          <p:cNvPr id="4" name="Slide Number Placeholder 3"/>
+          <p:cNvSpPr>
+            <a:spLocks noGrp="1"/>
+          </p:cNvSpPr>
+          <p:nvPr>
+            <p:ph type="sldNum" sz="quarter" idx="5"/>
+          </p:nvPr>
+        </p:nvSpPr>
+        <p:spPr/>
+        <p:txBody>
+          <a:bodyPr/>
+          <a:lstStyle/>
+          <a:p>
+            <a:fld id="{FE62CD85-8045-4FE0-BEDB-82B3898CA791}" type="slidenum">
+              <a:rPr lang="en-US" smtClean="0"/>
+              <a:t>9</a:t>
+            </a:fld>
+            <a:endParaRPr lang="en-US"/>
+          </a:p>
+        </p:txBody>
+      </p:sp>
+    </p:spTree>
+    <p:extLst>
+      <p:ext uri="{BB962C8B-B14F-4D97-AF65-F5344CB8AC3E}">
+        <p14:creationId xmlns:p14="http://schemas.microsoft.com/office/powerpoint/2010/main" val="603603512"/>
       </p:ext>
     </p:extLst>
   </p:cSld>
@@ -804,7 +1796,7 @@
           <a:p>
             <a:fld id="{AC14397A-F73A-4DD4-868D-AEFFDEB1E28B}" type="datetimeFigureOut">
               <a:rPr lang="en-US" smtClean="0"/>
-              <a:t>6/18/2023</a:t>
+              <a:t>6/28/2023</a:t>
             </a:fld>
             <a:endParaRPr lang="en-US"/>
           </a:p>
@@ -1002,7 +1994,7 @@
           <a:p>
             <a:fld id="{AC14397A-F73A-4DD4-868D-AEFFDEB1E28B}" type="datetimeFigureOut">
               <a:rPr lang="en-US" smtClean="0"/>
-              <a:t>6/18/2023</a:t>
+              <a:t>6/28/2023</a:t>
             </a:fld>
             <a:endParaRPr lang="en-US"/>
           </a:p>
@@ -1210,7 +2202,7 @@
           <a:p>
             <a:fld id="{AC14397A-F73A-4DD4-868D-AEFFDEB1E28B}" type="datetimeFigureOut">
               <a:rPr lang="en-US" smtClean="0"/>
-              <a:t>6/18/2023</a:t>
+              <a:t>6/28/2023</a:t>
             </a:fld>
             <a:endParaRPr lang="en-US"/>
           </a:p>
@@ -1408,7 +2400,7 @@
           <a:p>
             <a:fld id="{AC14397A-F73A-4DD4-868D-AEFFDEB1E28B}" type="datetimeFigureOut">
               <a:rPr lang="en-US" smtClean="0"/>
-              <a:t>6/18/2023</a:t>
+              <a:t>6/28/2023</a:t>
             </a:fld>
             <a:endParaRPr lang="en-US"/>
           </a:p>
@@ -1683,7 +2675,7 @@
           <a:p>
             <a:fld id="{AC14397A-F73A-4DD4-868D-AEFFDEB1E28B}" type="datetimeFigureOut">
               <a:rPr lang="en-US" smtClean="0"/>
-              <a:t>6/18/2023</a:t>
+              <a:t>6/28/2023</a:t>
             </a:fld>
             <a:endParaRPr lang="en-US"/>
           </a:p>
@@ -1948,7 +2940,7 @@
           <a:p>
             <a:fld id="{AC14397A-F73A-4DD4-868D-AEFFDEB1E28B}" type="datetimeFigureOut">
               <a:rPr lang="en-US" smtClean="0"/>
-              <a:t>6/18/2023</a:t>
+              <a:t>6/28/2023</a:t>
             </a:fld>
             <a:endParaRPr lang="en-US"/>
           </a:p>
@@ -2360,7 +3352,7 @@
           <a:p>
             <a:fld id="{AC14397A-F73A-4DD4-868D-AEFFDEB1E28B}" type="datetimeFigureOut">
               <a:rPr lang="en-US" smtClean="0"/>
-              <a:t>6/18/2023</a:t>
+              <a:t>6/28/2023</a:t>
             </a:fld>
             <a:endParaRPr lang="en-US"/>
           </a:p>
@@ -2501,7 +3493,7 @@
           <a:p>
             <a:fld id="{AC14397A-F73A-4DD4-868D-AEFFDEB1E28B}" type="datetimeFigureOut">
               <a:rPr lang="en-US" smtClean="0"/>
-              <a:t>6/18/2023</a:t>
+              <a:t>6/28/2023</a:t>
             </a:fld>
             <a:endParaRPr lang="en-US"/>
           </a:p>
@@ -2614,7 +3606,7 @@
           <a:p>
             <a:fld id="{AC14397A-F73A-4DD4-868D-AEFFDEB1E28B}" type="datetimeFigureOut">
               <a:rPr lang="en-US" smtClean="0"/>
-              <a:t>6/18/2023</a:t>
+              <a:t>6/28/2023</a:t>
             </a:fld>
             <a:endParaRPr lang="en-US"/>
           </a:p>
@@ -2925,7 +3917,7 @@
           <a:p>
             <a:fld id="{AC14397A-F73A-4DD4-868D-AEFFDEB1E28B}" type="datetimeFigureOut">
               <a:rPr lang="en-US" smtClean="0"/>
-              <a:t>6/18/2023</a:t>
+              <a:t>6/28/2023</a:t>
             </a:fld>
             <a:endParaRPr lang="en-US"/>
           </a:p>
@@ -3213,7 +4205,7 @@
           <a:p>
             <a:fld id="{AC14397A-F73A-4DD4-868D-AEFFDEB1E28B}" type="datetimeFigureOut">
               <a:rPr lang="en-US" smtClean="0"/>
-              <a:t>6/18/2023</a:t>
+              <a:t>6/28/2023</a:t>
             </a:fld>
             <a:endParaRPr lang="en-US"/>
           </a:p>
@@ -3454,7 +4446,7 @@
           <a:p>
             <a:fld id="{AC14397A-F73A-4DD4-868D-AEFFDEB1E28B}" type="datetimeFigureOut">
               <a:rPr lang="en-US" smtClean="0"/>
-              <a:t>6/18/2023</a:t>
+              <a:t>6/28/2023</a:t>
             </a:fld>
             <a:endParaRPr lang="en-US"/>
           </a:p>
@@ -3873,40 +4865,10 @@
       </p:grpSpPr>
       <p:pic>
         <p:nvPicPr>
-          <p:cNvPr id="5" name="Picture 4">
-            <a:extLst>
-              <a:ext uri="{FF2B5EF4-FFF2-40B4-BE49-F238E27FC236}">
-                <a16:creationId xmlns:a16="http://schemas.microsoft.com/office/drawing/2014/main" id="{FD63DD09-CEA8-A5DE-2873-5633E8895141}"/>
-              </a:ext>
-            </a:extLst>
-          </p:cNvPr>
-          <p:cNvPicPr>
-            <a:picLocks noChangeAspect="1"/>
-          </p:cNvPicPr>
-          <p:nvPr/>
-        </p:nvPicPr>
-        <p:blipFill>
-          <a:blip r:embed="rId2"/>
-          <a:stretch>
-            <a:fillRect/>
-          </a:stretch>
-        </p:blipFill>
-        <p:spPr>
-          <a:xfrm>
-            <a:off x="5962652" y="62490"/>
-            <a:ext cx="3388385" cy="3268230"/>
-          </a:xfrm>
-          <a:prstGeom prst="rect">
-            <a:avLst/>
-          </a:prstGeom>
-        </p:spPr>
-      </p:pic>
-      <p:pic>
-        <p:nvPicPr>
-          <p:cNvPr id="7" name="Picture 6">
-            <a:extLst>
-              <a:ext uri="{FF2B5EF4-FFF2-40B4-BE49-F238E27FC236}">
-                <a16:creationId xmlns:a16="http://schemas.microsoft.com/office/drawing/2014/main" id="{915B2F39-9EA3-1438-C0A4-1F8B11E57B33}"/>
+          <p:cNvPr id="9" name="Picture 8">
+            <a:extLst>
+              <a:ext uri="{FF2B5EF4-FFF2-40B4-BE49-F238E27FC236}">
+                <a16:creationId xmlns:a16="http://schemas.microsoft.com/office/drawing/2014/main" id="{95F58246-138A-90B4-6375-665D382859DD}"/>
               </a:ext>
             </a:extLst>
           </p:cNvPr>
@@ -3923,8 +4885,8 @@
         </p:blipFill>
         <p:spPr>
           <a:xfrm>
-            <a:off x="2442042" y="3527280"/>
-            <a:ext cx="3388385" cy="3268230"/>
+            <a:off x="3180784" y="3249391"/>
+            <a:ext cx="2915216" cy="3256843"/>
           </a:xfrm>
           <a:prstGeom prst="rect">
             <a:avLst/>
@@ -3933,10 +4895,10 @@
       </p:pic>
       <p:pic>
         <p:nvPicPr>
-          <p:cNvPr id="9" name="Picture 8">
-            <a:extLst>
-              <a:ext uri="{FF2B5EF4-FFF2-40B4-BE49-F238E27FC236}">
-                <a16:creationId xmlns:a16="http://schemas.microsoft.com/office/drawing/2014/main" id="{65A0303E-0996-85BE-1132-F013F3365761}"/>
+          <p:cNvPr id="11" name="Picture 10">
+            <a:extLst>
+              <a:ext uri="{FF2B5EF4-FFF2-40B4-BE49-F238E27FC236}">
+                <a16:creationId xmlns:a16="http://schemas.microsoft.com/office/drawing/2014/main" id="{C7AF9E2B-5625-D03A-4107-6E88270382A8}"/>
               </a:ext>
             </a:extLst>
           </p:cNvPr>
@@ -3953,8 +4915,8 @@
         </p:blipFill>
         <p:spPr>
           <a:xfrm>
-            <a:off x="5962652" y="3527280"/>
-            <a:ext cx="3388385" cy="3268230"/>
+            <a:off x="6096000" y="3249391"/>
+            <a:ext cx="2915216" cy="3256843"/>
           </a:xfrm>
           <a:prstGeom prst="rect">
             <a:avLst/>
@@ -3963,10 +4925,10 @@
       </p:pic>
       <p:pic>
         <p:nvPicPr>
-          <p:cNvPr id="11" name="Picture 10">
-            <a:extLst>
-              <a:ext uri="{FF2B5EF4-FFF2-40B4-BE49-F238E27FC236}">
-                <a16:creationId xmlns:a16="http://schemas.microsoft.com/office/drawing/2014/main" id="{F87D22FA-A81A-22B4-1B7D-8786F31F2C35}"/>
+          <p:cNvPr id="13" name="Picture 12">
+            <a:extLst>
+              <a:ext uri="{FF2B5EF4-FFF2-40B4-BE49-F238E27FC236}">
+                <a16:creationId xmlns:a16="http://schemas.microsoft.com/office/drawing/2014/main" id="{3F9F69DB-80B8-3DEC-DA91-EC5C5DBE4CDE}"/>
               </a:ext>
             </a:extLst>
           </p:cNvPr>
@@ -3983,8 +4945,38 @@
         </p:blipFill>
         <p:spPr>
           <a:xfrm>
-            <a:off x="2442043" y="62490"/>
-            <a:ext cx="3388385" cy="3268230"/>
+            <a:off x="6096000" y="-7452"/>
+            <a:ext cx="2915216" cy="3256843"/>
+          </a:xfrm>
+          <a:prstGeom prst="rect">
+            <a:avLst/>
+          </a:prstGeom>
+        </p:spPr>
+      </p:pic>
+      <p:pic>
+        <p:nvPicPr>
+          <p:cNvPr id="15" name="Picture 14">
+            <a:extLst>
+              <a:ext uri="{FF2B5EF4-FFF2-40B4-BE49-F238E27FC236}">
+                <a16:creationId xmlns:a16="http://schemas.microsoft.com/office/drawing/2014/main" id="{A5F2A09D-9497-7810-CB0B-22E6D3B28324}"/>
+              </a:ext>
+            </a:extLst>
+          </p:cNvPr>
+          <p:cNvPicPr>
+            <a:picLocks noChangeAspect="1"/>
+          </p:cNvPicPr>
+          <p:nvPr/>
+        </p:nvPicPr>
+        <p:blipFill>
+          <a:blip r:embed="rId6"/>
+          <a:stretch>
+            <a:fillRect/>
+          </a:stretch>
+        </p:blipFill>
+        <p:spPr>
+          <a:xfrm>
+            <a:off x="3180784" y="-7453"/>
+            <a:ext cx="2915216" cy="3256843"/>
           </a:xfrm>
           <a:prstGeom prst="rect">
             <a:avLst/>
@@ -3994,7 +4986,7 @@
     </p:spTree>
     <p:extLst>
       <p:ext uri="{BB962C8B-B14F-4D97-AF65-F5344CB8AC3E}">
-        <p14:creationId xmlns:p14="http://schemas.microsoft.com/office/powerpoint/2010/main" val="1368816353"/>
+        <p14:creationId xmlns:p14="http://schemas.microsoft.com/office/powerpoint/2010/main" val="2507163603"/>
       </p:ext>
     </p:extLst>
   </p:cSld>
@@ -4026,37 +5018,7 @@
           <p:cNvPr id="5" name="Picture 4">
             <a:extLst>
               <a:ext uri="{FF2B5EF4-FFF2-40B4-BE49-F238E27FC236}">
-                <a16:creationId xmlns:a16="http://schemas.microsoft.com/office/drawing/2014/main" id="{7A04CCC7-0D86-1563-85F7-07B8D0FC5503}"/>
-              </a:ext>
-            </a:extLst>
-          </p:cNvPr>
-          <p:cNvPicPr>
-            <a:picLocks noChangeAspect="1"/>
-          </p:cNvPicPr>
-          <p:nvPr/>
-        </p:nvPicPr>
-        <p:blipFill>
-          <a:blip r:embed="rId2"/>
-          <a:stretch>
-            <a:fillRect/>
-          </a:stretch>
-        </p:blipFill>
-        <p:spPr>
-          <a:xfrm>
-            <a:off x="2062163" y="0"/>
-            <a:ext cx="3443288" cy="3180493"/>
-          </a:xfrm>
-          <a:prstGeom prst="rect">
-            <a:avLst/>
-          </a:prstGeom>
-        </p:spPr>
-      </p:pic>
-      <p:pic>
-        <p:nvPicPr>
-          <p:cNvPr id="7" name="Picture 6">
-            <a:extLst>
-              <a:ext uri="{FF2B5EF4-FFF2-40B4-BE49-F238E27FC236}">
-                <a16:creationId xmlns:a16="http://schemas.microsoft.com/office/drawing/2014/main" id="{1834E48B-11CC-96AB-6F48-0504EAFB4458}"/>
+                <a16:creationId xmlns:a16="http://schemas.microsoft.com/office/drawing/2014/main" id="{D38B3D63-3E3A-85E3-5F2A-BA4A67B2A8DD}"/>
               </a:ext>
             </a:extLst>
           </p:cNvPr>
@@ -4073,8 +5035,8 @@
         </p:blipFill>
         <p:spPr>
           <a:xfrm>
-            <a:off x="5572126" y="3429000"/>
-            <a:ext cx="3443289" cy="3180494"/>
+            <a:off x="5886449" y="3429000"/>
+            <a:ext cx="3095625" cy="2852831"/>
           </a:xfrm>
           <a:prstGeom prst="rect">
             <a:avLst/>
@@ -4083,10 +5045,10 @@
       </p:pic>
       <p:pic>
         <p:nvPicPr>
-          <p:cNvPr id="9" name="Picture 8">
-            <a:extLst>
-              <a:ext uri="{FF2B5EF4-FFF2-40B4-BE49-F238E27FC236}">
-                <a16:creationId xmlns:a16="http://schemas.microsoft.com/office/drawing/2014/main" id="{CD98CEEB-A4D1-BB83-01DE-8277C25D9232}"/>
+          <p:cNvPr id="7" name="Picture 6">
+            <a:extLst>
+              <a:ext uri="{FF2B5EF4-FFF2-40B4-BE49-F238E27FC236}">
+                <a16:creationId xmlns:a16="http://schemas.microsoft.com/office/drawing/2014/main" id="{F9B23F3F-D47C-4849-9456-7C08B3D6D721}"/>
               </a:ext>
             </a:extLst>
           </p:cNvPr>
@@ -4103,8 +5065,8 @@
         </p:blipFill>
         <p:spPr>
           <a:xfrm>
-            <a:off x="2062163" y="3429000"/>
-            <a:ext cx="3443289" cy="3180494"/>
+            <a:off x="2533649" y="3389218"/>
+            <a:ext cx="3095626" cy="2852832"/>
           </a:xfrm>
           <a:prstGeom prst="rect">
             <a:avLst/>
@@ -4113,10 +5075,10 @@
       </p:pic>
       <p:pic>
         <p:nvPicPr>
-          <p:cNvPr id="11" name="Picture 10">
-            <a:extLst>
-              <a:ext uri="{FF2B5EF4-FFF2-40B4-BE49-F238E27FC236}">
-                <a16:creationId xmlns:a16="http://schemas.microsoft.com/office/drawing/2014/main" id="{9BF7AB46-E20E-98E0-500F-9D6408B2FF1E}"/>
+          <p:cNvPr id="9" name="Picture 8">
+            <a:extLst>
+              <a:ext uri="{FF2B5EF4-FFF2-40B4-BE49-F238E27FC236}">
+                <a16:creationId xmlns:a16="http://schemas.microsoft.com/office/drawing/2014/main" id="{F31620D6-42F2-5C0E-311E-ABE2CAF08BB4}"/>
               </a:ext>
             </a:extLst>
           </p:cNvPr>
@@ -4133,8 +5095,38 @@
         </p:blipFill>
         <p:spPr>
           <a:xfrm>
-            <a:off x="5572126" y="0"/>
-            <a:ext cx="3443289" cy="3180494"/>
+            <a:off x="2533649" y="536386"/>
+            <a:ext cx="3095626" cy="2852832"/>
+          </a:xfrm>
+          <a:prstGeom prst="rect">
+            <a:avLst/>
+          </a:prstGeom>
+        </p:spPr>
+      </p:pic>
+      <p:pic>
+        <p:nvPicPr>
+          <p:cNvPr id="11" name="Picture 10">
+            <a:extLst>
+              <a:ext uri="{FF2B5EF4-FFF2-40B4-BE49-F238E27FC236}">
+                <a16:creationId xmlns:a16="http://schemas.microsoft.com/office/drawing/2014/main" id="{FBB9DC0B-2EB6-B2B4-49FD-2B35ACCF0AE9}"/>
+              </a:ext>
+            </a:extLst>
+          </p:cNvPr>
+          <p:cNvPicPr>
+            <a:picLocks noChangeAspect="1"/>
+          </p:cNvPicPr>
+          <p:nvPr/>
+        </p:nvPicPr>
+        <p:blipFill>
+          <a:blip r:embed="rId6"/>
+          <a:stretch>
+            <a:fillRect/>
+          </a:stretch>
+        </p:blipFill>
+        <p:spPr>
+          <a:xfrm>
+            <a:off x="5886447" y="536385"/>
+            <a:ext cx="3095627" cy="2852833"/>
           </a:xfrm>
           <a:prstGeom prst="rect">
             <a:avLst/>
@@ -4144,7 +5136,7 @@
     </p:spTree>
     <p:extLst>
       <p:ext uri="{BB962C8B-B14F-4D97-AF65-F5344CB8AC3E}">
-        <p14:creationId xmlns:p14="http://schemas.microsoft.com/office/powerpoint/2010/main" val="3861890404"/>
+        <p14:creationId xmlns:p14="http://schemas.microsoft.com/office/powerpoint/2010/main" val="1456132840"/>
       </p:ext>
     </p:extLst>
   </p:cSld>
@@ -4173,40 +5165,10 @@
       </p:grpSpPr>
       <p:pic>
         <p:nvPicPr>
-          <p:cNvPr id="5" name="Picture 4">
-            <a:extLst>
-              <a:ext uri="{FF2B5EF4-FFF2-40B4-BE49-F238E27FC236}">
-                <a16:creationId xmlns:a16="http://schemas.microsoft.com/office/drawing/2014/main" id="{D06C9541-4544-7913-F4CA-09FCC6C6D33D}"/>
-              </a:ext>
-            </a:extLst>
-          </p:cNvPr>
-          <p:cNvPicPr>
-            <a:picLocks noChangeAspect="1"/>
-          </p:cNvPicPr>
-          <p:nvPr/>
-        </p:nvPicPr>
-        <p:blipFill>
-          <a:blip r:embed="rId2"/>
-          <a:stretch>
-            <a:fillRect/>
-          </a:stretch>
-        </p:blipFill>
-        <p:spPr>
-          <a:xfrm>
-            <a:off x="5719762" y="185738"/>
-            <a:ext cx="3205163" cy="3042082"/>
-          </a:xfrm>
-          <a:prstGeom prst="rect">
-            <a:avLst/>
-          </a:prstGeom>
-        </p:spPr>
-      </p:pic>
-      <p:pic>
-        <p:nvPicPr>
-          <p:cNvPr id="7" name="Picture 6">
-            <a:extLst>
-              <a:ext uri="{FF2B5EF4-FFF2-40B4-BE49-F238E27FC236}">
-                <a16:creationId xmlns:a16="http://schemas.microsoft.com/office/drawing/2014/main" id="{E5E6984D-7843-746C-74A0-43A9EEC80FFA}"/>
+          <p:cNvPr id="13" name="Picture 12">
+            <a:extLst>
+              <a:ext uri="{FF2B5EF4-FFF2-40B4-BE49-F238E27FC236}">
+                <a16:creationId xmlns:a16="http://schemas.microsoft.com/office/drawing/2014/main" id="{84E891F5-5141-F54D-4111-5D677420A0C0}"/>
               </a:ext>
             </a:extLst>
           </p:cNvPr>
@@ -4223,8 +5185,8 @@
         </p:blipFill>
         <p:spPr>
           <a:xfrm>
-            <a:off x="2281237" y="3227820"/>
-            <a:ext cx="3205163" cy="3042082"/>
+            <a:off x="2295525" y="103879"/>
+            <a:ext cx="3600450" cy="3325121"/>
           </a:xfrm>
           <a:prstGeom prst="rect">
             <a:avLst/>
@@ -4233,10 +5195,10 @@
       </p:pic>
       <p:pic>
         <p:nvPicPr>
-          <p:cNvPr id="9" name="Picture 8">
-            <a:extLst>
-              <a:ext uri="{FF2B5EF4-FFF2-40B4-BE49-F238E27FC236}">
-                <a16:creationId xmlns:a16="http://schemas.microsoft.com/office/drawing/2014/main" id="{AF2BC8AF-5FCB-60AF-4EDB-A66F09C79FAE}"/>
+          <p:cNvPr id="15" name="Picture 14">
+            <a:extLst>
+              <a:ext uri="{FF2B5EF4-FFF2-40B4-BE49-F238E27FC236}">
+                <a16:creationId xmlns:a16="http://schemas.microsoft.com/office/drawing/2014/main" id="{9A777717-6702-E9B0-4CE7-35759130738C}"/>
               </a:ext>
             </a:extLst>
           </p:cNvPr>
@@ -4253,8 +5215,8 @@
         </p:blipFill>
         <p:spPr>
           <a:xfrm>
-            <a:off x="5719761" y="3227820"/>
-            <a:ext cx="3205163" cy="3042082"/>
+            <a:off x="6296027" y="3328090"/>
+            <a:ext cx="3600451" cy="3325122"/>
           </a:xfrm>
           <a:prstGeom prst="rect">
             <a:avLst/>
@@ -4263,10 +5225,10 @@
       </p:pic>
       <p:pic>
         <p:nvPicPr>
-          <p:cNvPr id="11" name="Picture 10">
-            <a:extLst>
-              <a:ext uri="{FF2B5EF4-FFF2-40B4-BE49-F238E27FC236}">
-                <a16:creationId xmlns:a16="http://schemas.microsoft.com/office/drawing/2014/main" id="{A5FC2879-7E2B-8C1D-6A12-C20EF5E6E196}"/>
+          <p:cNvPr id="17" name="Picture 16">
+            <a:extLst>
+              <a:ext uri="{FF2B5EF4-FFF2-40B4-BE49-F238E27FC236}">
+                <a16:creationId xmlns:a16="http://schemas.microsoft.com/office/drawing/2014/main" id="{701A94D0-C75D-23EC-3554-59AD71A2B2E6}"/>
               </a:ext>
             </a:extLst>
           </p:cNvPr>
@@ -4283,8 +5245,38 @@
         </p:blipFill>
         <p:spPr>
           <a:xfrm>
-            <a:off x="2397917" y="185737"/>
-            <a:ext cx="3205164" cy="3042083"/>
+            <a:off x="2295522" y="3328090"/>
+            <a:ext cx="3600451" cy="3325122"/>
+          </a:xfrm>
+          <a:prstGeom prst="rect">
+            <a:avLst/>
+          </a:prstGeom>
+        </p:spPr>
+      </p:pic>
+      <p:pic>
+        <p:nvPicPr>
+          <p:cNvPr id="19" name="Picture 18">
+            <a:extLst>
+              <a:ext uri="{FF2B5EF4-FFF2-40B4-BE49-F238E27FC236}">
+                <a16:creationId xmlns:a16="http://schemas.microsoft.com/office/drawing/2014/main" id="{FA5AA468-7D6A-2111-98EB-D13EE08F031F}"/>
+              </a:ext>
+            </a:extLst>
+          </p:cNvPr>
+          <p:cNvPicPr>
+            <a:picLocks noChangeAspect="1"/>
+          </p:cNvPicPr>
+          <p:nvPr/>
+        </p:nvPicPr>
+        <p:blipFill>
+          <a:blip r:embed="rId6"/>
+          <a:stretch>
+            <a:fillRect/>
+          </a:stretch>
+        </p:blipFill>
+        <p:spPr>
+          <a:xfrm>
+            <a:off x="6296026" y="103879"/>
+            <a:ext cx="3600451" cy="3325122"/>
           </a:xfrm>
           <a:prstGeom prst="rect">
             <a:avLst/>
@@ -4294,7 +5286,7 @@
     </p:spTree>
     <p:extLst>
       <p:ext uri="{BB962C8B-B14F-4D97-AF65-F5344CB8AC3E}">
-        <p14:creationId xmlns:p14="http://schemas.microsoft.com/office/powerpoint/2010/main" val="1500301307"/>
+        <p14:creationId xmlns:p14="http://schemas.microsoft.com/office/powerpoint/2010/main" val="1200311540"/>
       </p:ext>
     </p:extLst>
   </p:cSld>
@@ -4336,36 +5328,6 @@
           <p:nvPr/>
         </p:nvPicPr>
         <p:blipFill>
-          <a:blip r:embed="rId2"/>
-          <a:stretch>
-            <a:fillRect/>
-          </a:stretch>
-        </p:blipFill>
-        <p:spPr>
-          <a:xfrm>
-            <a:off x="2743200" y="236444"/>
-            <a:ext cx="3257550" cy="3002056"/>
-          </a:xfrm>
-          <a:prstGeom prst="rect">
-            <a:avLst/>
-          </a:prstGeom>
-        </p:spPr>
-      </p:pic>
-      <p:pic>
-        <p:nvPicPr>
-          <p:cNvPr id="7" name="Picture 6">
-            <a:extLst>
-              <a:ext uri="{FF2B5EF4-FFF2-40B4-BE49-F238E27FC236}">
-                <a16:creationId xmlns:a16="http://schemas.microsoft.com/office/drawing/2014/main" id="{BC062588-E89F-B520-90AB-5BEA2E105BFC}"/>
-              </a:ext>
-            </a:extLst>
-          </p:cNvPr>
-          <p:cNvPicPr>
-            <a:picLocks noChangeAspect="1"/>
-          </p:cNvPicPr>
-          <p:nvPr/>
-        </p:nvPicPr>
-        <p:blipFill>
           <a:blip r:embed="rId3"/>
           <a:stretch>
             <a:fillRect/>
@@ -4373,7 +5335,7 @@
         </p:blipFill>
         <p:spPr>
           <a:xfrm>
-            <a:off x="6191250" y="236444"/>
+            <a:off x="2743200" y="236444"/>
             <a:ext cx="3257550" cy="3002056"/>
           </a:xfrm>
           <a:prstGeom prst="rect">
@@ -4383,10 +5345,10 @@
       </p:pic>
       <p:pic>
         <p:nvPicPr>
-          <p:cNvPr id="9" name="Picture 8">
-            <a:extLst>
-              <a:ext uri="{FF2B5EF4-FFF2-40B4-BE49-F238E27FC236}">
-                <a16:creationId xmlns:a16="http://schemas.microsoft.com/office/drawing/2014/main" id="{9741B2C1-4062-F904-8E1B-A8E5CF7EE765}"/>
+          <p:cNvPr id="7" name="Picture 6">
+            <a:extLst>
+              <a:ext uri="{FF2B5EF4-FFF2-40B4-BE49-F238E27FC236}">
+                <a16:creationId xmlns:a16="http://schemas.microsoft.com/office/drawing/2014/main" id="{BC062588-E89F-B520-90AB-5BEA2E105BFC}"/>
               </a:ext>
             </a:extLst>
           </p:cNvPr>
@@ -4403,7 +5365,7 @@
         </p:blipFill>
         <p:spPr>
           <a:xfrm>
-            <a:off x="2743200" y="3238500"/>
+            <a:off x="6191250" y="236444"/>
             <a:ext cx="3257550" cy="3002056"/>
           </a:xfrm>
           <a:prstGeom prst="rect">
@@ -4413,10 +5375,10 @@
       </p:pic>
       <p:pic>
         <p:nvPicPr>
-          <p:cNvPr id="11" name="Picture 10">
-            <a:extLst>
-              <a:ext uri="{FF2B5EF4-FFF2-40B4-BE49-F238E27FC236}">
-                <a16:creationId xmlns:a16="http://schemas.microsoft.com/office/drawing/2014/main" id="{102D1349-8D00-6C6D-F92A-595DD4E9350A}"/>
+          <p:cNvPr id="9" name="Picture 8">
+            <a:extLst>
+              <a:ext uri="{FF2B5EF4-FFF2-40B4-BE49-F238E27FC236}">
+                <a16:creationId xmlns:a16="http://schemas.microsoft.com/office/drawing/2014/main" id="{9741B2C1-4062-F904-8E1B-A8E5CF7EE765}"/>
               </a:ext>
             </a:extLst>
           </p:cNvPr>
@@ -4427,6 +5389,36 @@
         </p:nvPicPr>
         <p:blipFill>
           <a:blip r:embed="rId5"/>
+          <a:stretch>
+            <a:fillRect/>
+          </a:stretch>
+        </p:blipFill>
+        <p:spPr>
+          <a:xfrm>
+            <a:off x="2743200" y="3238500"/>
+            <a:ext cx="3257550" cy="3002056"/>
+          </a:xfrm>
+          <a:prstGeom prst="rect">
+            <a:avLst/>
+          </a:prstGeom>
+        </p:spPr>
+      </p:pic>
+      <p:pic>
+        <p:nvPicPr>
+          <p:cNvPr id="11" name="Picture 10">
+            <a:extLst>
+              <a:ext uri="{FF2B5EF4-FFF2-40B4-BE49-F238E27FC236}">
+                <a16:creationId xmlns:a16="http://schemas.microsoft.com/office/drawing/2014/main" id="{102D1349-8D00-6C6D-F92A-595DD4E9350A}"/>
+              </a:ext>
+            </a:extLst>
+          </p:cNvPr>
+          <p:cNvPicPr>
+            <a:picLocks noChangeAspect="1"/>
+          </p:cNvPicPr>
+          <p:nvPr/>
+        </p:nvPicPr>
+        <p:blipFill>
+          <a:blip r:embed="rId6"/>
           <a:stretch>
             <a:fillRect/>
           </a:stretch>
@@ -4471,130 +5463,43 @@
           <a:chExt cx="0" cy="0"/>
         </a:xfrm>
       </p:grpSpPr>
-      <p:pic>
-        <p:nvPicPr>
-          <p:cNvPr id="5" name="Picture 4">
-            <a:extLst>
-              <a:ext uri="{FF2B5EF4-FFF2-40B4-BE49-F238E27FC236}">
-                <a16:creationId xmlns:a16="http://schemas.microsoft.com/office/drawing/2014/main" id="{D38B3D63-3E3A-85E3-5F2A-BA4A67B2A8DD}"/>
-              </a:ext>
-            </a:extLst>
-          </p:cNvPr>
-          <p:cNvPicPr>
-            <a:picLocks noChangeAspect="1"/>
-          </p:cNvPicPr>
-          <p:nvPr/>
-        </p:nvPicPr>
-        <p:blipFill>
-          <a:blip r:embed="rId2"/>
-          <a:stretch>
-            <a:fillRect/>
-          </a:stretch>
-        </p:blipFill>
-        <p:spPr>
-          <a:xfrm>
-            <a:off x="5886449" y="3429000"/>
-            <a:ext cx="3095625" cy="2852831"/>
-          </a:xfrm>
-          <a:prstGeom prst="rect">
-            <a:avLst/>
-          </a:prstGeom>
-        </p:spPr>
-      </p:pic>
-      <p:pic>
-        <p:nvPicPr>
-          <p:cNvPr id="7" name="Picture 6">
-            <a:extLst>
-              <a:ext uri="{FF2B5EF4-FFF2-40B4-BE49-F238E27FC236}">
-                <a16:creationId xmlns:a16="http://schemas.microsoft.com/office/drawing/2014/main" id="{F9B23F3F-D47C-4849-9456-7C08B3D6D721}"/>
-              </a:ext>
-            </a:extLst>
-          </p:cNvPr>
-          <p:cNvPicPr>
-            <a:picLocks noChangeAspect="1"/>
-          </p:cNvPicPr>
-          <p:nvPr/>
-        </p:nvPicPr>
-        <p:blipFill>
-          <a:blip r:embed="rId3"/>
-          <a:stretch>
-            <a:fillRect/>
-          </a:stretch>
-        </p:blipFill>
-        <p:spPr>
-          <a:xfrm>
-            <a:off x="2533649" y="3389218"/>
-            <a:ext cx="3095626" cy="2852832"/>
-          </a:xfrm>
-          <a:prstGeom prst="rect">
-            <a:avLst/>
-          </a:prstGeom>
-        </p:spPr>
-      </p:pic>
-      <p:pic>
-        <p:nvPicPr>
-          <p:cNvPr id="9" name="Picture 8">
-            <a:extLst>
-              <a:ext uri="{FF2B5EF4-FFF2-40B4-BE49-F238E27FC236}">
-                <a16:creationId xmlns:a16="http://schemas.microsoft.com/office/drawing/2014/main" id="{F31620D6-42F2-5C0E-311E-ABE2CAF08BB4}"/>
-              </a:ext>
-            </a:extLst>
-          </p:cNvPr>
-          <p:cNvPicPr>
-            <a:picLocks noChangeAspect="1"/>
-          </p:cNvPicPr>
-          <p:nvPr/>
-        </p:nvPicPr>
-        <p:blipFill>
-          <a:blip r:embed="rId4"/>
-          <a:stretch>
-            <a:fillRect/>
-          </a:stretch>
-        </p:blipFill>
-        <p:spPr>
-          <a:xfrm>
-            <a:off x="2533649" y="536386"/>
-            <a:ext cx="3095626" cy="2852832"/>
-          </a:xfrm>
-          <a:prstGeom prst="rect">
-            <a:avLst/>
-          </a:prstGeom>
-        </p:spPr>
-      </p:pic>
-      <p:pic>
-        <p:nvPicPr>
-          <p:cNvPr id="11" name="Picture 10">
-            <a:extLst>
-              <a:ext uri="{FF2B5EF4-FFF2-40B4-BE49-F238E27FC236}">
-                <a16:creationId xmlns:a16="http://schemas.microsoft.com/office/drawing/2014/main" id="{FBB9DC0B-2EB6-B2B4-49FD-2B35ACCF0AE9}"/>
-              </a:ext>
-            </a:extLst>
-          </p:cNvPr>
-          <p:cNvPicPr>
-            <a:picLocks noChangeAspect="1"/>
-          </p:cNvPicPr>
-          <p:nvPr/>
-        </p:nvPicPr>
-        <p:blipFill>
-          <a:blip r:embed="rId5"/>
-          <a:stretch>
-            <a:fillRect/>
-          </a:stretch>
-        </p:blipFill>
-        <p:spPr>
-          <a:xfrm>
-            <a:off x="5886447" y="536385"/>
-            <a:ext cx="3095627" cy="2852833"/>
-          </a:xfrm>
-          <a:prstGeom prst="rect">
-            <a:avLst/>
-          </a:prstGeom>
-        </p:spPr>
-      </p:pic>
+      <p:sp>
+        <p:nvSpPr>
+          <p:cNvPr id="2" name="Title 1">
+            <a:extLst>
+              <a:ext uri="{FF2B5EF4-FFF2-40B4-BE49-F238E27FC236}">
+                <a16:creationId xmlns:a16="http://schemas.microsoft.com/office/drawing/2014/main" id="{427C963A-1B08-FF2D-CB3B-13DDD4828CF5}"/>
+              </a:ext>
+            </a:extLst>
+          </p:cNvPr>
+          <p:cNvSpPr>
+            <a:spLocks noGrp="1"/>
+          </p:cNvSpPr>
+          <p:nvPr>
+            <p:ph type="title"/>
+          </p:nvPr>
+        </p:nvSpPr>
+        <p:spPr>
+          <a:xfrm>
+            <a:off x="628136" y="2614055"/>
+            <a:ext cx="10515600" cy="1325563"/>
+          </a:xfrm>
+        </p:spPr>
+        <p:txBody>
+          <a:bodyPr/>
+          <a:lstStyle/>
+          <a:p>
+            <a:r>
+              <a:rPr lang="en-US" dirty="0"/>
+              <a:t>BELOW THIS LINE FIGS ARENT IN MS</a:t>
+            </a:r>
+          </a:p>
+        </p:txBody>
+      </p:sp>
     </p:spTree>
     <p:extLst>
       <p:ext uri="{BB962C8B-B14F-4D97-AF65-F5344CB8AC3E}">
-        <p14:creationId xmlns:p14="http://schemas.microsoft.com/office/powerpoint/2010/main" val="1456132840"/>
+        <p14:creationId xmlns:p14="http://schemas.microsoft.com/office/powerpoint/2010/main" val="3783211663"/>
       </p:ext>
     </p:extLst>
   </p:cSld>
@@ -4623,40 +5528,10 @@
       </p:grpSpPr>
       <p:pic>
         <p:nvPicPr>
-          <p:cNvPr id="13" name="Picture 12">
-            <a:extLst>
-              <a:ext uri="{FF2B5EF4-FFF2-40B4-BE49-F238E27FC236}">
-                <a16:creationId xmlns:a16="http://schemas.microsoft.com/office/drawing/2014/main" id="{84E891F5-5141-F54D-4111-5D677420A0C0}"/>
-              </a:ext>
-            </a:extLst>
-          </p:cNvPr>
-          <p:cNvPicPr>
-            <a:picLocks noChangeAspect="1"/>
-          </p:cNvPicPr>
-          <p:nvPr/>
-        </p:nvPicPr>
-        <p:blipFill>
-          <a:blip r:embed="rId2"/>
-          <a:stretch>
-            <a:fillRect/>
-          </a:stretch>
-        </p:blipFill>
-        <p:spPr>
-          <a:xfrm>
-            <a:off x="2295525" y="103879"/>
-            <a:ext cx="3600450" cy="3325121"/>
-          </a:xfrm>
-          <a:prstGeom prst="rect">
-            <a:avLst/>
-          </a:prstGeom>
-        </p:spPr>
-      </p:pic>
-      <p:pic>
-        <p:nvPicPr>
-          <p:cNvPr id="15" name="Picture 14">
-            <a:extLst>
-              <a:ext uri="{FF2B5EF4-FFF2-40B4-BE49-F238E27FC236}">
-                <a16:creationId xmlns:a16="http://schemas.microsoft.com/office/drawing/2014/main" id="{9A777717-6702-E9B0-4CE7-35759130738C}"/>
+          <p:cNvPr id="5" name="Picture 4">
+            <a:extLst>
+              <a:ext uri="{FF2B5EF4-FFF2-40B4-BE49-F238E27FC236}">
+                <a16:creationId xmlns:a16="http://schemas.microsoft.com/office/drawing/2014/main" id="{473900A4-3DD5-15DC-DE8E-6B315BEB062D}"/>
               </a:ext>
             </a:extLst>
           </p:cNvPr>
@@ -4673,8 +5548,8 @@
         </p:blipFill>
         <p:spPr>
           <a:xfrm>
-            <a:off x="6296027" y="3328090"/>
-            <a:ext cx="3600451" cy="3325122"/>
+            <a:off x="1762125" y="177757"/>
+            <a:ext cx="2905125" cy="3251243"/>
           </a:xfrm>
           <a:prstGeom prst="rect">
             <a:avLst/>
@@ -4683,10 +5558,10 @@
       </p:pic>
       <p:pic>
         <p:nvPicPr>
-          <p:cNvPr id="17" name="Picture 16">
-            <a:extLst>
-              <a:ext uri="{FF2B5EF4-FFF2-40B4-BE49-F238E27FC236}">
-                <a16:creationId xmlns:a16="http://schemas.microsoft.com/office/drawing/2014/main" id="{701A94D0-C75D-23EC-3554-59AD71A2B2E6}"/>
+          <p:cNvPr id="7" name="Picture 6">
+            <a:extLst>
+              <a:ext uri="{FF2B5EF4-FFF2-40B4-BE49-F238E27FC236}">
+                <a16:creationId xmlns:a16="http://schemas.microsoft.com/office/drawing/2014/main" id="{27951461-6B4A-7AF5-3698-4ACAFF6F6807}"/>
               </a:ext>
             </a:extLst>
           </p:cNvPr>
@@ -4703,8 +5578,8 @@
         </p:blipFill>
         <p:spPr>
           <a:xfrm>
-            <a:off x="2295522" y="3328090"/>
-            <a:ext cx="3600451" cy="3325122"/>
+            <a:off x="4895850" y="177757"/>
+            <a:ext cx="2905125" cy="3251243"/>
           </a:xfrm>
           <a:prstGeom prst="rect">
             <a:avLst/>
@@ -4713,10 +5588,10 @@
       </p:pic>
       <p:pic>
         <p:nvPicPr>
-          <p:cNvPr id="19" name="Picture 18">
-            <a:extLst>
-              <a:ext uri="{FF2B5EF4-FFF2-40B4-BE49-F238E27FC236}">
-                <a16:creationId xmlns:a16="http://schemas.microsoft.com/office/drawing/2014/main" id="{FA5AA468-7D6A-2111-98EB-D13EE08F031F}"/>
+          <p:cNvPr id="9" name="Picture 8">
+            <a:extLst>
+              <a:ext uri="{FF2B5EF4-FFF2-40B4-BE49-F238E27FC236}">
+                <a16:creationId xmlns:a16="http://schemas.microsoft.com/office/drawing/2014/main" id="{86A07A27-586D-C1AD-0FCB-9298C8247C03}"/>
               </a:ext>
             </a:extLst>
           </p:cNvPr>
@@ -4733,8 +5608,128 @@
         </p:blipFill>
         <p:spPr>
           <a:xfrm>
-            <a:off x="6296026" y="103879"/>
-            <a:ext cx="3600451" cy="3325122"/>
+            <a:off x="8124824" y="177757"/>
+            <a:ext cx="2905126" cy="3251245"/>
+          </a:xfrm>
+          <a:prstGeom prst="rect">
+            <a:avLst/>
+          </a:prstGeom>
+        </p:spPr>
+      </p:pic>
+      <p:pic>
+        <p:nvPicPr>
+          <p:cNvPr id="11" name="Picture 10">
+            <a:extLst>
+              <a:ext uri="{FF2B5EF4-FFF2-40B4-BE49-F238E27FC236}">
+                <a16:creationId xmlns:a16="http://schemas.microsoft.com/office/drawing/2014/main" id="{05BA8DB3-923C-3C05-3964-BCA88B7865B9}"/>
+              </a:ext>
+            </a:extLst>
+          </p:cNvPr>
+          <p:cNvPicPr>
+            <a:picLocks noChangeAspect="1"/>
+          </p:cNvPicPr>
+          <p:nvPr/>
+        </p:nvPicPr>
+        <p:blipFill>
+          <a:blip r:embed="rId6"/>
+          <a:stretch>
+            <a:fillRect/>
+          </a:stretch>
+        </p:blipFill>
+        <p:spPr>
+          <a:xfrm>
+            <a:off x="1762125" y="3429000"/>
+            <a:ext cx="2905125" cy="3251243"/>
+          </a:xfrm>
+          <a:prstGeom prst="rect">
+            <a:avLst/>
+          </a:prstGeom>
+        </p:spPr>
+      </p:pic>
+      <p:pic>
+        <p:nvPicPr>
+          <p:cNvPr id="13" name="Picture 12">
+            <a:extLst>
+              <a:ext uri="{FF2B5EF4-FFF2-40B4-BE49-F238E27FC236}">
+                <a16:creationId xmlns:a16="http://schemas.microsoft.com/office/drawing/2014/main" id="{1D6C44C6-347E-5A87-381F-C3B7AEA0A974}"/>
+              </a:ext>
+            </a:extLst>
+          </p:cNvPr>
+          <p:cNvPicPr>
+            <a:picLocks noChangeAspect="1"/>
+          </p:cNvPicPr>
+          <p:nvPr/>
+        </p:nvPicPr>
+        <p:blipFill>
+          <a:blip r:embed="rId7"/>
+          <a:stretch>
+            <a:fillRect/>
+          </a:stretch>
+        </p:blipFill>
+        <p:spPr>
+          <a:xfrm>
+            <a:off x="4895849" y="3428998"/>
+            <a:ext cx="2905126" cy="3251245"/>
+          </a:xfrm>
+          <a:prstGeom prst="rect">
+            <a:avLst/>
+          </a:prstGeom>
+        </p:spPr>
+      </p:pic>
+      <p:pic>
+        <p:nvPicPr>
+          <p:cNvPr id="15" name="Picture 14">
+            <a:extLst>
+              <a:ext uri="{FF2B5EF4-FFF2-40B4-BE49-F238E27FC236}">
+                <a16:creationId xmlns:a16="http://schemas.microsoft.com/office/drawing/2014/main" id="{CE68F4FF-E9C6-4C8F-181F-8AB3BF130668}"/>
+              </a:ext>
+            </a:extLst>
+          </p:cNvPr>
+          <p:cNvPicPr>
+            <a:picLocks noChangeAspect="1"/>
+          </p:cNvPicPr>
+          <p:nvPr/>
+        </p:nvPicPr>
+        <p:blipFill>
+          <a:blip r:embed="rId8"/>
+          <a:stretch>
+            <a:fillRect/>
+          </a:stretch>
+        </p:blipFill>
+        <p:spPr>
+          <a:xfrm>
+            <a:off x="8124823" y="3428998"/>
+            <a:ext cx="2905127" cy="3251246"/>
+          </a:xfrm>
+          <a:prstGeom prst="rect">
+            <a:avLst/>
+          </a:prstGeom>
+        </p:spPr>
+      </p:pic>
+      <p:pic>
+        <p:nvPicPr>
+          <p:cNvPr id="17" name="Picture 16">
+            <a:extLst>
+              <a:ext uri="{FF2B5EF4-FFF2-40B4-BE49-F238E27FC236}">
+                <a16:creationId xmlns:a16="http://schemas.microsoft.com/office/drawing/2014/main" id="{58FE90C2-30D5-8971-C15D-8E990F227BC1}"/>
+              </a:ext>
+            </a:extLst>
+          </p:cNvPr>
+          <p:cNvPicPr>
+            <a:picLocks noChangeAspect="1"/>
+          </p:cNvPicPr>
+          <p:nvPr/>
+        </p:nvPicPr>
+        <p:blipFill>
+          <a:blip r:embed="rId9"/>
+          <a:stretch>
+            <a:fillRect/>
+          </a:stretch>
+        </p:blipFill>
+        <p:spPr>
+          <a:xfrm>
+            <a:off x="268475" y="2350704"/>
+            <a:ext cx="1493649" cy="1508891"/>
           </a:xfrm>
           <a:prstGeom prst="rect">
             <a:avLst/>
@@ -4744,7 +5739,7 @@
     </p:spTree>
     <p:extLst>
       <p:ext uri="{BB962C8B-B14F-4D97-AF65-F5344CB8AC3E}">
-        <p14:creationId xmlns:p14="http://schemas.microsoft.com/office/powerpoint/2010/main" val="1200311540"/>
+        <p14:creationId xmlns:p14="http://schemas.microsoft.com/office/powerpoint/2010/main" val="3726006625"/>
       </p:ext>
     </p:extLst>
   </p:cSld>
@@ -4776,7 +5771,37 @@
           <p:cNvPr id="9" name="Picture 8">
             <a:extLst>
               <a:ext uri="{FF2B5EF4-FFF2-40B4-BE49-F238E27FC236}">
-                <a16:creationId xmlns:a16="http://schemas.microsoft.com/office/drawing/2014/main" id="{9AEA1866-4E55-7B54-34E4-6A2FDDA67A86}"/>
+                <a16:creationId xmlns:a16="http://schemas.microsoft.com/office/drawing/2014/main" id="{39E632F9-549E-64F9-6C85-088807FD9506}"/>
+              </a:ext>
+            </a:extLst>
+          </p:cNvPr>
+          <p:cNvPicPr>
+            <a:picLocks noChangeAspect="1"/>
+          </p:cNvPicPr>
+          <p:nvPr/>
+        </p:nvPicPr>
+        <p:blipFill>
+          <a:blip r:embed="rId2"/>
+          <a:stretch>
+            <a:fillRect/>
+          </a:stretch>
+        </p:blipFill>
+        <p:spPr>
+          <a:xfrm>
+            <a:off x="1895704" y="0"/>
+            <a:ext cx="3445223" cy="2854957"/>
+          </a:xfrm>
+          <a:prstGeom prst="rect">
+            <a:avLst/>
+          </a:prstGeom>
+        </p:spPr>
+      </p:pic>
+      <p:pic>
+        <p:nvPicPr>
+          <p:cNvPr id="13" name="Picture 12">
+            <a:extLst>
+              <a:ext uri="{FF2B5EF4-FFF2-40B4-BE49-F238E27FC236}">
+                <a16:creationId xmlns:a16="http://schemas.microsoft.com/office/drawing/2014/main" id="{8BCC55EB-3E4C-A925-F0B0-58F4F602505C}"/>
               </a:ext>
             </a:extLst>
           </p:cNvPr>
@@ -4793,8 +5818,8 @@
         </p:blipFill>
         <p:spPr>
           <a:xfrm>
-            <a:off x="1719263" y="1"/>
-            <a:ext cx="4491038" cy="3439738"/>
+            <a:off x="5902037" y="0"/>
+            <a:ext cx="3699163" cy="2854995"/>
           </a:xfrm>
           <a:prstGeom prst="rect">
             <a:avLst/>
@@ -4803,10 +5828,10 @@
       </p:pic>
       <p:pic>
         <p:nvPicPr>
-          <p:cNvPr id="11" name="Picture 10">
-            <a:extLst>
-              <a:ext uri="{FF2B5EF4-FFF2-40B4-BE49-F238E27FC236}">
-                <a16:creationId xmlns:a16="http://schemas.microsoft.com/office/drawing/2014/main" id="{1DC14779-62F8-49B9-485E-D8C65666A989}"/>
+          <p:cNvPr id="17" name="Picture 16">
+            <a:extLst>
+              <a:ext uri="{FF2B5EF4-FFF2-40B4-BE49-F238E27FC236}">
+                <a16:creationId xmlns:a16="http://schemas.microsoft.com/office/drawing/2014/main" id="{87A8E14A-11D2-8197-A2CE-6F792C962D43}"/>
               </a:ext>
             </a:extLst>
           </p:cNvPr>
@@ -4823,8 +5848,8 @@
         </p:blipFill>
         <p:spPr>
           <a:xfrm>
-            <a:off x="6434137" y="0"/>
-            <a:ext cx="4491039" cy="3439739"/>
+            <a:off x="1895703" y="3114632"/>
+            <a:ext cx="3445224" cy="2683495"/>
           </a:xfrm>
           <a:prstGeom prst="rect">
             <a:avLst/>
@@ -4833,10 +5858,10 @@
       </p:pic>
       <p:pic>
         <p:nvPicPr>
-          <p:cNvPr id="15" name="Picture 14">
-            <a:extLst>
-              <a:ext uri="{FF2B5EF4-FFF2-40B4-BE49-F238E27FC236}">
-                <a16:creationId xmlns:a16="http://schemas.microsoft.com/office/drawing/2014/main" id="{94BBECDA-207E-7C94-E83F-E5C5E0871FFA}"/>
+          <p:cNvPr id="19" name="Picture 18">
+            <a:extLst>
+              <a:ext uri="{FF2B5EF4-FFF2-40B4-BE49-F238E27FC236}">
+                <a16:creationId xmlns:a16="http://schemas.microsoft.com/office/drawing/2014/main" id="{45FC6C33-643F-D559-1FA9-1E5E1C565D64}"/>
               </a:ext>
             </a:extLst>
           </p:cNvPr>
@@ -4853,8 +5878,68 @@
         </p:blipFill>
         <p:spPr>
           <a:xfrm>
-            <a:off x="1719263" y="3370637"/>
-            <a:ext cx="4491038" cy="3439738"/>
+            <a:off x="5902037" y="2959107"/>
+            <a:ext cx="3699163" cy="2724719"/>
+          </a:xfrm>
+          <a:prstGeom prst="rect">
+            <a:avLst/>
+          </a:prstGeom>
+        </p:spPr>
+      </p:pic>
+    </p:spTree>
+    <p:extLst>
+      <p:ext uri="{BB962C8B-B14F-4D97-AF65-F5344CB8AC3E}">
+        <p14:creationId xmlns:p14="http://schemas.microsoft.com/office/powerpoint/2010/main" val="2440721313"/>
+      </p:ext>
+    </p:extLst>
+  </p:cSld>
+  <p:clrMapOvr>
+    <a:masterClrMapping/>
+  </p:clrMapOvr>
+</p:sld>
+</file>
+
+<file path=ppt/slides/slide16.xml><?xml version="1.0" encoding="utf-8"?>
+<p:sld xmlns:a="http://schemas.openxmlformats.org/drawingml/2006/main" xmlns:r="http://schemas.openxmlformats.org/officeDocument/2006/relationships" xmlns:p="http://schemas.openxmlformats.org/presentationml/2006/main">
+  <p:cSld>
+    <p:spTree>
+      <p:nvGrpSpPr>
+        <p:cNvPr id="1" name=""/>
+        <p:cNvGrpSpPr/>
+        <p:nvPr/>
+      </p:nvGrpSpPr>
+      <p:grpSpPr>
+        <a:xfrm>
+          <a:off x="0" y="0"/>
+          <a:ext cx="0" cy="0"/>
+          <a:chOff x="0" y="0"/>
+          <a:chExt cx="0" cy="0"/>
+        </a:xfrm>
+      </p:grpSpPr>
+      <p:pic>
+        <p:nvPicPr>
+          <p:cNvPr id="7" name="Picture 6">
+            <a:extLst>
+              <a:ext uri="{FF2B5EF4-FFF2-40B4-BE49-F238E27FC236}">
+                <a16:creationId xmlns:a16="http://schemas.microsoft.com/office/drawing/2014/main" id="{84A0C3BA-11EC-FC2E-07A2-15E7EBE1D570}"/>
+              </a:ext>
+            </a:extLst>
+          </p:cNvPr>
+          <p:cNvPicPr>
+            <a:picLocks noChangeAspect="1"/>
+          </p:cNvPicPr>
+          <p:nvPr/>
+        </p:nvPicPr>
+        <p:blipFill>
+          <a:blip r:embed="rId2"/>
+          <a:stretch>
+            <a:fillRect/>
+          </a:stretch>
+        </p:blipFill>
+        <p:spPr>
+          <a:xfrm>
+            <a:off x="6532165" y="3086099"/>
+            <a:ext cx="3750350" cy="2899064"/>
           </a:xfrm>
           <a:prstGeom prst="rect">
             <a:avLst/>
@@ -4863,10 +5948,100 @@
       </p:pic>
       <p:pic>
         <p:nvPicPr>
-          <p:cNvPr id="19" name="Picture 18">
-            <a:extLst>
-              <a:ext uri="{FF2B5EF4-FFF2-40B4-BE49-F238E27FC236}">
-                <a16:creationId xmlns:a16="http://schemas.microsoft.com/office/drawing/2014/main" id="{E7A104D5-0F00-FEBF-1DD4-94CB9585633A}"/>
+          <p:cNvPr id="9" name="Picture 8">
+            <a:extLst>
+              <a:ext uri="{FF2B5EF4-FFF2-40B4-BE49-F238E27FC236}">
+                <a16:creationId xmlns:a16="http://schemas.microsoft.com/office/drawing/2014/main" id="{42D099E1-56D1-479C-A9FD-B21110E0E868}"/>
+              </a:ext>
+            </a:extLst>
+          </p:cNvPr>
+          <p:cNvPicPr>
+            <a:picLocks noChangeAspect="1"/>
+          </p:cNvPicPr>
+          <p:nvPr/>
+        </p:nvPicPr>
+        <p:blipFill>
+          <a:blip r:embed="rId3"/>
+          <a:stretch>
+            <a:fillRect/>
+          </a:stretch>
+        </p:blipFill>
+        <p:spPr>
+          <a:xfrm>
+            <a:off x="2114168" y="3086099"/>
+            <a:ext cx="3981832" cy="2903641"/>
+          </a:xfrm>
+          <a:prstGeom prst="rect">
+            <a:avLst/>
+          </a:prstGeom>
+        </p:spPr>
+      </p:pic>
+      <p:pic>
+        <p:nvPicPr>
+          <p:cNvPr id="11" name="Picture 10">
+            <a:extLst>
+              <a:ext uri="{FF2B5EF4-FFF2-40B4-BE49-F238E27FC236}">
+                <a16:creationId xmlns:a16="http://schemas.microsoft.com/office/drawing/2014/main" id="{4EA088D8-6A64-304E-F5BE-4980E7ECB092}"/>
+              </a:ext>
+            </a:extLst>
+          </p:cNvPr>
+          <p:cNvPicPr>
+            <a:picLocks noChangeAspect="1"/>
+          </p:cNvPicPr>
+          <p:nvPr/>
+        </p:nvPicPr>
+        <p:blipFill>
+          <a:blip r:embed="rId4"/>
+          <a:stretch>
+            <a:fillRect/>
+          </a:stretch>
+        </p:blipFill>
+        <p:spPr>
+          <a:xfrm>
+            <a:off x="6532165" y="164224"/>
+            <a:ext cx="3750350" cy="2734840"/>
+          </a:xfrm>
+          <a:prstGeom prst="rect">
+            <a:avLst/>
+          </a:prstGeom>
+        </p:spPr>
+      </p:pic>
+      <p:pic>
+        <p:nvPicPr>
+          <p:cNvPr id="13" name="Picture 12">
+            <a:extLst>
+              <a:ext uri="{FF2B5EF4-FFF2-40B4-BE49-F238E27FC236}">
+                <a16:creationId xmlns:a16="http://schemas.microsoft.com/office/drawing/2014/main" id="{A0B4E45E-9575-E9D0-ED4F-E256D6E65E6E}"/>
+              </a:ext>
+            </a:extLst>
+          </p:cNvPr>
+          <p:cNvPicPr>
+            <a:picLocks noChangeAspect="1"/>
+          </p:cNvPicPr>
+          <p:nvPr/>
+        </p:nvPicPr>
+        <p:blipFill>
+          <a:blip r:embed="rId5"/>
+          <a:stretch>
+            <a:fillRect/>
+          </a:stretch>
+        </p:blipFill>
+        <p:spPr>
+          <a:xfrm>
+            <a:off x="2103777" y="164224"/>
+            <a:ext cx="3895241" cy="2840497"/>
+          </a:xfrm>
+          <a:prstGeom prst="rect">
+            <a:avLst/>
+          </a:prstGeom>
+        </p:spPr>
+      </p:pic>
+      <p:pic>
+        <p:nvPicPr>
+          <p:cNvPr id="15" name="Picture 14">
+            <a:extLst>
+              <a:ext uri="{FF2B5EF4-FFF2-40B4-BE49-F238E27FC236}">
+                <a16:creationId xmlns:a16="http://schemas.microsoft.com/office/drawing/2014/main" id="{2CD81962-87E6-F00D-F9E1-31E773DEF513}"/>
               </a:ext>
             </a:extLst>
           </p:cNvPr>
@@ -4883,8 +6058,8 @@
         </p:blipFill>
         <p:spPr>
           <a:xfrm>
-            <a:off x="6434135" y="3370635"/>
-            <a:ext cx="4491041" cy="3439740"/>
+            <a:off x="2072095" y="72455"/>
+            <a:ext cx="3926923" cy="2863601"/>
           </a:xfrm>
           <a:prstGeom prst="rect">
             <a:avLst/>
@@ -4894,7 +6069,367 @@
     </p:spTree>
     <p:extLst>
       <p:ext uri="{BB962C8B-B14F-4D97-AF65-F5344CB8AC3E}">
-        <p14:creationId xmlns:p14="http://schemas.microsoft.com/office/powerpoint/2010/main" val="1777128096"/>
+        <p14:creationId xmlns:p14="http://schemas.microsoft.com/office/powerpoint/2010/main" val="3682422795"/>
+      </p:ext>
+    </p:extLst>
+  </p:cSld>
+  <p:clrMapOvr>
+    <a:masterClrMapping/>
+  </p:clrMapOvr>
+</p:sld>
+</file>
+
+<file path=ppt/slides/slide17.xml><?xml version="1.0" encoding="utf-8"?>
+<p:sld xmlns:a="http://schemas.openxmlformats.org/drawingml/2006/main" xmlns:r="http://schemas.openxmlformats.org/officeDocument/2006/relationships" xmlns:p="http://schemas.openxmlformats.org/presentationml/2006/main">
+  <p:cSld>
+    <p:spTree>
+      <p:nvGrpSpPr>
+        <p:cNvPr id="1" name=""/>
+        <p:cNvGrpSpPr/>
+        <p:nvPr/>
+      </p:nvGrpSpPr>
+      <p:grpSpPr>
+        <a:xfrm>
+          <a:off x="0" y="0"/>
+          <a:ext cx="0" cy="0"/>
+          <a:chOff x="0" y="0"/>
+          <a:chExt cx="0" cy="0"/>
+        </a:xfrm>
+      </p:grpSpPr>
+      <p:pic>
+        <p:nvPicPr>
+          <p:cNvPr id="19" name="Picture 18">
+            <a:extLst>
+              <a:ext uri="{FF2B5EF4-FFF2-40B4-BE49-F238E27FC236}">
+                <a16:creationId xmlns:a16="http://schemas.microsoft.com/office/drawing/2014/main" id="{3C33DF82-604E-1E5B-6B37-94231E012C0A}"/>
+              </a:ext>
+            </a:extLst>
+          </p:cNvPr>
+          <p:cNvPicPr>
+            <a:picLocks noChangeAspect="1"/>
+          </p:cNvPicPr>
+          <p:nvPr/>
+        </p:nvPicPr>
+        <p:blipFill>
+          <a:blip r:embed="rId2"/>
+          <a:stretch>
+            <a:fillRect/>
+          </a:stretch>
+        </p:blipFill>
+        <p:spPr>
+          <a:xfrm>
+            <a:off x="6314364" y="358255"/>
+            <a:ext cx="2438400" cy="2724150"/>
+          </a:xfrm>
+          <a:prstGeom prst="rect">
+            <a:avLst/>
+          </a:prstGeom>
+        </p:spPr>
+      </p:pic>
+      <p:pic>
+        <p:nvPicPr>
+          <p:cNvPr id="21" name="Picture 20">
+            <a:extLst>
+              <a:ext uri="{FF2B5EF4-FFF2-40B4-BE49-F238E27FC236}">
+                <a16:creationId xmlns:a16="http://schemas.microsoft.com/office/drawing/2014/main" id="{1E54D765-9C48-3FCB-2BA6-2B4833491389}"/>
+              </a:ext>
+            </a:extLst>
+          </p:cNvPr>
+          <p:cNvPicPr>
+            <a:picLocks noChangeAspect="1"/>
+          </p:cNvPicPr>
+          <p:nvPr/>
+        </p:nvPicPr>
+        <p:blipFill>
+          <a:blip r:embed="rId3"/>
+          <a:stretch>
+            <a:fillRect/>
+          </a:stretch>
+        </p:blipFill>
+        <p:spPr>
+          <a:xfrm>
+            <a:off x="3657599" y="3185046"/>
+            <a:ext cx="2438401" cy="2724150"/>
+          </a:xfrm>
+          <a:prstGeom prst="rect">
+            <a:avLst/>
+          </a:prstGeom>
+        </p:spPr>
+      </p:pic>
+      <p:pic>
+        <p:nvPicPr>
+          <p:cNvPr id="23" name="Picture 22">
+            <a:extLst>
+              <a:ext uri="{FF2B5EF4-FFF2-40B4-BE49-F238E27FC236}">
+                <a16:creationId xmlns:a16="http://schemas.microsoft.com/office/drawing/2014/main" id="{81959067-6907-E3C2-66C1-68172285CDA6}"/>
+              </a:ext>
+            </a:extLst>
+          </p:cNvPr>
+          <p:cNvPicPr>
+            <a:picLocks noChangeAspect="1"/>
+          </p:cNvPicPr>
+          <p:nvPr/>
+        </p:nvPicPr>
+        <p:blipFill>
+          <a:blip r:embed="rId4"/>
+          <a:stretch>
+            <a:fillRect/>
+          </a:stretch>
+        </p:blipFill>
+        <p:spPr>
+          <a:xfrm>
+            <a:off x="6314364" y="3185046"/>
+            <a:ext cx="2438400" cy="2724150"/>
+          </a:xfrm>
+          <a:prstGeom prst="rect">
+            <a:avLst/>
+          </a:prstGeom>
+        </p:spPr>
+      </p:pic>
+    </p:spTree>
+    <p:extLst>
+      <p:ext uri="{BB962C8B-B14F-4D97-AF65-F5344CB8AC3E}">
+        <p14:creationId xmlns:p14="http://schemas.microsoft.com/office/powerpoint/2010/main" val="1207901040"/>
+      </p:ext>
+    </p:extLst>
+  </p:cSld>
+  <p:clrMapOvr>
+    <a:masterClrMapping/>
+  </p:clrMapOvr>
+</p:sld>
+</file>
+
+<file path=ppt/slides/slide18.xml><?xml version="1.0" encoding="utf-8"?>
+<p:sld xmlns:a="http://schemas.openxmlformats.org/drawingml/2006/main" xmlns:r="http://schemas.openxmlformats.org/officeDocument/2006/relationships" xmlns:p="http://schemas.openxmlformats.org/presentationml/2006/main">
+  <p:cSld>
+    <p:spTree>
+      <p:nvGrpSpPr>
+        <p:cNvPr id="1" name=""/>
+        <p:cNvGrpSpPr/>
+        <p:nvPr/>
+      </p:nvGrpSpPr>
+      <p:grpSpPr>
+        <a:xfrm>
+          <a:off x="0" y="0"/>
+          <a:ext cx="0" cy="0"/>
+          <a:chOff x="0" y="0"/>
+          <a:chExt cx="0" cy="0"/>
+        </a:xfrm>
+      </p:grpSpPr>
+      <p:pic>
+        <p:nvPicPr>
+          <p:cNvPr id="13" name="Picture 12">
+            <a:extLst>
+              <a:ext uri="{FF2B5EF4-FFF2-40B4-BE49-F238E27FC236}">
+                <a16:creationId xmlns:a16="http://schemas.microsoft.com/office/drawing/2014/main" id="{4043A526-778F-B6A6-9595-68A360967B84}"/>
+              </a:ext>
+            </a:extLst>
+          </p:cNvPr>
+          <p:cNvPicPr>
+            <a:picLocks noChangeAspect="1"/>
+          </p:cNvPicPr>
+          <p:nvPr/>
+        </p:nvPicPr>
+        <p:blipFill>
+          <a:blip r:embed="rId2"/>
+          <a:stretch>
+            <a:fillRect/>
+          </a:stretch>
+        </p:blipFill>
+        <p:spPr>
+          <a:xfrm>
+            <a:off x="3657600" y="3429000"/>
+            <a:ext cx="2438400" cy="2724150"/>
+          </a:xfrm>
+          <a:prstGeom prst="rect">
+            <a:avLst/>
+          </a:prstGeom>
+        </p:spPr>
+      </p:pic>
+      <p:pic>
+        <p:nvPicPr>
+          <p:cNvPr id="15" name="Picture 14">
+            <a:extLst>
+              <a:ext uri="{FF2B5EF4-FFF2-40B4-BE49-F238E27FC236}">
+                <a16:creationId xmlns:a16="http://schemas.microsoft.com/office/drawing/2014/main" id="{9BEB2A51-ED53-CCA5-8310-4BE19B3CD6FB}"/>
+              </a:ext>
+            </a:extLst>
+          </p:cNvPr>
+          <p:cNvPicPr>
+            <a:picLocks noChangeAspect="1"/>
+          </p:cNvPicPr>
+          <p:nvPr/>
+        </p:nvPicPr>
+        <p:blipFill>
+          <a:blip r:embed="rId3"/>
+          <a:stretch>
+            <a:fillRect/>
+          </a:stretch>
+        </p:blipFill>
+        <p:spPr>
+          <a:xfrm>
+            <a:off x="6246123" y="3429000"/>
+            <a:ext cx="2438401" cy="2724151"/>
+          </a:xfrm>
+          <a:prstGeom prst="rect">
+            <a:avLst/>
+          </a:prstGeom>
+        </p:spPr>
+      </p:pic>
+      <p:pic>
+        <p:nvPicPr>
+          <p:cNvPr id="17" name="Picture 16">
+            <a:extLst>
+              <a:ext uri="{FF2B5EF4-FFF2-40B4-BE49-F238E27FC236}">
+                <a16:creationId xmlns:a16="http://schemas.microsoft.com/office/drawing/2014/main" id="{E1F713D0-2C83-7840-BF7B-648B0B1934FA}"/>
+              </a:ext>
+            </a:extLst>
+          </p:cNvPr>
+          <p:cNvPicPr>
+            <a:picLocks noChangeAspect="1"/>
+          </p:cNvPicPr>
+          <p:nvPr/>
+        </p:nvPicPr>
+        <p:blipFill>
+          <a:blip r:embed="rId4"/>
+          <a:stretch>
+            <a:fillRect/>
+          </a:stretch>
+        </p:blipFill>
+        <p:spPr>
+          <a:xfrm>
+            <a:off x="6246123" y="494729"/>
+            <a:ext cx="2438402" cy="2724152"/>
+          </a:xfrm>
+          <a:prstGeom prst="rect">
+            <a:avLst/>
+          </a:prstGeom>
+        </p:spPr>
+      </p:pic>
+      <p:pic>
+        <p:nvPicPr>
+          <p:cNvPr id="19" name="Picture 18">
+            <a:extLst>
+              <a:ext uri="{FF2B5EF4-FFF2-40B4-BE49-F238E27FC236}">
+                <a16:creationId xmlns:a16="http://schemas.microsoft.com/office/drawing/2014/main" id="{312D4DEB-0535-2806-44D5-3AF882531E50}"/>
+              </a:ext>
+            </a:extLst>
+          </p:cNvPr>
+          <p:cNvPicPr>
+            <a:picLocks noChangeAspect="1"/>
+          </p:cNvPicPr>
+          <p:nvPr/>
+        </p:nvPicPr>
+        <p:blipFill>
+          <a:blip r:embed="rId5"/>
+          <a:stretch>
+            <a:fillRect/>
+          </a:stretch>
+        </p:blipFill>
+        <p:spPr>
+          <a:xfrm>
+            <a:off x="3657600" y="494729"/>
+            <a:ext cx="2438400" cy="2724150"/>
+          </a:xfrm>
+          <a:prstGeom prst="rect">
+            <a:avLst/>
+          </a:prstGeom>
+        </p:spPr>
+      </p:pic>
+      <p:pic>
+        <p:nvPicPr>
+          <p:cNvPr id="20" name="Picture 19">
+            <a:extLst>
+              <a:ext uri="{FF2B5EF4-FFF2-40B4-BE49-F238E27FC236}">
+                <a16:creationId xmlns:a16="http://schemas.microsoft.com/office/drawing/2014/main" id="{75B712DC-4A25-8D08-BC04-3C2F927C6E92}"/>
+              </a:ext>
+            </a:extLst>
+          </p:cNvPr>
+          <p:cNvPicPr>
+            <a:picLocks noChangeAspect="1"/>
+          </p:cNvPicPr>
+          <p:nvPr/>
+        </p:nvPicPr>
+        <p:blipFill>
+          <a:blip r:embed="rId6"/>
+          <a:stretch>
+            <a:fillRect/>
+          </a:stretch>
+        </p:blipFill>
+        <p:spPr>
+          <a:xfrm>
+            <a:off x="8948382" y="494729"/>
+            <a:ext cx="2438400" cy="2724150"/>
+          </a:xfrm>
+          <a:prstGeom prst="rect">
+            <a:avLst/>
+          </a:prstGeom>
+        </p:spPr>
+      </p:pic>
+      <p:pic>
+        <p:nvPicPr>
+          <p:cNvPr id="21" name="Picture 20">
+            <a:extLst>
+              <a:ext uri="{FF2B5EF4-FFF2-40B4-BE49-F238E27FC236}">
+                <a16:creationId xmlns:a16="http://schemas.microsoft.com/office/drawing/2014/main" id="{EB61D1A7-F664-3B71-6CDB-9AA5279DF331}"/>
+              </a:ext>
+            </a:extLst>
+          </p:cNvPr>
+          <p:cNvPicPr>
+            <a:picLocks noChangeAspect="1"/>
+          </p:cNvPicPr>
+          <p:nvPr/>
+        </p:nvPicPr>
+        <p:blipFill>
+          <a:blip r:embed="rId7"/>
+          <a:stretch>
+            <a:fillRect/>
+          </a:stretch>
+        </p:blipFill>
+        <p:spPr>
+          <a:xfrm>
+            <a:off x="955341" y="3428998"/>
+            <a:ext cx="2438401" cy="2724150"/>
+          </a:xfrm>
+          <a:prstGeom prst="rect">
+            <a:avLst/>
+          </a:prstGeom>
+        </p:spPr>
+      </p:pic>
+      <p:pic>
+        <p:nvPicPr>
+          <p:cNvPr id="22" name="Picture 21">
+            <a:extLst>
+              <a:ext uri="{FF2B5EF4-FFF2-40B4-BE49-F238E27FC236}">
+                <a16:creationId xmlns:a16="http://schemas.microsoft.com/office/drawing/2014/main" id="{CEBD8F20-138A-129A-468B-A7229E1740F4}"/>
+              </a:ext>
+            </a:extLst>
+          </p:cNvPr>
+          <p:cNvPicPr>
+            <a:picLocks noChangeAspect="1"/>
+          </p:cNvPicPr>
+          <p:nvPr/>
+        </p:nvPicPr>
+        <p:blipFill>
+          <a:blip r:embed="rId8"/>
+          <a:stretch>
+            <a:fillRect/>
+          </a:stretch>
+        </p:blipFill>
+        <p:spPr>
+          <a:xfrm>
+            <a:off x="8948382" y="3428998"/>
+            <a:ext cx="2438400" cy="2724150"/>
+          </a:xfrm>
+          <a:prstGeom prst="rect">
+            <a:avLst/>
+          </a:prstGeom>
+        </p:spPr>
+      </p:pic>
+    </p:spTree>
+    <p:extLst>
+      <p:ext uri="{BB962C8B-B14F-4D97-AF65-F5344CB8AC3E}">
+        <p14:creationId xmlns:p14="http://schemas.microsoft.com/office/powerpoint/2010/main" val="3066441492"/>
       </p:ext>
     </p:extLst>
   </p:cSld>
@@ -4923,10 +6458,10 @@
       </p:grpSpPr>
       <p:pic>
         <p:nvPicPr>
-          <p:cNvPr id="5" name="Picture 4">
-            <a:extLst>
-              <a:ext uri="{FF2B5EF4-FFF2-40B4-BE49-F238E27FC236}">
-                <a16:creationId xmlns:a16="http://schemas.microsoft.com/office/drawing/2014/main" id="{473900A4-3DD5-15DC-DE8E-6B315BEB062D}"/>
+          <p:cNvPr id="6" name="Picture 5">
+            <a:extLst>
+              <a:ext uri="{FF2B5EF4-FFF2-40B4-BE49-F238E27FC236}">
+                <a16:creationId xmlns:a16="http://schemas.microsoft.com/office/drawing/2014/main" id="{31DB86A8-E154-3FF9-A420-53ACA94AA65D}"/>
               </a:ext>
             </a:extLst>
           </p:cNvPr>
@@ -4943,8 +6478,8 @@
         </p:blipFill>
         <p:spPr>
           <a:xfrm>
-            <a:off x="1762125" y="177757"/>
-            <a:ext cx="2905125" cy="3251243"/>
+            <a:off x="2224772" y="86768"/>
+            <a:ext cx="2351564" cy="1714814"/>
           </a:xfrm>
           <a:prstGeom prst="rect">
             <a:avLst/>
@@ -4956,7 +6491,7 @@
           <p:cNvPr id="7" name="Picture 6">
             <a:extLst>
               <a:ext uri="{FF2B5EF4-FFF2-40B4-BE49-F238E27FC236}">
-                <a16:creationId xmlns:a16="http://schemas.microsoft.com/office/drawing/2014/main" id="{27951461-6B4A-7AF5-3698-4ACAFF6F6807}"/>
+                <a16:creationId xmlns:a16="http://schemas.microsoft.com/office/drawing/2014/main" id="{6AA903AE-A034-437F-2637-93D932DBDC97}"/>
               </a:ext>
             </a:extLst>
           </p:cNvPr>
@@ -4973,8 +6508,8 @@
         </p:blipFill>
         <p:spPr>
           <a:xfrm>
-            <a:off x="4895850" y="177757"/>
-            <a:ext cx="2905125" cy="3251243"/>
+            <a:off x="4951875" y="86768"/>
+            <a:ext cx="2069354" cy="1714814"/>
           </a:xfrm>
           <a:prstGeom prst="rect">
             <a:avLst/>
@@ -4983,10 +6518,10 @@
       </p:pic>
       <p:pic>
         <p:nvPicPr>
-          <p:cNvPr id="9" name="Picture 8">
-            <a:extLst>
-              <a:ext uri="{FF2B5EF4-FFF2-40B4-BE49-F238E27FC236}">
-                <a16:creationId xmlns:a16="http://schemas.microsoft.com/office/drawing/2014/main" id="{86A07A27-586D-C1AD-0FCB-9298C8247C03}"/>
+          <p:cNvPr id="8" name="Picture 7">
+            <a:extLst>
+              <a:ext uri="{FF2B5EF4-FFF2-40B4-BE49-F238E27FC236}">
+                <a16:creationId xmlns:a16="http://schemas.microsoft.com/office/drawing/2014/main" id="{85CD70E4-7B08-53A3-1331-BDF9C2B3BA8A}"/>
               </a:ext>
             </a:extLst>
           </p:cNvPr>
@@ -5003,8 +6538,8 @@
         </p:blipFill>
         <p:spPr>
           <a:xfrm>
-            <a:off x="8124824" y="177757"/>
-            <a:ext cx="2905126" cy="3251245"/>
+            <a:off x="2224772" y="1801582"/>
+            <a:ext cx="2351564" cy="1714814"/>
           </a:xfrm>
           <a:prstGeom prst="rect">
             <a:avLst/>
@@ -5013,10 +6548,10 @@
       </p:pic>
       <p:pic>
         <p:nvPicPr>
-          <p:cNvPr id="11" name="Picture 10">
-            <a:extLst>
-              <a:ext uri="{FF2B5EF4-FFF2-40B4-BE49-F238E27FC236}">
-                <a16:creationId xmlns:a16="http://schemas.microsoft.com/office/drawing/2014/main" id="{05BA8DB3-923C-3C05-3964-BCA88B7865B9}"/>
+          <p:cNvPr id="9" name="Picture 8">
+            <a:extLst>
+              <a:ext uri="{FF2B5EF4-FFF2-40B4-BE49-F238E27FC236}">
+                <a16:creationId xmlns:a16="http://schemas.microsoft.com/office/drawing/2014/main" id="{8774CC24-573B-1681-D4D3-91EA49906595}"/>
               </a:ext>
             </a:extLst>
           </p:cNvPr>
@@ -5033,8 +6568,8 @@
         </p:blipFill>
         <p:spPr>
           <a:xfrm>
-            <a:off x="1762125" y="3429000"/>
-            <a:ext cx="2905125" cy="3251243"/>
+            <a:off x="4868084" y="1854610"/>
+            <a:ext cx="2153145" cy="1661786"/>
           </a:xfrm>
           <a:prstGeom prst="rect">
             <a:avLst/>
@@ -5043,10 +6578,10 @@
       </p:pic>
       <p:pic>
         <p:nvPicPr>
-          <p:cNvPr id="13" name="Picture 12">
-            <a:extLst>
-              <a:ext uri="{FF2B5EF4-FFF2-40B4-BE49-F238E27FC236}">
-                <a16:creationId xmlns:a16="http://schemas.microsoft.com/office/drawing/2014/main" id="{1D6C44C6-347E-5A87-381F-C3B7AEA0A974}"/>
+          <p:cNvPr id="10" name="Picture 9">
+            <a:extLst>
+              <a:ext uri="{FF2B5EF4-FFF2-40B4-BE49-F238E27FC236}">
+                <a16:creationId xmlns:a16="http://schemas.microsoft.com/office/drawing/2014/main" id="{404727D6-3613-4C0E-AB4A-C80E76F4F44F}"/>
               </a:ext>
             </a:extLst>
           </p:cNvPr>
@@ -5063,8 +6598,8 @@
         </p:blipFill>
         <p:spPr>
           <a:xfrm>
-            <a:off x="4895849" y="3428998"/>
-            <a:ext cx="2905126" cy="3251245"/>
+            <a:off x="4951875" y="3569424"/>
+            <a:ext cx="2133496" cy="1661786"/>
           </a:xfrm>
           <a:prstGeom prst="rect">
             <a:avLst/>
@@ -5073,10 +6608,10 @@
       </p:pic>
       <p:pic>
         <p:nvPicPr>
-          <p:cNvPr id="15" name="Picture 14">
-            <a:extLst>
-              <a:ext uri="{FF2B5EF4-FFF2-40B4-BE49-F238E27FC236}">
-                <a16:creationId xmlns:a16="http://schemas.microsoft.com/office/drawing/2014/main" id="{CE68F4FF-E9C6-4C8F-181F-8AB3BF130668}"/>
+          <p:cNvPr id="11" name="Picture 10">
+            <a:extLst>
+              <a:ext uri="{FF2B5EF4-FFF2-40B4-BE49-F238E27FC236}">
+                <a16:creationId xmlns:a16="http://schemas.microsoft.com/office/drawing/2014/main" id="{974670B6-C3DE-30B7-BC3A-85E75DE8A6DD}"/>
               </a:ext>
             </a:extLst>
           </p:cNvPr>
@@ -5093,8 +6628,8 @@
         </p:blipFill>
         <p:spPr>
           <a:xfrm>
-            <a:off x="8124823" y="3428998"/>
-            <a:ext cx="2905127" cy="3251246"/>
+            <a:off x="4951875" y="5286516"/>
+            <a:ext cx="2133496" cy="1571484"/>
           </a:xfrm>
           <a:prstGeom prst="rect">
             <a:avLst/>
@@ -5103,10 +6638,10 @@
       </p:pic>
       <p:pic>
         <p:nvPicPr>
-          <p:cNvPr id="17" name="Picture 16">
-            <a:extLst>
-              <a:ext uri="{FF2B5EF4-FFF2-40B4-BE49-F238E27FC236}">
-                <a16:creationId xmlns:a16="http://schemas.microsoft.com/office/drawing/2014/main" id="{58FE90C2-30D5-8971-C15D-8E990F227BC1}"/>
+          <p:cNvPr id="12" name="Picture 11">
+            <a:extLst>
+              <a:ext uri="{FF2B5EF4-FFF2-40B4-BE49-F238E27FC236}">
+                <a16:creationId xmlns:a16="http://schemas.microsoft.com/office/drawing/2014/main" id="{468ED1F9-F1EA-5693-96FB-533966BFEBEE}"/>
               </a:ext>
             </a:extLst>
           </p:cNvPr>
@@ -5123,8 +6658,38 @@
         </p:blipFill>
         <p:spPr>
           <a:xfrm>
-            <a:off x="268475" y="2350704"/>
-            <a:ext cx="1493649" cy="1508891"/>
+            <a:off x="2356741" y="5231210"/>
+            <a:ext cx="2153145" cy="1664406"/>
+          </a:xfrm>
+          <a:prstGeom prst="rect">
+            <a:avLst/>
+          </a:prstGeom>
+        </p:spPr>
+      </p:pic>
+      <p:pic>
+        <p:nvPicPr>
+          <p:cNvPr id="13" name="Picture 12">
+            <a:extLst>
+              <a:ext uri="{FF2B5EF4-FFF2-40B4-BE49-F238E27FC236}">
+                <a16:creationId xmlns:a16="http://schemas.microsoft.com/office/drawing/2014/main" id="{0AB9DFB6-3459-36EE-FF84-376AA937B327}"/>
+              </a:ext>
+            </a:extLst>
+          </p:cNvPr>
+          <p:cNvPicPr>
+            <a:picLocks noChangeAspect="1"/>
+          </p:cNvPicPr>
+          <p:nvPr/>
+        </p:nvPicPr>
+        <p:blipFill>
+          <a:blip r:embed="rId10"/>
+          <a:stretch>
+            <a:fillRect/>
+          </a:stretch>
+        </p:blipFill>
+        <p:spPr>
+          <a:xfrm>
+            <a:off x="2290293" y="3564176"/>
+            <a:ext cx="2286043" cy="1667034"/>
           </a:xfrm>
           <a:prstGeom prst="rect">
             <a:avLst/>
@@ -5134,7 +6699,7 @@
     </p:spTree>
     <p:extLst>
       <p:ext uri="{BB962C8B-B14F-4D97-AF65-F5344CB8AC3E}">
-        <p14:creationId xmlns:p14="http://schemas.microsoft.com/office/powerpoint/2010/main" val="3726006625"/>
+        <p14:creationId xmlns:p14="http://schemas.microsoft.com/office/powerpoint/2010/main" val="157822735"/>
       </p:ext>
     </p:extLst>
   </p:cSld>
@@ -5163,40 +6728,10 @@
       </p:grpSpPr>
       <p:pic>
         <p:nvPicPr>
-          <p:cNvPr id="6" name="Picture 5">
-            <a:extLst>
-              <a:ext uri="{FF2B5EF4-FFF2-40B4-BE49-F238E27FC236}">
-                <a16:creationId xmlns:a16="http://schemas.microsoft.com/office/drawing/2014/main" id="{31DB86A8-E154-3FF9-A420-53ACA94AA65D}"/>
-              </a:ext>
-            </a:extLst>
-          </p:cNvPr>
-          <p:cNvPicPr>
-            <a:picLocks noChangeAspect="1"/>
-          </p:cNvPicPr>
-          <p:nvPr/>
-        </p:nvPicPr>
-        <p:blipFill>
-          <a:blip r:embed="rId2"/>
-          <a:stretch>
-            <a:fillRect/>
-          </a:stretch>
-        </p:blipFill>
-        <p:spPr>
-          <a:xfrm>
-            <a:off x="2224772" y="86768"/>
-            <a:ext cx="2351564" cy="1714814"/>
-          </a:xfrm>
-          <a:prstGeom prst="rect">
-            <a:avLst/>
-          </a:prstGeom>
-        </p:spPr>
-      </p:pic>
-      <p:pic>
-        <p:nvPicPr>
-          <p:cNvPr id="7" name="Picture 6">
-            <a:extLst>
-              <a:ext uri="{FF2B5EF4-FFF2-40B4-BE49-F238E27FC236}">
-                <a16:creationId xmlns:a16="http://schemas.microsoft.com/office/drawing/2014/main" id="{6AA903AE-A034-437F-2637-93D932DBDC97}"/>
+          <p:cNvPr id="5" name="Picture 4">
+            <a:extLst>
+              <a:ext uri="{FF2B5EF4-FFF2-40B4-BE49-F238E27FC236}">
+                <a16:creationId xmlns:a16="http://schemas.microsoft.com/office/drawing/2014/main" id="{717877FE-4F06-7293-8C84-7F63BB8D9C40}"/>
               </a:ext>
             </a:extLst>
           </p:cNvPr>
@@ -5213,8 +6748,8 @@
         </p:blipFill>
         <p:spPr>
           <a:xfrm>
-            <a:off x="4951875" y="86768"/>
-            <a:ext cx="2069354" cy="1714814"/>
+            <a:off x="5686425" y="219075"/>
+            <a:ext cx="3348747" cy="3086100"/>
           </a:xfrm>
           <a:prstGeom prst="rect">
             <a:avLst/>
@@ -5223,10 +6758,10 @@
       </p:pic>
       <p:pic>
         <p:nvPicPr>
-          <p:cNvPr id="8" name="Picture 7">
-            <a:extLst>
-              <a:ext uri="{FF2B5EF4-FFF2-40B4-BE49-F238E27FC236}">
-                <a16:creationId xmlns:a16="http://schemas.microsoft.com/office/drawing/2014/main" id="{85CD70E4-7B08-53A3-1331-BDF9C2B3BA8A}"/>
+          <p:cNvPr id="7" name="Picture 6">
+            <a:extLst>
+              <a:ext uri="{FF2B5EF4-FFF2-40B4-BE49-F238E27FC236}">
+                <a16:creationId xmlns:a16="http://schemas.microsoft.com/office/drawing/2014/main" id="{1047B2EB-4743-600D-FC57-B3C22B9A2009}"/>
               </a:ext>
             </a:extLst>
           </p:cNvPr>
@@ -5243,8 +6778,8 @@
         </p:blipFill>
         <p:spPr>
           <a:xfrm>
-            <a:off x="2224772" y="1801582"/>
-            <a:ext cx="2351564" cy="1714814"/>
+            <a:off x="2181225" y="219075"/>
+            <a:ext cx="3348747" cy="3086100"/>
           </a:xfrm>
           <a:prstGeom prst="rect">
             <a:avLst/>
@@ -5256,7 +6791,7 @@
           <p:cNvPr id="9" name="Picture 8">
             <a:extLst>
               <a:ext uri="{FF2B5EF4-FFF2-40B4-BE49-F238E27FC236}">
-                <a16:creationId xmlns:a16="http://schemas.microsoft.com/office/drawing/2014/main" id="{8774CC24-573B-1681-D4D3-91EA49906595}"/>
+                <a16:creationId xmlns:a16="http://schemas.microsoft.com/office/drawing/2014/main" id="{4930501E-1106-5240-6066-A531A05D7B6C}"/>
               </a:ext>
             </a:extLst>
           </p:cNvPr>
@@ -5273,8 +6808,8 @@
         </p:blipFill>
         <p:spPr>
           <a:xfrm>
-            <a:off x="4868084" y="1854610"/>
-            <a:ext cx="2153145" cy="1661786"/>
+            <a:off x="2181225" y="3219450"/>
+            <a:ext cx="3348747" cy="3086100"/>
           </a:xfrm>
           <a:prstGeom prst="rect">
             <a:avLst/>
@@ -5283,10 +6818,10 @@
       </p:pic>
       <p:pic>
         <p:nvPicPr>
-          <p:cNvPr id="10" name="Picture 9">
-            <a:extLst>
-              <a:ext uri="{FF2B5EF4-FFF2-40B4-BE49-F238E27FC236}">
-                <a16:creationId xmlns:a16="http://schemas.microsoft.com/office/drawing/2014/main" id="{404727D6-3613-4C0E-AB4A-C80E76F4F44F}"/>
+          <p:cNvPr id="11" name="Picture 10">
+            <a:extLst>
+              <a:ext uri="{FF2B5EF4-FFF2-40B4-BE49-F238E27FC236}">
+                <a16:creationId xmlns:a16="http://schemas.microsoft.com/office/drawing/2014/main" id="{5533FD92-0BD3-B15A-C665-6FA0AD518563}"/>
               </a:ext>
             </a:extLst>
           </p:cNvPr>
@@ -5303,98 +6838,8 @@
         </p:blipFill>
         <p:spPr>
           <a:xfrm>
-            <a:off x="4951875" y="3569424"/>
-            <a:ext cx="2133496" cy="1661786"/>
-          </a:xfrm>
-          <a:prstGeom prst="rect">
-            <a:avLst/>
-          </a:prstGeom>
-        </p:spPr>
-      </p:pic>
-      <p:pic>
-        <p:nvPicPr>
-          <p:cNvPr id="11" name="Picture 10">
-            <a:extLst>
-              <a:ext uri="{FF2B5EF4-FFF2-40B4-BE49-F238E27FC236}">
-                <a16:creationId xmlns:a16="http://schemas.microsoft.com/office/drawing/2014/main" id="{974670B6-C3DE-30B7-BC3A-85E75DE8A6DD}"/>
-              </a:ext>
-            </a:extLst>
-          </p:cNvPr>
-          <p:cNvPicPr>
-            <a:picLocks noChangeAspect="1"/>
-          </p:cNvPicPr>
-          <p:nvPr/>
-        </p:nvPicPr>
-        <p:blipFill>
-          <a:blip r:embed="rId7"/>
-          <a:stretch>
-            <a:fillRect/>
-          </a:stretch>
-        </p:blipFill>
-        <p:spPr>
-          <a:xfrm>
-            <a:off x="4951875" y="5286516"/>
-            <a:ext cx="2133496" cy="1571484"/>
-          </a:xfrm>
-          <a:prstGeom prst="rect">
-            <a:avLst/>
-          </a:prstGeom>
-        </p:spPr>
-      </p:pic>
-      <p:pic>
-        <p:nvPicPr>
-          <p:cNvPr id="12" name="Picture 11">
-            <a:extLst>
-              <a:ext uri="{FF2B5EF4-FFF2-40B4-BE49-F238E27FC236}">
-                <a16:creationId xmlns:a16="http://schemas.microsoft.com/office/drawing/2014/main" id="{468ED1F9-F1EA-5693-96FB-533966BFEBEE}"/>
-              </a:ext>
-            </a:extLst>
-          </p:cNvPr>
-          <p:cNvPicPr>
-            <a:picLocks noChangeAspect="1"/>
-          </p:cNvPicPr>
-          <p:nvPr/>
-        </p:nvPicPr>
-        <p:blipFill>
-          <a:blip r:embed="rId8"/>
-          <a:stretch>
-            <a:fillRect/>
-          </a:stretch>
-        </p:blipFill>
-        <p:spPr>
-          <a:xfrm>
-            <a:off x="2356741" y="5231210"/>
-            <a:ext cx="2153145" cy="1664406"/>
-          </a:xfrm>
-          <a:prstGeom prst="rect">
-            <a:avLst/>
-          </a:prstGeom>
-        </p:spPr>
-      </p:pic>
-      <p:pic>
-        <p:nvPicPr>
-          <p:cNvPr id="13" name="Picture 12">
-            <a:extLst>
-              <a:ext uri="{FF2B5EF4-FFF2-40B4-BE49-F238E27FC236}">
-                <a16:creationId xmlns:a16="http://schemas.microsoft.com/office/drawing/2014/main" id="{0AB9DFB6-3459-36EE-FF84-376AA937B327}"/>
-              </a:ext>
-            </a:extLst>
-          </p:cNvPr>
-          <p:cNvPicPr>
-            <a:picLocks noChangeAspect="1"/>
-          </p:cNvPicPr>
-          <p:nvPr/>
-        </p:nvPicPr>
-        <p:blipFill>
-          <a:blip r:embed="rId9"/>
-          <a:stretch>
-            <a:fillRect/>
-          </a:stretch>
-        </p:blipFill>
-        <p:spPr>
-          <a:xfrm>
-            <a:off x="2290293" y="3564176"/>
-            <a:ext cx="2286043" cy="1667034"/>
+            <a:off x="5686425" y="3219450"/>
+            <a:ext cx="3348747" cy="3086100"/>
           </a:xfrm>
           <a:prstGeom prst="rect">
             <a:avLst/>
@@ -5404,7 +6849,7 @@
     </p:spTree>
     <p:extLst>
       <p:ext uri="{BB962C8B-B14F-4D97-AF65-F5344CB8AC3E}">
-        <p14:creationId xmlns:p14="http://schemas.microsoft.com/office/powerpoint/2010/main" val="157822735"/>
+        <p14:creationId xmlns:p14="http://schemas.microsoft.com/office/powerpoint/2010/main" val="2083826845"/>
       </p:ext>
     </p:extLst>
   </p:cSld>
@@ -5433,40 +6878,10 @@
       </p:grpSpPr>
       <p:pic>
         <p:nvPicPr>
-          <p:cNvPr id="9" name="Picture 8">
-            <a:extLst>
-              <a:ext uri="{FF2B5EF4-FFF2-40B4-BE49-F238E27FC236}">
-                <a16:creationId xmlns:a16="http://schemas.microsoft.com/office/drawing/2014/main" id="{39E632F9-549E-64F9-6C85-088807FD9506}"/>
-              </a:ext>
-            </a:extLst>
-          </p:cNvPr>
-          <p:cNvPicPr>
-            <a:picLocks noChangeAspect="1"/>
-          </p:cNvPicPr>
-          <p:nvPr/>
-        </p:nvPicPr>
-        <p:blipFill>
-          <a:blip r:embed="rId2"/>
-          <a:stretch>
-            <a:fillRect/>
-          </a:stretch>
-        </p:blipFill>
-        <p:spPr>
-          <a:xfrm>
-            <a:off x="1895704" y="0"/>
-            <a:ext cx="3445223" cy="2854957"/>
-          </a:xfrm>
-          <a:prstGeom prst="rect">
-            <a:avLst/>
-          </a:prstGeom>
-        </p:spPr>
-      </p:pic>
-      <p:pic>
-        <p:nvPicPr>
-          <p:cNvPr id="13" name="Picture 12">
-            <a:extLst>
-              <a:ext uri="{FF2B5EF4-FFF2-40B4-BE49-F238E27FC236}">
-                <a16:creationId xmlns:a16="http://schemas.microsoft.com/office/drawing/2014/main" id="{8BCC55EB-3E4C-A925-F0B0-58F4F602505C}"/>
+          <p:cNvPr id="5" name="Picture 4">
+            <a:extLst>
+              <a:ext uri="{FF2B5EF4-FFF2-40B4-BE49-F238E27FC236}">
+                <a16:creationId xmlns:a16="http://schemas.microsoft.com/office/drawing/2014/main" id="{C85AC439-F019-D440-09A3-143C666FDC70}"/>
               </a:ext>
             </a:extLst>
           </p:cNvPr>
@@ -5483,8 +6898,8 @@
         </p:blipFill>
         <p:spPr>
           <a:xfrm>
-            <a:off x="5902037" y="0"/>
-            <a:ext cx="3699163" cy="2854995"/>
+            <a:off x="5838824" y="3070598"/>
+            <a:ext cx="3324225" cy="3063501"/>
           </a:xfrm>
           <a:prstGeom prst="rect">
             <a:avLst/>
@@ -5493,10 +6908,10 @@
       </p:pic>
       <p:pic>
         <p:nvPicPr>
-          <p:cNvPr id="17" name="Picture 16">
-            <a:extLst>
-              <a:ext uri="{FF2B5EF4-FFF2-40B4-BE49-F238E27FC236}">
-                <a16:creationId xmlns:a16="http://schemas.microsoft.com/office/drawing/2014/main" id="{87A8E14A-11D2-8197-A2CE-6F792C962D43}"/>
+          <p:cNvPr id="7" name="Picture 6">
+            <a:extLst>
+              <a:ext uri="{FF2B5EF4-FFF2-40B4-BE49-F238E27FC236}">
+                <a16:creationId xmlns:a16="http://schemas.microsoft.com/office/drawing/2014/main" id="{D6725E87-F8AF-1C4F-AC37-3C9313977E3B}"/>
               </a:ext>
             </a:extLst>
           </p:cNvPr>
@@ -5513,8 +6928,8 @@
         </p:blipFill>
         <p:spPr>
           <a:xfrm>
-            <a:off x="1895703" y="3114632"/>
-            <a:ext cx="3445224" cy="2683495"/>
+            <a:off x="2505073" y="3070597"/>
+            <a:ext cx="3324226" cy="3063502"/>
           </a:xfrm>
           <a:prstGeom prst="rect">
             <a:avLst/>
@@ -5523,10 +6938,10 @@
       </p:pic>
       <p:pic>
         <p:nvPicPr>
-          <p:cNvPr id="19" name="Picture 18">
-            <a:extLst>
-              <a:ext uri="{FF2B5EF4-FFF2-40B4-BE49-F238E27FC236}">
-                <a16:creationId xmlns:a16="http://schemas.microsoft.com/office/drawing/2014/main" id="{45FC6C33-643F-D559-1FA9-1E5E1C565D64}"/>
+          <p:cNvPr id="9" name="Picture 8">
+            <a:extLst>
+              <a:ext uri="{FF2B5EF4-FFF2-40B4-BE49-F238E27FC236}">
+                <a16:creationId xmlns:a16="http://schemas.microsoft.com/office/drawing/2014/main" id="{E9CC3F1A-83CA-1F3A-FC96-B7F6DE7F3EDF}"/>
               </a:ext>
             </a:extLst>
           </p:cNvPr>
@@ -5543,8 +6958,38 @@
         </p:blipFill>
         <p:spPr>
           <a:xfrm>
-            <a:off x="5902037" y="2959107"/>
-            <a:ext cx="3699163" cy="2724719"/>
+            <a:off x="5829299" y="184521"/>
+            <a:ext cx="3324227" cy="3063503"/>
+          </a:xfrm>
+          <a:prstGeom prst="rect">
+            <a:avLst/>
+          </a:prstGeom>
+        </p:spPr>
+      </p:pic>
+      <p:pic>
+        <p:nvPicPr>
+          <p:cNvPr id="11" name="Picture 10">
+            <a:extLst>
+              <a:ext uri="{FF2B5EF4-FFF2-40B4-BE49-F238E27FC236}">
+                <a16:creationId xmlns:a16="http://schemas.microsoft.com/office/drawing/2014/main" id="{B0091F92-2DA6-B3BC-9103-39B7AF2B1941}"/>
+              </a:ext>
+            </a:extLst>
+          </p:cNvPr>
+          <p:cNvPicPr>
+            <a:picLocks noChangeAspect="1"/>
+          </p:cNvPicPr>
+          <p:nvPr/>
+        </p:nvPicPr>
+        <p:blipFill>
+          <a:blip r:embed="rId6"/>
+          <a:stretch>
+            <a:fillRect/>
+          </a:stretch>
+        </p:blipFill>
+        <p:spPr>
+          <a:xfrm>
+            <a:off x="2495548" y="184521"/>
+            <a:ext cx="3324225" cy="3063501"/>
           </a:xfrm>
           <a:prstGeom prst="rect">
             <a:avLst/>
@@ -5554,7 +6999,7 @@
     </p:spTree>
     <p:extLst>
       <p:ext uri="{BB962C8B-B14F-4D97-AF65-F5344CB8AC3E}">
-        <p14:creationId xmlns:p14="http://schemas.microsoft.com/office/powerpoint/2010/main" val="2440721313"/>
+        <p14:creationId xmlns:p14="http://schemas.microsoft.com/office/powerpoint/2010/main" val="937106240"/>
       </p:ext>
     </p:extLst>
   </p:cSld>
@@ -5586,37 +7031,7 @@
           <p:cNvPr id="7" name="Picture 6">
             <a:extLst>
               <a:ext uri="{FF2B5EF4-FFF2-40B4-BE49-F238E27FC236}">
-                <a16:creationId xmlns:a16="http://schemas.microsoft.com/office/drawing/2014/main" id="{84A0C3BA-11EC-FC2E-07A2-15E7EBE1D570}"/>
-              </a:ext>
-            </a:extLst>
-          </p:cNvPr>
-          <p:cNvPicPr>
-            <a:picLocks noChangeAspect="1"/>
-          </p:cNvPicPr>
-          <p:nvPr/>
-        </p:nvPicPr>
-        <p:blipFill>
-          <a:blip r:embed="rId2"/>
-          <a:stretch>
-            <a:fillRect/>
-          </a:stretch>
-        </p:blipFill>
-        <p:spPr>
-          <a:xfrm>
-            <a:off x="6532165" y="3086099"/>
-            <a:ext cx="3750350" cy="2899064"/>
-          </a:xfrm>
-          <a:prstGeom prst="rect">
-            <a:avLst/>
-          </a:prstGeom>
-        </p:spPr>
-      </p:pic>
-      <p:pic>
-        <p:nvPicPr>
-          <p:cNvPr id="9" name="Picture 8">
-            <a:extLst>
-              <a:ext uri="{FF2B5EF4-FFF2-40B4-BE49-F238E27FC236}">
-                <a16:creationId xmlns:a16="http://schemas.microsoft.com/office/drawing/2014/main" id="{42D099E1-56D1-479C-A9FD-B21110E0E868}"/>
+                <a16:creationId xmlns:a16="http://schemas.microsoft.com/office/drawing/2014/main" id="{77705145-3085-B401-1B72-DDB37AC9A319}"/>
               </a:ext>
             </a:extLst>
           </p:cNvPr>
@@ -5633,8 +7048,8 @@
         </p:blipFill>
         <p:spPr>
           <a:xfrm>
-            <a:off x="2114168" y="3086099"/>
-            <a:ext cx="3981832" cy="2903641"/>
+            <a:off x="3200400" y="0"/>
+            <a:ext cx="3867150" cy="3648112"/>
           </a:xfrm>
           <a:prstGeom prst="rect">
             <a:avLst/>
@@ -5643,10 +7058,10 @@
       </p:pic>
       <p:pic>
         <p:nvPicPr>
-          <p:cNvPr id="11" name="Picture 10">
-            <a:extLst>
-              <a:ext uri="{FF2B5EF4-FFF2-40B4-BE49-F238E27FC236}">
-                <a16:creationId xmlns:a16="http://schemas.microsoft.com/office/drawing/2014/main" id="{4EA088D8-6A64-304E-F5BE-4980E7ECB092}"/>
+          <p:cNvPr id="9" name="Picture 8">
+            <a:extLst>
+              <a:ext uri="{FF2B5EF4-FFF2-40B4-BE49-F238E27FC236}">
+                <a16:creationId xmlns:a16="http://schemas.microsoft.com/office/drawing/2014/main" id="{A07D04E4-8FC0-F67A-9875-668E96BAD7DD}"/>
               </a:ext>
             </a:extLst>
           </p:cNvPr>
@@ -5663,8 +7078,8 @@
         </p:blipFill>
         <p:spPr>
           <a:xfrm>
-            <a:off x="6532165" y="164224"/>
-            <a:ext cx="3750350" cy="2734840"/>
+            <a:off x="7305675" y="0"/>
+            <a:ext cx="3867150" cy="3648112"/>
           </a:xfrm>
           <a:prstGeom prst="rect">
             <a:avLst/>
@@ -5673,10 +7088,10 @@
       </p:pic>
       <p:pic>
         <p:nvPicPr>
-          <p:cNvPr id="13" name="Picture 12">
-            <a:extLst>
-              <a:ext uri="{FF2B5EF4-FFF2-40B4-BE49-F238E27FC236}">
-                <a16:creationId xmlns:a16="http://schemas.microsoft.com/office/drawing/2014/main" id="{A0B4E45E-9575-E9D0-ED4F-E256D6E65E6E}"/>
+          <p:cNvPr id="11" name="Picture 10">
+            <a:extLst>
+              <a:ext uri="{FF2B5EF4-FFF2-40B4-BE49-F238E27FC236}">
+                <a16:creationId xmlns:a16="http://schemas.microsoft.com/office/drawing/2014/main" id="{8244EAFF-8E6A-69EC-B85A-92870AD71135}"/>
               </a:ext>
             </a:extLst>
           </p:cNvPr>
@@ -5693,8 +7108,8 @@
         </p:blipFill>
         <p:spPr>
           <a:xfrm>
-            <a:off x="2103777" y="164224"/>
-            <a:ext cx="3895241" cy="2840497"/>
+            <a:off x="3200400" y="3648112"/>
+            <a:ext cx="3867150" cy="3648112"/>
           </a:xfrm>
           <a:prstGeom prst="rect">
             <a:avLst/>
@@ -5703,10 +7118,10 @@
       </p:pic>
       <p:pic>
         <p:nvPicPr>
-          <p:cNvPr id="15" name="Picture 14">
-            <a:extLst>
-              <a:ext uri="{FF2B5EF4-FFF2-40B4-BE49-F238E27FC236}">
-                <a16:creationId xmlns:a16="http://schemas.microsoft.com/office/drawing/2014/main" id="{2CD81962-87E6-F00D-F9E1-31E773DEF513}"/>
+          <p:cNvPr id="13" name="Picture 12">
+            <a:extLst>
+              <a:ext uri="{FF2B5EF4-FFF2-40B4-BE49-F238E27FC236}">
+                <a16:creationId xmlns:a16="http://schemas.microsoft.com/office/drawing/2014/main" id="{BE481E80-3FE0-0899-1614-3536A006F8D1}"/>
               </a:ext>
             </a:extLst>
           </p:cNvPr>
@@ -5723,8 +7138,8 @@
         </p:blipFill>
         <p:spPr>
           <a:xfrm>
-            <a:off x="2072095" y="72455"/>
-            <a:ext cx="3926923" cy="2863601"/>
+            <a:off x="7305675" y="3648112"/>
+            <a:ext cx="3867150" cy="3648112"/>
           </a:xfrm>
           <a:prstGeom prst="rect">
             <a:avLst/>
@@ -5734,7 +7149,7 @@
     </p:spTree>
     <p:extLst>
       <p:ext uri="{BB962C8B-B14F-4D97-AF65-F5344CB8AC3E}">
-        <p14:creationId xmlns:p14="http://schemas.microsoft.com/office/powerpoint/2010/main" val="3682422795"/>
+        <p14:creationId xmlns:p14="http://schemas.microsoft.com/office/powerpoint/2010/main" val="3029228292"/>
       </p:ext>
     </p:extLst>
   </p:cSld>
@@ -5763,40 +7178,10 @@
       </p:grpSpPr>
       <p:pic>
         <p:nvPicPr>
-          <p:cNvPr id="19" name="Picture 18">
-            <a:extLst>
-              <a:ext uri="{FF2B5EF4-FFF2-40B4-BE49-F238E27FC236}">
-                <a16:creationId xmlns:a16="http://schemas.microsoft.com/office/drawing/2014/main" id="{3C33DF82-604E-1E5B-6B37-94231E012C0A}"/>
-              </a:ext>
-            </a:extLst>
-          </p:cNvPr>
-          <p:cNvPicPr>
-            <a:picLocks noChangeAspect="1"/>
-          </p:cNvPicPr>
-          <p:nvPr/>
-        </p:nvPicPr>
-        <p:blipFill>
-          <a:blip r:embed="rId2"/>
-          <a:stretch>
-            <a:fillRect/>
-          </a:stretch>
-        </p:blipFill>
-        <p:spPr>
-          <a:xfrm>
-            <a:off x="6314364" y="358255"/>
-            <a:ext cx="2438400" cy="2724150"/>
-          </a:xfrm>
-          <a:prstGeom prst="rect">
-            <a:avLst/>
-          </a:prstGeom>
-        </p:spPr>
-      </p:pic>
-      <p:pic>
-        <p:nvPicPr>
-          <p:cNvPr id="21" name="Picture 20">
-            <a:extLst>
-              <a:ext uri="{FF2B5EF4-FFF2-40B4-BE49-F238E27FC236}">
-                <a16:creationId xmlns:a16="http://schemas.microsoft.com/office/drawing/2014/main" id="{1E54D765-9C48-3FCB-2BA6-2B4833491389}"/>
+          <p:cNvPr id="5" name="Picture 4">
+            <a:extLst>
+              <a:ext uri="{FF2B5EF4-FFF2-40B4-BE49-F238E27FC236}">
+                <a16:creationId xmlns:a16="http://schemas.microsoft.com/office/drawing/2014/main" id="{FD63DD09-CEA8-A5DE-2873-5633E8895141}"/>
               </a:ext>
             </a:extLst>
           </p:cNvPr>
@@ -5813,8 +7198,8 @@
         </p:blipFill>
         <p:spPr>
           <a:xfrm>
-            <a:off x="3657599" y="3185046"/>
-            <a:ext cx="2438401" cy="2724150"/>
+            <a:off x="5962652" y="62490"/>
+            <a:ext cx="3388385" cy="3268230"/>
           </a:xfrm>
           <a:prstGeom prst="rect">
             <a:avLst/>
@@ -5823,10 +7208,10 @@
       </p:pic>
       <p:pic>
         <p:nvPicPr>
-          <p:cNvPr id="23" name="Picture 22">
-            <a:extLst>
-              <a:ext uri="{FF2B5EF4-FFF2-40B4-BE49-F238E27FC236}">
-                <a16:creationId xmlns:a16="http://schemas.microsoft.com/office/drawing/2014/main" id="{81959067-6907-E3C2-66C1-68172285CDA6}"/>
+          <p:cNvPr id="7" name="Picture 6">
+            <a:extLst>
+              <a:ext uri="{FF2B5EF4-FFF2-40B4-BE49-F238E27FC236}">
+                <a16:creationId xmlns:a16="http://schemas.microsoft.com/office/drawing/2014/main" id="{915B2F39-9EA3-1438-C0A4-1F8B11E57B33}"/>
               </a:ext>
             </a:extLst>
           </p:cNvPr>
@@ -5843,8 +7228,68 @@
         </p:blipFill>
         <p:spPr>
           <a:xfrm>
-            <a:off x="6314364" y="3185046"/>
-            <a:ext cx="2438400" cy="2724150"/>
+            <a:off x="2442042" y="3527280"/>
+            <a:ext cx="3388385" cy="3268230"/>
+          </a:xfrm>
+          <a:prstGeom prst="rect">
+            <a:avLst/>
+          </a:prstGeom>
+        </p:spPr>
+      </p:pic>
+      <p:pic>
+        <p:nvPicPr>
+          <p:cNvPr id="9" name="Picture 8">
+            <a:extLst>
+              <a:ext uri="{FF2B5EF4-FFF2-40B4-BE49-F238E27FC236}">
+                <a16:creationId xmlns:a16="http://schemas.microsoft.com/office/drawing/2014/main" id="{65A0303E-0996-85BE-1132-F013F3365761}"/>
+              </a:ext>
+            </a:extLst>
+          </p:cNvPr>
+          <p:cNvPicPr>
+            <a:picLocks noChangeAspect="1"/>
+          </p:cNvPicPr>
+          <p:nvPr/>
+        </p:nvPicPr>
+        <p:blipFill>
+          <a:blip r:embed="rId5"/>
+          <a:stretch>
+            <a:fillRect/>
+          </a:stretch>
+        </p:blipFill>
+        <p:spPr>
+          <a:xfrm>
+            <a:off x="5962652" y="3527280"/>
+            <a:ext cx="3388385" cy="3268230"/>
+          </a:xfrm>
+          <a:prstGeom prst="rect">
+            <a:avLst/>
+          </a:prstGeom>
+        </p:spPr>
+      </p:pic>
+      <p:pic>
+        <p:nvPicPr>
+          <p:cNvPr id="11" name="Picture 10">
+            <a:extLst>
+              <a:ext uri="{FF2B5EF4-FFF2-40B4-BE49-F238E27FC236}">
+                <a16:creationId xmlns:a16="http://schemas.microsoft.com/office/drawing/2014/main" id="{F87D22FA-A81A-22B4-1B7D-8786F31F2C35}"/>
+              </a:ext>
+            </a:extLst>
+          </p:cNvPr>
+          <p:cNvPicPr>
+            <a:picLocks noChangeAspect="1"/>
+          </p:cNvPicPr>
+          <p:nvPr/>
+        </p:nvPicPr>
+        <p:blipFill>
+          <a:blip r:embed="rId6"/>
+          <a:stretch>
+            <a:fillRect/>
+          </a:stretch>
+        </p:blipFill>
+        <p:spPr>
+          <a:xfrm>
+            <a:off x="2442043" y="62490"/>
+            <a:ext cx="3388385" cy="3268230"/>
           </a:xfrm>
           <a:prstGeom prst="rect">
             <a:avLst/>
@@ -5854,7 +7299,7 @@
     </p:spTree>
     <p:extLst>
       <p:ext uri="{BB962C8B-B14F-4D97-AF65-F5344CB8AC3E}">
-        <p14:creationId xmlns:p14="http://schemas.microsoft.com/office/powerpoint/2010/main" val="1207901040"/>
+        <p14:creationId xmlns:p14="http://schemas.microsoft.com/office/powerpoint/2010/main" val="1368816353"/>
       </p:ext>
     </p:extLst>
   </p:cSld>
@@ -5883,40 +7328,10 @@
       </p:grpSpPr>
       <p:pic>
         <p:nvPicPr>
-          <p:cNvPr id="13" name="Picture 12">
-            <a:extLst>
-              <a:ext uri="{FF2B5EF4-FFF2-40B4-BE49-F238E27FC236}">
-                <a16:creationId xmlns:a16="http://schemas.microsoft.com/office/drawing/2014/main" id="{4043A526-778F-B6A6-9595-68A360967B84}"/>
-              </a:ext>
-            </a:extLst>
-          </p:cNvPr>
-          <p:cNvPicPr>
-            <a:picLocks noChangeAspect="1"/>
-          </p:cNvPicPr>
-          <p:nvPr/>
-        </p:nvPicPr>
-        <p:blipFill>
-          <a:blip r:embed="rId2"/>
-          <a:stretch>
-            <a:fillRect/>
-          </a:stretch>
-        </p:blipFill>
-        <p:spPr>
-          <a:xfrm>
-            <a:off x="3657600" y="3429000"/>
-            <a:ext cx="2438400" cy="2724150"/>
-          </a:xfrm>
-          <a:prstGeom prst="rect">
-            <a:avLst/>
-          </a:prstGeom>
-        </p:spPr>
-      </p:pic>
-      <p:pic>
-        <p:nvPicPr>
-          <p:cNvPr id="15" name="Picture 14">
-            <a:extLst>
-              <a:ext uri="{FF2B5EF4-FFF2-40B4-BE49-F238E27FC236}">
-                <a16:creationId xmlns:a16="http://schemas.microsoft.com/office/drawing/2014/main" id="{9BEB2A51-ED53-CCA5-8310-4BE19B3CD6FB}"/>
+          <p:cNvPr id="5" name="Picture 4">
+            <a:extLst>
+              <a:ext uri="{FF2B5EF4-FFF2-40B4-BE49-F238E27FC236}">
+                <a16:creationId xmlns:a16="http://schemas.microsoft.com/office/drawing/2014/main" id="{D06C9541-4544-7913-F4CA-09FCC6C6D33D}"/>
               </a:ext>
             </a:extLst>
           </p:cNvPr>
@@ -5933,8 +7348,8 @@
         </p:blipFill>
         <p:spPr>
           <a:xfrm>
-            <a:off x="6246123" y="3429000"/>
-            <a:ext cx="2438401" cy="2724151"/>
+            <a:off x="5719762" y="185738"/>
+            <a:ext cx="3205163" cy="3042082"/>
           </a:xfrm>
           <a:prstGeom prst="rect">
             <a:avLst/>
@@ -5943,10 +7358,10 @@
       </p:pic>
       <p:pic>
         <p:nvPicPr>
-          <p:cNvPr id="17" name="Picture 16">
-            <a:extLst>
-              <a:ext uri="{FF2B5EF4-FFF2-40B4-BE49-F238E27FC236}">
-                <a16:creationId xmlns:a16="http://schemas.microsoft.com/office/drawing/2014/main" id="{E1F713D0-2C83-7840-BF7B-648B0B1934FA}"/>
+          <p:cNvPr id="7" name="Picture 6">
+            <a:extLst>
+              <a:ext uri="{FF2B5EF4-FFF2-40B4-BE49-F238E27FC236}">
+                <a16:creationId xmlns:a16="http://schemas.microsoft.com/office/drawing/2014/main" id="{E5E6984D-7843-746C-74A0-43A9EEC80FFA}"/>
               </a:ext>
             </a:extLst>
           </p:cNvPr>
@@ -5963,8 +7378,8 @@
         </p:blipFill>
         <p:spPr>
           <a:xfrm>
-            <a:off x="6246123" y="494729"/>
-            <a:ext cx="2438402" cy="2724152"/>
+            <a:off x="2281237" y="3227820"/>
+            <a:ext cx="3205163" cy="3042082"/>
           </a:xfrm>
           <a:prstGeom prst="rect">
             <a:avLst/>
@@ -5973,10 +7388,10 @@
       </p:pic>
       <p:pic>
         <p:nvPicPr>
-          <p:cNvPr id="19" name="Picture 18">
-            <a:extLst>
-              <a:ext uri="{FF2B5EF4-FFF2-40B4-BE49-F238E27FC236}">
-                <a16:creationId xmlns:a16="http://schemas.microsoft.com/office/drawing/2014/main" id="{312D4DEB-0535-2806-44D5-3AF882531E50}"/>
+          <p:cNvPr id="9" name="Picture 8">
+            <a:extLst>
+              <a:ext uri="{FF2B5EF4-FFF2-40B4-BE49-F238E27FC236}">
+                <a16:creationId xmlns:a16="http://schemas.microsoft.com/office/drawing/2014/main" id="{AF2BC8AF-5FCB-60AF-4EDB-A66F09C79FAE}"/>
               </a:ext>
             </a:extLst>
           </p:cNvPr>
@@ -5993,8 +7408,8 @@
         </p:blipFill>
         <p:spPr>
           <a:xfrm>
-            <a:off x="3657600" y="494729"/>
-            <a:ext cx="2438400" cy="2724150"/>
+            <a:off x="5719761" y="3227820"/>
+            <a:ext cx="3205163" cy="3042082"/>
           </a:xfrm>
           <a:prstGeom prst="rect">
             <a:avLst/>
@@ -6003,10 +7418,10 @@
       </p:pic>
       <p:pic>
         <p:nvPicPr>
-          <p:cNvPr id="20" name="Picture 19">
-            <a:extLst>
-              <a:ext uri="{FF2B5EF4-FFF2-40B4-BE49-F238E27FC236}">
-                <a16:creationId xmlns:a16="http://schemas.microsoft.com/office/drawing/2014/main" id="{75B712DC-4A25-8D08-BC04-3C2F927C6E92}"/>
+          <p:cNvPr id="11" name="Picture 10">
+            <a:extLst>
+              <a:ext uri="{FF2B5EF4-FFF2-40B4-BE49-F238E27FC236}">
+                <a16:creationId xmlns:a16="http://schemas.microsoft.com/office/drawing/2014/main" id="{A5FC2879-7E2B-8C1D-6A12-C20EF5E6E196}"/>
               </a:ext>
             </a:extLst>
           </p:cNvPr>
@@ -6023,68 +7438,8 @@
         </p:blipFill>
         <p:spPr>
           <a:xfrm>
-            <a:off x="8948382" y="494729"/>
-            <a:ext cx="2438400" cy="2724150"/>
-          </a:xfrm>
-          <a:prstGeom prst="rect">
-            <a:avLst/>
-          </a:prstGeom>
-        </p:spPr>
-      </p:pic>
-      <p:pic>
-        <p:nvPicPr>
-          <p:cNvPr id="21" name="Picture 20">
-            <a:extLst>
-              <a:ext uri="{FF2B5EF4-FFF2-40B4-BE49-F238E27FC236}">
-                <a16:creationId xmlns:a16="http://schemas.microsoft.com/office/drawing/2014/main" id="{EB61D1A7-F664-3B71-6CDB-9AA5279DF331}"/>
-              </a:ext>
-            </a:extLst>
-          </p:cNvPr>
-          <p:cNvPicPr>
-            <a:picLocks noChangeAspect="1"/>
-          </p:cNvPicPr>
-          <p:nvPr/>
-        </p:nvPicPr>
-        <p:blipFill>
-          <a:blip r:embed="rId7"/>
-          <a:stretch>
-            <a:fillRect/>
-          </a:stretch>
-        </p:blipFill>
-        <p:spPr>
-          <a:xfrm>
-            <a:off x="955341" y="3428998"/>
-            <a:ext cx="2438401" cy="2724150"/>
-          </a:xfrm>
-          <a:prstGeom prst="rect">
-            <a:avLst/>
-          </a:prstGeom>
-        </p:spPr>
-      </p:pic>
-      <p:pic>
-        <p:nvPicPr>
-          <p:cNvPr id="22" name="Picture 21">
-            <a:extLst>
-              <a:ext uri="{FF2B5EF4-FFF2-40B4-BE49-F238E27FC236}">
-                <a16:creationId xmlns:a16="http://schemas.microsoft.com/office/drawing/2014/main" id="{CEBD8F20-138A-129A-468B-A7229E1740F4}"/>
-              </a:ext>
-            </a:extLst>
-          </p:cNvPr>
-          <p:cNvPicPr>
-            <a:picLocks noChangeAspect="1"/>
-          </p:cNvPicPr>
-          <p:nvPr/>
-        </p:nvPicPr>
-        <p:blipFill>
-          <a:blip r:embed="rId8"/>
-          <a:stretch>
-            <a:fillRect/>
-          </a:stretch>
-        </p:blipFill>
-        <p:spPr>
-          <a:xfrm>
-            <a:off x="8948382" y="3428998"/>
-            <a:ext cx="2438400" cy="2724150"/>
+            <a:off x="2397917" y="185737"/>
+            <a:ext cx="3205164" cy="3042083"/>
           </a:xfrm>
           <a:prstGeom prst="rect">
             <a:avLst/>
@@ -6094,7 +7449,7 @@
     </p:spTree>
     <p:extLst>
       <p:ext uri="{BB962C8B-B14F-4D97-AF65-F5344CB8AC3E}">
-        <p14:creationId xmlns:p14="http://schemas.microsoft.com/office/powerpoint/2010/main" val="3066441492"/>
+        <p14:creationId xmlns:p14="http://schemas.microsoft.com/office/powerpoint/2010/main" val="1500301307"/>
       </p:ext>
     </p:extLst>
   </p:cSld>
@@ -6126,37 +7481,7 @@
           <p:cNvPr id="9" name="Picture 8">
             <a:extLst>
               <a:ext uri="{FF2B5EF4-FFF2-40B4-BE49-F238E27FC236}">
-                <a16:creationId xmlns:a16="http://schemas.microsoft.com/office/drawing/2014/main" id="{95F58246-138A-90B4-6375-665D382859DD}"/>
-              </a:ext>
-            </a:extLst>
-          </p:cNvPr>
-          <p:cNvPicPr>
-            <a:picLocks noChangeAspect="1"/>
-          </p:cNvPicPr>
-          <p:nvPr/>
-        </p:nvPicPr>
-        <p:blipFill>
-          <a:blip r:embed="rId2"/>
-          <a:stretch>
-            <a:fillRect/>
-          </a:stretch>
-        </p:blipFill>
-        <p:spPr>
-          <a:xfrm>
-            <a:off x="3180784" y="3249391"/>
-            <a:ext cx="2915216" cy="3256843"/>
-          </a:xfrm>
-          <a:prstGeom prst="rect">
-            <a:avLst/>
-          </a:prstGeom>
-        </p:spPr>
-      </p:pic>
-      <p:pic>
-        <p:nvPicPr>
-          <p:cNvPr id="11" name="Picture 10">
-            <a:extLst>
-              <a:ext uri="{FF2B5EF4-FFF2-40B4-BE49-F238E27FC236}">
-                <a16:creationId xmlns:a16="http://schemas.microsoft.com/office/drawing/2014/main" id="{C7AF9E2B-5625-D03A-4107-6E88270382A8}"/>
+                <a16:creationId xmlns:a16="http://schemas.microsoft.com/office/drawing/2014/main" id="{9AEA1866-4E55-7B54-34E4-6A2FDDA67A86}"/>
               </a:ext>
             </a:extLst>
           </p:cNvPr>
@@ -6173,8 +7498,8 @@
         </p:blipFill>
         <p:spPr>
           <a:xfrm>
-            <a:off x="6096000" y="3249391"/>
-            <a:ext cx="2915216" cy="3256843"/>
+            <a:off x="1719263" y="1"/>
+            <a:ext cx="4491038" cy="3439738"/>
           </a:xfrm>
           <a:prstGeom prst="rect">
             <a:avLst/>
@@ -6183,10 +7508,10 @@
       </p:pic>
       <p:pic>
         <p:nvPicPr>
-          <p:cNvPr id="13" name="Picture 12">
-            <a:extLst>
-              <a:ext uri="{FF2B5EF4-FFF2-40B4-BE49-F238E27FC236}">
-                <a16:creationId xmlns:a16="http://schemas.microsoft.com/office/drawing/2014/main" id="{3F9F69DB-80B8-3DEC-DA91-EC5C5DBE4CDE}"/>
+          <p:cNvPr id="11" name="Picture 10">
+            <a:extLst>
+              <a:ext uri="{FF2B5EF4-FFF2-40B4-BE49-F238E27FC236}">
+                <a16:creationId xmlns:a16="http://schemas.microsoft.com/office/drawing/2014/main" id="{1DC14779-62F8-49B9-485E-D8C65666A989}"/>
               </a:ext>
             </a:extLst>
           </p:cNvPr>
@@ -6203,8 +7528,8 @@
         </p:blipFill>
         <p:spPr>
           <a:xfrm>
-            <a:off x="6096000" y="-7452"/>
-            <a:ext cx="2915216" cy="3256843"/>
+            <a:off x="6434137" y="0"/>
+            <a:ext cx="4491039" cy="3439739"/>
           </a:xfrm>
           <a:prstGeom prst="rect">
             <a:avLst/>
@@ -6216,7 +7541,7 @@
           <p:cNvPr id="15" name="Picture 14">
             <a:extLst>
               <a:ext uri="{FF2B5EF4-FFF2-40B4-BE49-F238E27FC236}">
-                <a16:creationId xmlns:a16="http://schemas.microsoft.com/office/drawing/2014/main" id="{A5F2A09D-9497-7810-CB0B-22E6D3B28324}"/>
+                <a16:creationId xmlns:a16="http://schemas.microsoft.com/office/drawing/2014/main" id="{94BBECDA-207E-7C94-E83F-E5C5E0871FFA}"/>
               </a:ext>
             </a:extLst>
           </p:cNvPr>
@@ -6233,8 +7558,38 @@
         </p:blipFill>
         <p:spPr>
           <a:xfrm>
-            <a:off x="3180784" y="-7453"/>
-            <a:ext cx="2915216" cy="3256843"/>
+            <a:off x="1719263" y="3370637"/>
+            <a:ext cx="4491038" cy="3439738"/>
+          </a:xfrm>
+          <a:prstGeom prst="rect">
+            <a:avLst/>
+          </a:prstGeom>
+        </p:spPr>
+      </p:pic>
+      <p:pic>
+        <p:nvPicPr>
+          <p:cNvPr id="19" name="Picture 18">
+            <a:extLst>
+              <a:ext uri="{FF2B5EF4-FFF2-40B4-BE49-F238E27FC236}">
+                <a16:creationId xmlns:a16="http://schemas.microsoft.com/office/drawing/2014/main" id="{E7A104D5-0F00-FEBF-1DD4-94CB9585633A}"/>
+              </a:ext>
+            </a:extLst>
+          </p:cNvPr>
+          <p:cNvPicPr>
+            <a:picLocks noChangeAspect="1"/>
+          </p:cNvPicPr>
+          <p:nvPr/>
+        </p:nvPicPr>
+        <p:blipFill>
+          <a:blip r:embed="rId6"/>
+          <a:stretch>
+            <a:fillRect/>
+          </a:stretch>
+        </p:blipFill>
+        <p:spPr>
+          <a:xfrm>
+            <a:off x="6434135" y="3370635"/>
+            <a:ext cx="4491041" cy="3439740"/>
           </a:xfrm>
           <a:prstGeom prst="rect">
             <a:avLst/>
@@ -6244,7 +7599,7 @@
     </p:spTree>
     <p:extLst>
       <p:ext uri="{BB962C8B-B14F-4D97-AF65-F5344CB8AC3E}">
-        <p14:creationId xmlns:p14="http://schemas.microsoft.com/office/powerpoint/2010/main" val="2507163603"/>
+        <p14:creationId xmlns:p14="http://schemas.microsoft.com/office/powerpoint/2010/main" val="1777128096"/>
       </p:ext>
     </p:extLst>
   </p:cSld>
@@ -6273,40 +7628,10 @@
       </p:grpSpPr>
       <p:pic>
         <p:nvPicPr>
-          <p:cNvPr id="7" name="Picture 6">
-            <a:extLst>
-              <a:ext uri="{FF2B5EF4-FFF2-40B4-BE49-F238E27FC236}">
-                <a16:creationId xmlns:a16="http://schemas.microsoft.com/office/drawing/2014/main" id="{77705145-3085-B401-1B72-DDB37AC9A319}"/>
-              </a:ext>
-            </a:extLst>
-          </p:cNvPr>
-          <p:cNvPicPr>
-            <a:picLocks noChangeAspect="1"/>
-          </p:cNvPicPr>
-          <p:nvPr/>
-        </p:nvPicPr>
-        <p:blipFill>
-          <a:blip r:embed="rId2"/>
-          <a:stretch>
-            <a:fillRect/>
-          </a:stretch>
-        </p:blipFill>
-        <p:spPr>
-          <a:xfrm>
-            <a:off x="3200400" y="0"/>
-            <a:ext cx="3867150" cy="3648112"/>
-          </a:xfrm>
-          <a:prstGeom prst="rect">
-            <a:avLst/>
-          </a:prstGeom>
-        </p:spPr>
-      </p:pic>
-      <p:pic>
-        <p:nvPicPr>
-          <p:cNvPr id="9" name="Picture 8">
-            <a:extLst>
-              <a:ext uri="{FF2B5EF4-FFF2-40B4-BE49-F238E27FC236}">
-                <a16:creationId xmlns:a16="http://schemas.microsoft.com/office/drawing/2014/main" id="{A07D04E4-8FC0-F67A-9875-668E96BAD7DD}"/>
+          <p:cNvPr id="5" name="Picture 4">
+            <a:extLst>
+              <a:ext uri="{FF2B5EF4-FFF2-40B4-BE49-F238E27FC236}">
+                <a16:creationId xmlns:a16="http://schemas.microsoft.com/office/drawing/2014/main" id="{7A04CCC7-0D86-1563-85F7-07B8D0FC5503}"/>
               </a:ext>
             </a:extLst>
           </p:cNvPr>
@@ -6323,8 +7648,8 @@
         </p:blipFill>
         <p:spPr>
           <a:xfrm>
-            <a:off x="7305675" y="0"/>
-            <a:ext cx="3867150" cy="3648112"/>
+            <a:off x="2062163" y="0"/>
+            <a:ext cx="3443288" cy="3180493"/>
           </a:xfrm>
           <a:prstGeom prst="rect">
             <a:avLst/>
@@ -6333,10 +7658,10 @@
       </p:pic>
       <p:pic>
         <p:nvPicPr>
-          <p:cNvPr id="11" name="Picture 10">
-            <a:extLst>
-              <a:ext uri="{FF2B5EF4-FFF2-40B4-BE49-F238E27FC236}">
-                <a16:creationId xmlns:a16="http://schemas.microsoft.com/office/drawing/2014/main" id="{8244EAFF-8E6A-69EC-B85A-92870AD71135}"/>
+          <p:cNvPr id="7" name="Picture 6">
+            <a:extLst>
+              <a:ext uri="{FF2B5EF4-FFF2-40B4-BE49-F238E27FC236}">
+                <a16:creationId xmlns:a16="http://schemas.microsoft.com/office/drawing/2014/main" id="{1834E48B-11CC-96AB-6F48-0504EAFB4458}"/>
               </a:ext>
             </a:extLst>
           </p:cNvPr>
@@ -6353,8 +7678,8 @@
         </p:blipFill>
         <p:spPr>
           <a:xfrm>
-            <a:off x="3200400" y="3648112"/>
-            <a:ext cx="3867150" cy="3648112"/>
+            <a:off x="5572126" y="3429000"/>
+            <a:ext cx="3443289" cy="3180494"/>
           </a:xfrm>
           <a:prstGeom prst="rect">
             <a:avLst/>
@@ -6363,10 +7688,10 @@
       </p:pic>
       <p:pic>
         <p:nvPicPr>
-          <p:cNvPr id="13" name="Picture 12">
-            <a:extLst>
-              <a:ext uri="{FF2B5EF4-FFF2-40B4-BE49-F238E27FC236}">
-                <a16:creationId xmlns:a16="http://schemas.microsoft.com/office/drawing/2014/main" id="{BE481E80-3FE0-0899-1614-3536A006F8D1}"/>
+          <p:cNvPr id="9" name="Picture 8">
+            <a:extLst>
+              <a:ext uri="{FF2B5EF4-FFF2-40B4-BE49-F238E27FC236}">
+                <a16:creationId xmlns:a16="http://schemas.microsoft.com/office/drawing/2014/main" id="{CD98CEEB-A4D1-BB83-01DE-8277C25D9232}"/>
               </a:ext>
             </a:extLst>
           </p:cNvPr>
@@ -6383,8 +7708,38 @@
         </p:blipFill>
         <p:spPr>
           <a:xfrm>
-            <a:off x="7305675" y="3648112"/>
-            <a:ext cx="3867150" cy="3648112"/>
+            <a:off x="2062163" y="3429000"/>
+            <a:ext cx="3443289" cy="3180494"/>
+          </a:xfrm>
+          <a:prstGeom prst="rect">
+            <a:avLst/>
+          </a:prstGeom>
+        </p:spPr>
+      </p:pic>
+      <p:pic>
+        <p:nvPicPr>
+          <p:cNvPr id="11" name="Picture 10">
+            <a:extLst>
+              <a:ext uri="{FF2B5EF4-FFF2-40B4-BE49-F238E27FC236}">
+                <a16:creationId xmlns:a16="http://schemas.microsoft.com/office/drawing/2014/main" id="{9BF7AB46-E20E-98E0-500F-9D6408B2FF1E}"/>
+              </a:ext>
+            </a:extLst>
+          </p:cNvPr>
+          <p:cNvPicPr>
+            <a:picLocks noChangeAspect="1"/>
+          </p:cNvPicPr>
+          <p:nvPr/>
+        </p:nvPicPr>
+        <p:blipFill>
+          <a:blip r:embed="rId6"/>
+          <a:stretch>
+            <a:fillRect/>
+          </a:stretch>
+        </p:blipFill>
+        <p:spPr>
+          <a:xfrm>
+            <a:off x="5572126" y="0"/>
+            <a:ext cx="3443289" cy="3180494"/>
           </a:xfrm>
           <a:prstGeom prst="rect">
             <a:avLst/>
@@ -6394,7 +7749,7 @@
     </p:spTree>
     <p:extLst>
       <p:ext uri="{BB962C8B-B14F-4D97-AF65-F5344CB8AC3E}">
-        <p14:creationId xmlns:p14="http://schemas.microsoft.com/office/powerpoint/2010/main" val="3029228292"/>
+        <p14:creationId xmlns:p14="http://schemas.microsoft.com/office/powerpoint/2010/main" val="3861890404"/>
       </p:ext>
     </p:extLst>
   </p:cSld>
